--- a/Stream vs CG.pptx
+++ b/Stream vs CG.pptx
@@ -4,11 +4,21 @@
   <p:sldMasterIdLst>
     <p:sldMasterId id="2147483648" r:id="rId1"/>
   </p:sldMasterIdLst>
+  <p:notesMasterIdLst>
+    <p:notesMasterId r:id="rId13"/>
+  </p:notesMasterIdLst>
   <p:sldIdLst>
     <p:sldId id="256" r:id="rId2"/>
-    <p:sldId id="257" r:id="rId3"/>
-    <p:sldId id="258" r:id="rId4"/>
-    <p:sldId id="259" r:id="rId5"/>
+    <p:sldId id="260" r:id="rId3"/>
+    <p:sldId id="264" r:id="rId4"/>
+    <p:sldId id="266" r:id="rId5"/>
+    <p:sldId id="261" r:id="rId6"/>
+    <p:sldId id="262" r:id="rId7"/>
+    <p:sldId id="265" r:id="rId8"/>
+    <p:sldId id="257" r:id="rId9"/>
+    <p:sldId id="258" r:id="rId10"/>
+    <p:sldId id="267" r:id="rId11"/>
+    <p:sldId id="268" r:id="rId12"/>
   </p:sldIdLst>
   <p:sldSz cx="12192000" cy="6858000"/>
   <p:notesSz cx="6858000" cy="9144000"/>
@@ -107,7 +117,5388 @@
       </a:defRPr>
     </a:lvl9pPr>
   </p:defaultTextStyle>
+  <p:extLst>
+    <p:ext uri="{EFAFB233-063F-42B5-8137-9DF3F51BA10A}">
+      <p15:sldGuideLst xmlns:p15="http://schemas.microsoft.com/office/powerpoint/2012/main"/>
+    </p:ext>
+  </p:extLst>
 </p:presentation>
+</file>
+
+<file path=ppt/charts/chart1.xml><?xml version="1.0" encoding="utf-8"?>
+<c:chartSpace xmlns:c="http://schemas.openxmlformats.org/drawingml/2006/chart" xmlns:a="http://schemas.openxmlformats.org/drawingml/2006/main" xmlns:r="http://schemas.openxmlformats.org/officeDocument/2006/relationships" xmlns:c16r2="http://schemas.microsoft.com/office/drawing/2015/06/chart">
+  <c:date1904 val="0"/>
+  <c:lang val="en-GB"/>
+  <c:roundedCorners val="0"/>
+  <mc:AlternateContent xmlns:mc="http://schemas.openxmlformats.org/markup-compatibility/2006">
+    <mc:Choice xmlns:c14="http://schemas.microsoft.com/office/drawing/2007/8/2/chart" Requires="c14">
+      <c14:style val="102"/>
+    </mc:Choice>
+    <mc:Fallback>
+      <c:style val="2"/>
+    </mc:Fallback>
+  </mc:AlternateContent>
+  <c:chart>
+    <c:title>
+      <c:overlay val="0"/>
+      <c:spPr>
+        <a:noFill/>
+        <a:ln>
+          <a:noFill/>
+        </a:ln>
+        <a:effectLst/>
+      </c:spPr>
+      <c:txPr>
+        <a:bodyPr rot="0" spcFirstLastPara="1" vertOverflow="ellipsis" vert="horz" wrap="square" anchor="ctr" anchorCtr="1"/>
+        <a:lstStyle/>
+        <a:p>
+          <a:pPr>
+            <a:defRPr sz="1862" b="0" i="0" u="none" strike="noStrike" kern="1200" spc="0" baseline="0">
+              <a:solidFill>
+                <a:schemeClr val="tx1">
+                  <a:lumMod val="65000"/>
+                  <a:lumOff val="35000"/>
+                </a:schemeClr>
+              </a:solidFill>
+              <a:latin typeface="+mn-lt"/>
+              <a:ea typeface="+mn-ea"/>
+              <a:cs typeface="+mn-cs"/>
+            </a:defRPr>
+          </a:pPr>
+          <a:endParaRPr lang="en-DE"/>
+        </a:p>
+      </c:txPr>
+    </c:title>
+    <c:autoTitleDeleted val="0"/>
+    <c:plotArea>
+      <c:layout/>
+      <c:barChart>
+        <c:barDir val="col"/>
+        <c:grouping val="clustered"/>
+        <c:varyColors val="0"/>
+        <c:ser>
+          <c:idx val="0"/>
+          <c:order val="0"/>
+          <c:tx>
+            <c:strRef>
+              <c:f>Sheet1!$B$1</c:f>
+              <c:strCache>
+                <c:ptCount val="1"/>
+                <c:pt idx="0">
+                  <c:v>Stream(DRAM)</c:v>
+                </c:pt>
+              </c:strCache>
+            </c:strRef>
+          </c:tx>
+          <c:spPr>
+            <a:solidFill>
+              <a:schemeClr val="accent1"/>
+            </a:solidFill>
+            <a:ln>
+              <a:noFill/>
+            </a:ln>
+            <a:effectLst/>
+          </c:spPr>
+          <c:invertIfNegative val="0"/>
+          <c:cat>
+            <c:strRef>
+              <c:f>Sheet1!$A$2:$A$3</c:f>
+              <c:strCache>
+                <c:ptCount val="2"/>
+                <c:pt idx="0">
+                  <c:v>Uncore=12Ghz</c:v>
+                </c:pt>
+                <c:pt idx="1">
+                  <c:v>Uncore=30Ghz</c:v>
+                </c:pt>
+              </c:strCache>
+            </c:strRef>
+          </c:cat>
+          <c:val>
+            <c:numRef>
+              <c:f>Sheet1!$B$2:$B$3</c:f>
+              <c:numCache>
+                <c:formatCode>0.00E+00</c:formatCode>
+                <c:ptCount val="2"/>
+                <c:pt idx="0">
+                  <c:v>36266820000</c:v>
+                </c:pt>
+                <c:pt idx="1">
+                  <c:v>51282100000</c:v>
+                </c:pt>
+              </c:numCache>
+            </c:numRef>
+          </c:val>
+          <c:extLst>
+            <c:ext xmlns:c16="http://schemas.microsoft.com/office/drawing/2014/chart" uri="{C3380CC4-5D6E-409C-BE32-E72D297353CC}">
+              <c16:uniqueId val="{00000000-78BD-EB4F-9DFF-55327FA458E6}"/>
+            </c:ext>
+          </c:extLst>
+        </c:ser>
+        <c:ser>
+          <c:idx val="1"/>
+          <c:order val="1"/>
+          <c:tx>
+            <c:strRef>
+              <c:f>Sheet1!$C$1</c:f>
+              <c:strCache>
+                <c:ptCount val="1"/>
+                <c:pt idx="0">
+                  <c:v>CG(C)</c:v>
+                </c:pt>
+              </c:strCache>
+            </c:strRef>
+          </c:tx>
+          <c:spPr>
+            <a:solidFill>
+              <a:schemeClr val="accent2"/>
+            </a:solidFill>
+            <a:ln>
+              <a:noFill/>
+            </a:ln>
+            <a:effectLst/>
+          </c:spPr>
+          <c:invertIfNegative val="0"/>
+          <c:cat>
+            <c:strRef>
+              <c:f>Sheet1!$A$2:$A$3</c:f>
+              <c:strCache>
+                <c:ptCount val="2"/>
+                <c:pt idx="0">
+                  <c:v>Uncore=12Ghz</c:v>
+                </c:pt>
+                <c:pt idx="1">
+                  <c:v>Uncore=30Ghz</c:v>
+                </c:pt>
+              </c:strCache>
+            </c:strRef>
+          </c:cat>
+          <c:val>
+            <c:numRef>
+              <c:f>Sheet1!$C$2:$C$3</c:f>
+              <c:numCache>
+                <c:formatCode>0.00E+00</c:formatCode>
+                <c:ptCount val="2"/>
+                <c:pt idx="0">
+                  <c:v>16126234100</c:v>
+                </c:pt>
+                <c:pt idx="1">
+                  <c:v>25669054300</c:v>
+                </c:pt>
+              </c:numCache>
+            </c:numRef>
+          </c:val>
+          <c:extLst>
+            <c:ext xmlns:c16="http://schemas.microsoft.com/office/drawing/2014/chart" uri="{C3380CC4-5D6E-409C-BE32-E72D297353CC}">
+              <c16:uniqueId val="{00000001-78BD-EB4F-9DFF-55327FA458E6}"/>
+            </c:ext>
+          </c:extLst>
+        </c:ser>
+        <c:dLbls>
+          <c:showLegendKey val="0"/>
+          <c:showVal val="0"/>
+          <c:showCatName val="0"/>
+          <c:showSerName val="0"/>
+          <c:showPercent val="0"/>
+          <c:showBubbleSize val="0"/>
+        </c:dLbls>
+        <c:gapWidth val="219"/>
+        <c:overlap val="-27"/>
+        <c:axId val="19664479"/>
+        <c:axId val="19674495"/>
+      </c:barChart>
+      <c:catAx>
+        <c:axId val="19664479"/>
+        <c:scaling>
+          <c:orientation val="minMax"/>
+        </c:scaling>
+        <c:delete val="0"/>
+        <c:axPos val="b"/>
+        <c:numFmt formatCode="General" sourceLinked="1"/>
+        <c:majorTickMark val="none"/>
+        <c:minorTickMark val="none"/>
+        <c:tickLblPos val="nextTo"/>
+        <c:spPr>
+          <a:noFill/>
+          <a:ln w="9525" cap="flat" cmpd="sng" algn="ctr">
+            <a:solidFill>
+              <a:schemeClr val="tx1">
+                <a:lumMod val="15000"/>
+                <a:lumOff val="85000"/>
+              </a:schemeClr>
+            </a:solidFill>
+            <a:round/>
+          </a:ln>
+          <a:effectLst/>
+        </c:spPr>
+        <c:txPr>
+          <a:bodyPr rot="-60000000" spcFirstLastPara="1" vertOverflow="ellipsis" vert="horz" wrap="square" anchor="ctr" anchorCtr="1"/>
+          <a:lstStyle/>
+          <a:p>
+            <a:pPr>
+              <a:defRPr sz="1197" b="0" i="0" u="none" strike="noStrike" kern="1200" baseline="0">
+                <a:solidFill>
+                  <a:schemeClr val="tx1">
+                    <a:lumMod val="65000"/>
+                    <a:lumOff val="35000"/>
+                  </a:schemeClr>
+                </a:solidFill>
+                <a:latin typeface="+mn-lt"/>
+                <a:ea typeface="+mn-ea"/>
+                <a:cs typeface="+mn-cs"/>
+              </a:defRPr>
+            </a:pPr>
+            <a:endParaRPr lang="en-DE"/>
+          </a:p>
+        </c:txPr>
+        <c:crossAx val="19674495"/>
+        <c:crosses val="autoZero"/>
+        <c:auto val="1"/>
+        <c:lblAlgn val="ctr"/>
+        <c:lblOffset val="100"/>
+        <c:noMultiLvlLbl val="0"/>
+      </c:catAx>
+      <c:valAx>
+        <c:axId val="19674495"/>
+        <c:scaling>
+          <c:orientation val="minMax"/>
+        </c:scaling>
+        <c:delete val="0"/>
+        <c:axPos val="l"/>
+        <c:majorGridlines>
+          <c:spPr>
+            <a:ln w="9525" cap="flat" cmpd="sng" algn="ctr">
+              <a:solidFill>
+                <a:schemeClr val="tx1">
+                  <a:lumMod val="15000"/>
+                  <a:lumOff val="85000"/>
+                </a:schemeClr>
+              </a:solidFill>
+              <a:round/>
+            </a:ln>
+            <a:effectLst/>
+          </c:spPr>
+        </c:majorGridlines>
+        <c:numFmt formatCode="0.00E+00" sourceLinked="1"/>
+        <c:majorTickMark val="none"/>
+        <c:minorTickMark val="none"/>
+        <c:tickLblPos val="nextTo"/>
+        <c:spPr>
+          <a:noFill/>
+          <a:ln>
+            <a:noFill/>
+          </a:ln>
+          <a:effectLst/>
+        </c:spPr>
+        <c:txPr>
+          <a:bodyPr rot="-60000000" spcFirstLastPara="1" vertOverflow="ellipsis" vert="horz" wrap="square" anchor="ctr" anchorCtr="1"/>
+          <a:lstStyle/>
+          <a:p>
+            <a:pPr>
+              <a:defRPr sz="1197" b="0" i="0" u="none" strike="noStrike" kern="1200" baseline="0">
+                <a:solidFill>
+                  <a:schemeClr val="tx1">
+                    <a:lumMod val="65000"/>
+                    <a:lumOff val="35000"/>
+                  </a:schemeClr>
+                </a:solidFill>
+                <a:latin typeface="+mn-lt"/>
+                <a:ea typeface="+mn-ea"/>
+                <a:cs typeface="+mn-cs"/>
+              </a:defRPr>
+            </a:pPr>
+            <a:endParaRPr lang="en-DE"/>
+          </a:p>
+        </c:txPr>
+        <c:crossAx val="19664479"/>
+        <c:crosses val="autoZero"/>
+        <c:crossBetween val="between"/>
+      </c:valAx>
+      <c:spPr>
+        <a:noFill/>
+        <a:ln>
+          <a:noFill/>
+        </a:ln>
+        <a:effectLst/>
+      </c:spPr>
+    </c:plotArea>
+    <c:legend>
+      <c:legendPos val="b"/>
+      <c:overlay val="0"/>
+      <c:spPr>
+        <a:noFill/>
+        <a:ln>
+          <a:noFill/>
+        </a:ln>
+        <a:effectLst/>
+      </c:spPr>
+      <c:txPr>
+        <a:bodyPr rot="0" spcFirstLastPara="1" vertOverflow="ellipsis" vert="horz" wrap="square" anchor="ctr" anchorCtr="1"/>
+        <a:lstStyle/>
+        <a:p>
+          <a:pPr>
+            <a:defRPr sz="1197" b="0" i="0" u="none" strike="noStrike" kern="1200" baseline="0">
+              <a:solidFill>
+                <a:schemeClr val="tx1">
+                  <a:lumMod val="65000"/>
+                  <a:lumOff val="35000"/>
+                </a:schemeClr>
+              </a:solidFill>
+              <a:latin typeface="+mn-lt"/>
+              <a:ea typeface="+mn-ea"/>
+              <a:cs typeface="+mn-cs"/>
+            </a:defRPr>
+          </a:pPr>
+          <a:endParaRPr lang="en-DE"/>
+        </a:p>
+      </c:txPr>
+    </c:legend>
+    <c:plotVisOnly val="1"/>
+    <c:dispBlanksAs val="gap"/>
+    <c:extLst>
+      <c:ext xmlns:c16r3="http://schemas.microsoft.com/office/drawing/2017/03/chart" uri="{56B9EC1D-385E-4148-901F-78D8002777C0}">
+        <c16r3:dataDisplayOptions16>
+          <c16r3:dispNaAsBlank val="1"/>
+        </c16r3:dataDisplayOptions16>
+      </c:ext>
+    </c:extLst>
+    <c:showDLblsOverMax val="0"/>
+  </c:chart>
+  <c:spPr>
+    <a:noFill/>
+    <a:ln>
+      <a:noFill/>
+    </a:ln>
+    <a:effectLst/>
+  </c:spPr>
+  <c:txPr>
+    <a:bodyPr/>
+    <a:lstStyle/>
+    <a:p>
+      <a:pPr>
+        <a:defRPr/>
+      </a:pPr>
+      <a:endParaRPr lang="en-DE"/>
+    </a:p>
+  </c:txPr>
+  <c:externalData r:id="rId3">
+    <c:autoUpdate val="0"/>
+  </c:externalData>
+</c:chartSpace>
+</file>
+
+<file path=ppt/charts/chart2.xml><?xml version="1.0" encoding="utf-8"?>
+<c:chartSpace xmlns:c="http://schemas.openxmlformats.org/drawingml/2006/chart" xmlns:a="http://schemas.openxmlformats.org/drawingml/2006/main" xmlns:r="http://schemas.openxmlformats.org/officeDocument/2006/relationships" xmlns:c16r2="http://schemas.microsoft.com/office/drawing/2015/06/chart">
+  <c:date1904 val="0"/>
+  <c:lang val="en-GB"/>
+  <c:roundedCorners val="0"/>
+  <mc:AlternateContent xmlns:mc="http://schemas.openxmlformats.org/markup-compatibility/2006">
+    <mc:Choice xmlns:c14="http://schemas.microsoft.com/office/drawing/2007/8/2/chart" Requires="c14">
+      <c14:style val="102"/>
+    </mc:Choice>
+    <mc:Fallback>
+      <c:style val="2"/>
+    </mc:Fallback>
+  </mc:AlternateContent>
+  <c:chart>
+    <c:title>
+      <c:overlay val="0"/>
+      <c:spPr>
+        <a:noFill/>
+        <a:ln>
+          <a:noFill/>
+        </a:ln>
+        <a:effectLst/>
+      </c:spPr>
+      <c:txPr>
+        <a:bodyPr rot="0" spcFirstLastPara="1" vertOverflow="ellipsis" vert="horz" wrap="square" anchor="ctr" anchorCtr="1"/>
+        <a:lstStyle/>
+        <a:p>
+          <a:pPr>
+            <a:defRPr sz="1862" b="0" i="0" u="none" strike="noStrike" kern="1200" spc="0" baseline="0">
+              <a:solidFill>
+                <a:schemeClr val="tx1">
+                  <a:lumMod val="65000"/>
+                  <a:lumOff val="35000"/>
+                </a:schemeClr>
+              </a:solidFill>
+              <a:latin typeface="+mn-lt"/>
+              <a:ea typeface="+mn-ea"/>
+              <a:cs typeface="+mn-cs"/>
+            </a:defRPr>
+          </a:pPr>
+          <a:endParaRPr lang="en-DE"/>
+        </a:p>
+      </c:txPr>
+    </c:title>
+    <c:autoTitleDeleted val="0"/>
+    <c:plotArea>
+      <c:layout/>
+      <c:barChart>
+        <c:barDir val="col"/>
+        <c:grouping val="clustered"/>
+        <c:varyColors val="0"/>
+        <c:ser>
+          <c:idx val="0"/>
+          <c:order val="0"/>
+          <c:tx>
+            <c:strRef>
+              <c:f>Sheet1!$B$1</c:f>
+              <c:strCache>
+                <c:ptCount val="1"/>
+                <c:pt idx="0">
+                  <c:v>Stream(L3)</c:v>
+                </c:pt>
+              </c:strCache>
+            </c:strRef>
+          </c:tx>
+          <c:spPr>
+            <a:solidFill>
+              <a:schemeClr val="accent1"/>
+            </a:solidFill>
+            <a:ln>
+              <a:noFill/>
+            </a:ln>
+            <a:effectLst/>
+          </c:spPr>
+          <c:invertIfNegative val="0"/>
+          <c:cat>
+            <c:numRef>
+              <c:f>Sheet1!$A$2:$A$3</c:f>
+              <c:numCache>
+                <c:formatCode>General</c:formatCode>
+                <c:ptCount val="2"/>
+              </c:numCache>
+            </c:numRef>
+          </c:cat>
+          <c:val>
+            <c:numRef>
+              <c:f>Sheet1!$B$2:$B$3</c:f>
+              <c:numCache>
+                <c:formatCode>0.00E+00</c:formatCode>
+                <c:ptCount val="2"/>
+                <c:pt idx="0">
+                  <c:v>222752300000</c:v>
+                </c:pt>
+              </c:numCache>
+            </c:numRef>
+          </c:val>
+          <c:extLst>
+            <c:ext xmlns:c16="http://schemas.microsoft.com/office/drawing/2014/chart" uri="{C3380CC4-5D6E-409C-BE32-E72D297353CC}">
+              <c16:uniqueId val="{00000000-5EAC-AD45-9CF4-45BD150E2D86}"/>
+            </c:ext>
+          </c:extLst>
+        </c:ser>
+        <c:ser>
+          <c:idx val="1"/>
+          <c:order val="1"/>
+          <c:tx>
+            <c:strRef>
+              <c:f>Sheet1!$C$1</c:f>
+              <c:strCache>
+                <c:ptCount val="1"/>
+                <c:pt idx="0">
+                  <c:v>CG(B)</c:v>
+                </c:pt>
+              </c:strCache>
+            </c:strRef>
+          </c:tx>
+          <c:spPr>
+            <a:solidFill>
+              <a:schemeClr val="accent2"/>
+            </a:solidFill>
+            <a:ln>
+              <a:noFill/>
+            </a:ln>
+            <a:effectLst/>
+          </c:spPr>
+          <c:invertIfNegative val="0"/>
+          <c:cat>
+            <c:numRef>
+              <c:f>Sheet1!$A$2:$A$3</c:f>
+              <c:numCache>
+                <c:formatCode>General</c:formatCode>
+                <c:ptCount val="2"/>
+              </c:numCache>
+            </c:numRef>
+          </c:cat>
+          <c:val>
+            <c:numRef>
+              <c:f>Sheet1!$C$2:$C$3</c:f>
+              <c:numCache>
+                <c:formatCode>0.00E+00</c:formatCode>
+                <c:ptCount val="2"/>
+                <c:pt idx="0">
+                  <c:v>209791800000</c:v>
+                </c:pt>
+              </c:numCache>
+            </c:numRef>
+          </c:val>
+          <c:extLst>
+            <c:ext xmlns:c16="http://schemas.microsoft.com/office/drawing/2014/chart" uri="{C3380CC4-5D6E-409C-BE32-E72D297353CC}">
+              <c16:uniqueId val="{00000001-5EAC-AD45-9CF4-45BD150E2D86}"/>
+            </c:ext>
+          </c:extLst>
+        </c:ser>
+        <c:dLbls>
+          <c:showLegendKey val="0"/>
+          <c:showVal val="0"/>
+          <c:showCatName val="0"/>
+          <c:showSerName val="0"/>
+          <c:showPercent val="0"/>
+          <c:showBubbleSize val="0"/>
+        </c:dLbls>
+        <c:gapWidth val="219"/>
+        <c:overlap val="-27"/>
+        <c:axId val="24833695"/>
+        <c:axId val="24835327"/>
+      </c:barChart>
+      <c:catAx>
+        <c:axId val="24833695"/>
+        <c:scaling>
+          <c:orientation val="minMax"/>
+        </c:scaling>
+        <c:delete val="0"/>
+        <c:axPos val="b"/>
+        <c:numFmt formatCode="General" sourceLinked="1"/>
+        <c:majorTickMark val="none"/>
+        <c:minorTickMark val="none"/>
+        <c:tickLblPos val="nextTo"/>
+        <c:spPr>
+          <a:noFill/>
+          <a:ln w="9525" cap="flat" cmpd="sng" algn="ctr">
+            <a:solidFill>
+              <a:schemeClr val="tx1">
+                <a:lumMod val="15000"/>
+                <a:lumOff val="85000"/>
+              </a:schemeClr>
+            </a:solidFill>
+            <a:round/>
+          </a:ln>
+          <a:effectLst/>
+        </c:spPr>
+        <c:txPr>
+          <a:bodyPr rot="-60000000" spcFirstLastPara="1" vertOverflow="ellipsis" vert="horz" wrap="square" anchor="ctr" anchorCtr="1"/>
+          <a:lstStyle/>
+          <a:p>
+            <a:pPr>
+              <a:defRPr sz="1197" b="0" i="0" u="none" strike="noStrike" kern="1200" baseline="0">
+                <a:solidFill>
+                  <a:schemeClr val="tx1">
+                    <a:lumMod val="65000"/>
+                    <a:lumOff val="35000"/>
+                  </a:schemeClr>
+                </a:solidFill>
+                <a:latin typeface="+mn-lt"/>
+                <a:ea typeface="+mn-ea"/>
+                <a:cs typeface="+mn-cs"/>
+              </a:defRPr>
+            </a:pPr>
+            <a:endParaRPr lang="en-DE"/>
+          </a:p>
+        </c:txPr>
+        <c:crossAx val="24835327"/>
+        <c:crosses val="autoZero"/>
+        <c:auto val="1"/>
+        <c:lblAlgn val="ctr"/>
+        <c:lblOffset val="100"/>
+        <c:noMultiLvlLbl val="0"/>
+      </c:catAx>
+      <c:valAx>
+        <c:axId val="24835327"/>
+        <c:scaling>
+          <c:orientation val="minMax"/>
+          <c:min val="0"/>
+        </c:scaling>
+        <c:delete val="0"/>
+        <c:axPos val="l"/>
+        <c:majorGridlines>
+          <c:spPr>
+            <a:ln w="9525" cap="flat" cmpd="sng" algn="ctr">
+              <a:solidFill>
+                <a:schemeClr val="tx1">
+                  <a:lumMod val="15000"/>
+                  <a:lumOff val="85000"/>
+                </a:schemeClr>
+              </a:solidFill>
+              <a:round/>
+            </a:ln>
+            <a:effectLst/>
+          </c:spPr>
+        </c:majorGridlines>
+        <c:numFmt formatCode="0.00E+00" sourceLinked="1"/>
+        <c:majorTickMark val="none"/>
+        <c:minorTickMark val="none"/>
+        <c:tickLblPos val="nextTo"/>
+        <c:spPr>
+          <a:noFill/>
+          <a:ln>
+            <a:noFill/>
+          </a:ln>
+          <a:effectLst/>
+        </c:spPr>
+        <c:txPr>
+          <a:bodyPr rot="-60000000" spcFirstLastPara="1" vertOverflow="ellipsis" vert="horz" wrap="square" anchor="ctr" anchorCtr="1"/>
+          <a:lstStyle/>
+          <a:p>
+            <a:pPr>
+              <a:defRPr sz="1197" b="0" i="0" u="none" strike="noStrike" kern="1200" baseline="0">
+                <a:solidFill>
+                  <a:schemeClr val="tx1">
+                    <a:lumMod val="65000"/>
+                    <a:lumOff val="35000"/>
+                  </a:schemeClr>
+                </a:solidFill>
+                <a:latin typeface="+mn-lt"/>
+                <a:ea typeface="+mn-ea"/>
+                <a:cs typeface="+mn-cs"/>
+              </a:defRPr>
+            </a:pPr>
+            <a:endParaRPr lang="en-DE"/>
+          </a:p>
+        </c:txPr>
+        <c:crossAx val="24833695"/>
+        <c:crosses val="autoZero"/>
+        <c:crossBetween val="between"/>
+      </c:valAx>
+      <c:spPr>
+        <a:noFill/>
+        <a:ln>
+          <a:noFill/>
+        </a:ln>
+        <a:effectLst/>
+      </c:spPr>
+    </c:plotArea>
+    <c:legend>
+      <c:legendPos val="b"/>
+      <c:layout>
+        <c:manualLayout>
+          <c:xMode val="edge"/>
+          <c:yMode val="edge"/>
+          <c:x val="0.43555565065236412"/>
+          <c:y val="0.92276122884501277"/>
+          <c:w val="0.21826067937160029"/>
+          <c:h val="5.9726916180724184E-2"/>
+        </c:manualLayout>
+      </c:layout>
+      <c:overlay val="0"/>
+      <c:spPr>
+        <a:noFill/>
+        <a:ln>
+          <a:noFill/>
+        </a:ln>
+        <a:effectLst/>
+      </c:spPr>
+      <c:txPr>
+        <a:bodyPr rot="0" spcFirstLastPara="1" vertOverflow="ellipsis" vert="horz" wrap="square" anchor="ctr" anchorCtr="1"/>
+        <a:lstStyle/>
+        <a:p>
+          <a:pPr>
+            <a:defRPr sz="1197" b="0" i="0" u="none" strike="noStrike" kern="1200" baseline="0">
+              <a:solidFill>
+                <a:schemeClr val="tx1">
+                  <a:lumMod val="65000"/>
+                  <a:lumOff val="35000"/>
+                </a:schemeClr>
+              </a:solidFill>
+              <a:latin typeface="+mn-lt"/>
+              <a:ea typeface="+mn-ea"/>
+              <a:cs typeface="+mn-cs"/>
+            </a:defRPr>
+          </a:pPr>
+          <a:endParaRPr lang="en-DE"/>
+        </a:p>
+      </c:txPr>
+    </c:legend>
+    <c:plotVisOnly val="1"/>
+    <c:dispBlanksAs val="gap"/>
+    <c:extLst>
+      <c:ext xmlns:c16r3="http://schemas.microsoft.com/office/drawing/2017/03/chart" uri="{56B9EC1D-385E-4148-901F-78D8002777C0}">
+        <c16r3:dataDisplayOptions16>
+          <c16r3:dispNaAsBlank val="1"/>
+        </c16r3:dataDisplayOptions16>
+      </c:ext>
+    </c:extLst>
+    <c:showDLblsOverMax val="0"/>
+  </c:chart>
+  <c:spPr>
+    <a:noFill/>
+    <a:ln>
+      <a:noFill/>
+    </a:ln>
+    <a:effectLst/>
+  </c:spPr>
+  <c:txPr>
+    <a:bodyPr/>
+    <a:lstStyle/>
+    <a:p>
+      <a:pPr>
+        <a:defRPr/>
+      </a:pPr>
+      <a:endParaRPr lang="en-DE"/>
+    </a:p>
+  </c:txPr>
+  <c:externalData r:id="rId3">
+    <c:autoUpdate val="0"/>
+  </c:externalData>
+</c:chartSpace>
+</file>
+
+<file path=ppt/charts/chart3.xml><?xml version="1.0" encoding="utf-8"?>
+<c:chartSpace xmlns:c="http://schemas.openxmlformats.org/drawingml/2006/chart" xmlns:a="http://schemas.openxmlformats.org/drawingml/2006/main" xmlns:r="http://schemas.openxmlformats.org/officeDocument/2006/relationships" xmlns:c16r2="http://schemas.microsoft.com/office/drawing/2015/06/chart">
+  <c:date1904 val="0"/>
+  <c:lang val="en-GB"/>
+  <c:roundedCorners val="0"/>
+  <mc:AlternateContent xmlns:mc="http://schemas.openxmlformats.org/markup-compatibility/2006">
+    <mc:Choice xmlns:c14="http://schemas.microsoft.com/office/drawing/2007/8/2/chart" Requires="c14">
+      <c14:style val="102"/>
+    </mc:Choice>
+    <mc:Fallback>
+      <c:style val="2"/>
+    </mc:Fallback>
+  </mc:AlternateContent>
+  <c:chart>
+    <c:title>
+      <c:overlay val="0"/>
+      <c:spPr>
+        <a:noFill/>
+        <a:ln>
+          <a:noFill/>
+        </a:ln>
+        <a:effectLst/>
+      </c:spPr>
+      <c:txPr>
+        <a:bodyPr rot="0" spcFirstLastPara="1" vertOverflow="ellipsis" vert="horz" wrap="square" anchor="ctr" anchorCtr="1"/>
+        <a:lstStyle/>
+        <a:p>
+          <a:pPr>
+            <a:defRPr sz="1862" b="0" i="0" u="none" strike="noStrike" kern="1200" spc="0" baseline="0">
+              <a:solidFill>
+                <a:schemeClr val="tx1">
+                  <a:lumMod val="65000"/>
+                  <a:lumOff val="35000"/>
+                </a:schemeClr>
+              </a:solidFill>
+              <a:latin typeface="+mn-lt"/>
+              <a:ea typeface="+mn-ea"/>
+              <a:cs typeface="+mn-cs"/>
+            </a:defRPr>
+          </a:pPr>
+          <a:endParaRPr lang="en-DE"/>
+        </a:p>
+      </c:txPr>
+    </c:title>
+    <c:autoTitleDeleted val="0"/>
+    <c:plotArea>
+      <c:layout/>
+      <c:barChart>
+        <c:barDir val="col"/>
+        <c:grouping val="clustered"/>
+        <c:varyColors val="0"/>
+        <c:ser>
+          <c:idx val="0"/>
+          <c:order val="0"/>
+          <c:tx>
+            <c:strRef>
+              <c:f>Sheet1!$B$1</c:f>
+              <c:strCache>
+                <c:ptCount val="1"/>
+                <c:pt idx="0">
+                  <c:v>Stream(L3)</c:v>
+                </c:pt>
+              </c:strCache>
+            </c:strRef>
+          </c:tx>
+          <c:spPr>
+            <a:solidFill>
+              <a:schemeClr val="accent1"/>
+            </a:solidFill>
+            <a:ln>
+              <a:noFill/>
+            </a:ln>
+            <a:effectLst/>
+          </c:spPr>
+          <c:invertIfNegative val="0"/>
+          <c:cat>
+            <c:numRef>
+              <c:f>Sheet1!$A$2</c:f>
+              <c:numCache>
+                <c:formatCode>General</c:formatCode>
+                <c:ptCount val="1"/>
+              </c:numCache>
+            </c:numRef>
+          </c:cat>
+          <c:val>
+            <c:numRef>
+              <c:f>Sheet1!$B$2</c:f>
+              <c:numCache>
+                <c:formatCode>0.00%</c:formatCode>
+                <c:ptCount val="1"/>
+                <c:pt idx="0">
+                  <c:v>0.126</c:v>
+                </c:pt>
+              </c:numCache>
+            </c:numRef>
+          </c:val>
+          <c:extLst>
+            <c:ext xmlns:c16="http://schemas.microsoft.com/office/drawing/2014/chart" uri="{C3380CC4-5D6E-409C-BE32-E72D297353CC}">
+              <c16:uniqueId val="{00000000-64EF-BC46-9575-72C37B9C1318}"/>
+            </c:ext>
+          </c:extLst>
+        </c:ser>
+        <c:ser>
+          <c:idx val="1"/>
+          <c:order val="1"/>
+          <c:tx>
+            <c:strRef>
+              <c:f>Sheet1!$C$1</c:f>
+              <c:strCache>
+                <c:ptCount val="1"/>
+                <c:pt idx="0">
+                  <c:v>CG(C)</c:v>
+                </c:pt>
+              </c:strCache>
+            </c:strRef>
+          </c:tx>
+          <c:spPr>
+            <a:solidFill>
+              <a:schemeClr val="accent2"/>
+            </a:solidFill>
+            <a:ln>
+              <a:noFill/>
+            </a:ln>
+            <a:effectLst/>
+          </c:spPr>
+          <c:invertIfNegative val="0"/>
+          <c:cat>
+            <c:numRef>
+              <c:f>Sheet1!$A$2</c:f>
+              <c:numCache>
+                <c:formatCode>General</c:formatCode>
+                <c:ptCount val="1"/>
+              </c:numCache>
+            </c:numRef>
+          </c:cat>
+          <c:val>
+            <c:numRef>
+              <c:f>Sheet1!$C$2</c:f>
+              <c:numCache>
+                <c:formatCode>0.00%</c:formatCode>
+                <c:ptCount val="1"/>
+                <c:pt idx="0">
+                  <c:v>0.752</c:v>
+                </c:pt>
+              </c:numCache>
+            </c:numRef>
+          </c:val>
+          <c:extLst>
+            <c:ext xmlns:c16="http://schemas.microsoft.com/office/drawing/2014/chart" uri="{C3380CC4-5D6E-409C-BE32-E72D297353CC}">
+              <c16:uniqueId val="{00000001-64EF-BC46-9575-72C37B9C1318}"/>
+            </c:ext>
+          </c:extLst>
+        </c:ser>
+        <c:ser>
+          <c:idx val="2"/>
+          <c:order val="2"/>
+          <c:tx>
+            <c:strRef>
+              <c:f>Sheet1!$D$1</c:f>
+              <c:strCache>
+                <c:ptCount val="1"/>
+                <c:pt idx="0">
+                  <c:v>CG(B)</c:v>
+                </c:pt>
+              </c:strCache>
+            </c:strRef>
+          </c:tx>
+          <c:spPr>
+            <a:solidFill>
+              <a:schemeClr val="accent3"/>
+            </a:solidFill>
+            <a:ln>
+              <a:noFill/>
+            </a:ln>
+            <a:effectLst/>
+          </c:spPr>
+          <c:invertIfNegative val="0"/>
+          <c:cat>
+            <c:numRef>
+              <c:f>Sheet1!$A$2</c:f>
+              <c:numCache>
+                <c:formatCode>General</c:formatCode>
+                <c:ptCount val="1"/>
+              </c:numCache>
+            </c:numRef>
+          </c:cat>
+          <c:val>
+            <c:numRef>
+              <c:f>Sheet1!$D$2</c:f>
+              <c:numCache>
+                <c:formatCode>0.00%</c:formatCode>
+                <c:ptCount val="1"/>
+                <c:pt idx="0">
+                  <c:v>0.21379999999999999</c:v>
+                </c:pt>
+              </c:numCache>
+            </c:numRef>
+          </c:val>
+          <c:extLst>
+            <c:ext xmlns:c16="http://schemas.microsoft.com/office/drawing/2014/chart" uri="{C3380CC4-5D6E-409C-BE32-E72D297353CC}">
+              <c16:uniqueId val="{00000002-64EF-BC46-9575-72C37B9C1318}"/>
+            </c:ext>
+          </c:extLst>
+        </c:ser>
+        <c:dLbls>
+          <c:showLegendKey val="0"/>
+          <c:showVal val="0"/>
+          <c:showCatName val="0"/>
+          <c:showSerName val="0"/>
+          <c:showPercent val="0"/>
+          <c:showBubbleSize val="0"/>
+        </c:dLbls>
+        <c:gapWidth val="219"/>
+        <c:overlap val="-27"/>
+        <c:axId val="1766216016"/>
+        <c:axId val="53222463"/>
+      </c:barChart>
+      <c:catAx>
+        <c:axId val="1766216016"/>
+        <c:scaling>
+          <c:orientation val="minMax"/>
+        </c:scaling>
+        <c:delete val="0"/>
+        <c:axPos val="b"/>
+        <c:numFmt formatCode="General" sourceLinked="1"/>
+        <c:majorTickMark val="none"/>
+        <c:minorTickMark val="none"/>
+        <c:tickLblPos val="nextTo"/>
+        <c:spPr>
+          <a:noFill/>
+          <a:ln w="9525" cap="flat" cmpd="sng" algn="ctr">
+            <a:solidFill>
+              <a:schemeClr val="tx1">
+                <a:lumMod val="15000"/>
+                <a:lumOff val="85000"/>
+              </a:schemeClr>
+            </a:solidFill>
+            <a:round/>
+          </a:ln>
+          <a:effectLst/>
+        </c:spPr>
+        <c:txPr>
+          <a:bodyPr rot="-60000000" spcFirstLastPara="1" vertOverflow="ellipsis" vert="horz" wrap="square" anchor="ctr" anchorCtr="1"/>
+          <a:lstStyle/>
+          <a:p>
+            <a:pPr>
+              <a:defRPr sz="1197" b="0" i="0" u="none" strike="noStrike" kern="1200" baseline="0">
+                <a:solidFill>
+                  <a:schemeClr val="tx1">
+                    <a:lumMod val="65000"/>
+                    <a:lumOff val="35000"/>
+                  </a:schemeClr>
+                </a:solidFill>
+                <a:latin typeface="+mn-lt"/>
+                <a:ea typeface="+mn-ea"/>
+                <a:cs typeface="+mn-cs"/>
+              </a:defRPr>
+            </a:pPr>
+            <a:endParaRPr lang="en-DE"/>
+          </a:p>
+        </c:txPr>
+        <c:crossAx val="53222463"/>
+        <c:crosses val="autoZero"/>
+        <c:auto val="1"/>
+        <c:lblAlgn val="ctr"/>
+        <c:lblOffset val="100"/>
+        <c:noMultiLvlLbl val="0"/>
+      </c:catAx>
+      <c:valAx>
+        <c:axId val="53222463"/>
+        <c:scaling>
+          <c:orientation val="minMax"/>
+        </c:scaling>
+        <c:delete val="0"/>
+        <c:axPos val="l"/>
+        <c:majorGridlines>
+          <c:spPr>
+            <a:ln w="9525" cap="flat" cmpd="sng" algn="ctr">
+              <a:solidFill>
+                <a:schemeClr val="tx1">
+                  <a:lumMod val="15000"/>
+                  <a:lumOff val="85000"/>
+                </a:schemeClr>
+              </a:solidFill>
+              <a:round/>
+            </a:ln>
+            <a:effectLst/>
+          </c:spPr>
+        </c:majorGridlines>
+        <c:numFmt formatCode="0.00%" sourceLinked="1"/>
+        <c:majorTickMark val="none"/>
+        <c:minorTickMark val="none"/>
+        <c:tickLblPos val="nextTo"/>
+        <c:spPr>
+          <a:noFill/>
+          <a:ln>
+            <a:noFill/>
+          </a:ln>
+          <a:effectLst/>
+        </c:spPr>
+        <c:txPr>
+          <a:bodyPr rot="-60000000" spcFirstLastPara="1" vertOverflow="ellipsis" vert="horz" wrap="square" anchor="ctr" anchorCtr="1"/>
+          <a:lstStyle/>
+          <a:p>
+            <a:pPr>
+              <a:defRPr sz="1197" b="0" i="0" u="none" strike="noStrike" kern="1200" baseline="0">
+                <a:solidFill>
+                  <a:schemeClr val="tx1">
+                    <a:lumMod val="65000"/>
+                    <a:lumOff val="35000"/>
+                  </a:schemeClr>
+                </a:solidFill>
+                <a:latin typeface="+mn-lt"/>
+                <a:ea typeface="+mn-ea"/>
+                <a:cs typeface="+mn-cs"/>
+              </a:defRPr>
+            </a:pPr>
+            <a:endParaRPr lang="en-DE"/>
+          </a:p>
+        </c:txPr>
+        <c:crossAx val="1766216016"/>
+        <c:crosses val="autoZero"/>
+        <c:crossBetween val="between"/>
+      </c:valAx>
+      <c:spPr>
+        <a:noFill/>
+        <a:ln>
+          <a:noFill/>
+        </a:ln>
+        <a:effectLst/>
+      </c:spPr>
+    </c:plotArea>
+    <c:legend>
+      <c:legendPos val="b"/>
+      <c:overlay val="0"/>
+      <c:spPr>
+        <a:noFill/>
+        <a:ln>
+          <a:noFill/>
+        </a:ln>
+        <a:effectLst/>
+      </c:spPr>
+      <c:txPr>
+        <a:bodyPr rot="0" spcFirstLastPara="1" vertOverflow="ellipsis" vert="horz" wrap="square" anchor="ctr" anchorCtr="1"/>
+        <a:lstStyle/>
+        <a:p>
+          <a:pPr>
+            <a:defRPr sz="1197" b="0" i="0" u="none" strike="noStrike" kern="1200" baseline="0">
+              <a:solidFill>
+                <a:schemeClr val="tx1">
+                  <a:lumMod val="65000"/>
+                  <a:lumOff val="35000"/>
+                </a:schemeClr>
+              </a:solidFill>
+              <a:latin typeface="+mn-lt"/>
+              <a:ea typeface="+mn-ea"/>
+              <a:cs typeface="+mn-cs"/>
+            </a:defRPr>
+          </a:pPr>
+          <a:endParaRPr lang="en-DE"/>
+        </a:p>
+      </c:txPr>
+    </c:legend>
+    <c:plotVisOnly val="1"/>
+    <c:dispBlanksAs val="gap"/>
+    <c:extLst>
+      <c:ext xmlns:c16r3="http://schemas.microsoft.com/office/drawing/2017/03/chart" uri="{56B9EC1D-385E-4148-901F-78D8002777C0}">
+        <c16r3:dataDisplayOptions16>
+          <c16r3:dispNaAsBlank val="1"/>
+        </c16r3:dataDisplayOptions16>
+      </c:ext>
+    </c:extLst>
+    <c:showDLblsOverMax val="0"/>
+  </c:chart>
+  <c:spPr>
+    <a:noFill/>
+    <a:ln>
+      <a:noFill/>
+    </a:ln>
+    <a:effectLst/>
+  </c:spPr>
+  <c:txPr>
+    <a:bodyPr/>
+    <a:lstStyle/>
+    <a:p>
+      <a:pPr>
+        <a:defRPr/>
+      </a:pPr>
+      <a:endParaRPr lang="en-DE"/>
+    </a:p>
+  </c:txPr>
+  <c:externalData r:id="rId3">
+    <c:autoUpdate val="0"/>
+  </c:externalData>
+</c:chartSpace>
+</file>
+
+<file path=ppt/charts/chart4.xml><?xml version="1.0" encoding="utf-8"?>
+<c:chartSpace xmlns:c="http://schemas.openxmlformats.org/drawingml/2006/chart" xmlns:a="http://schemas.openxmlformats.org/drawingml/2006/main" xmlns:r="http://schemas.openxmlformats.org/officeDocument/2006/relationships" xmlns:c16r2="http://schemas.microsoft.com/office/drawing/2015/06/chart">
+  <c:date1904 val="0"/>
+  <c:lang val="en-GB"/>
+  <c:roundedCorners val="0"/>
+  <mc:AlternateContent xmlns:mc="http://schemas.openxmlformats.org/markup-compatibility/2006">
+    <mc:Choice xmlns:c14="http://schemas.microsoft.com/office/drawing/2007/8/2/chart" Requires="c14">
+      <c14:style val="102"/>
+    </mc:Choice>
+    <mc:Fallback>
+      <c:style val="2"/>
+    </mc:Fallback>
+  </mc:AlternateContent>
+  <c:chart>
+    <c:title>
+      <c:tx>
+        <c:rich>
+          <a:bodyPr rot="0" spcFirstLastPara="1" vertOverflow="ellipsis" vert="horz" wrap="square" anchor="ctr" anchorCtr="1"/>
+          <a:lstStyle/>
+          <a:p>
+            <a:pPr>
+              <a:defRPr sz="1862" b="0" i="0" u="none" strike="noStrike" kern="1200" spc="0" baseline="0">
+                <a:solidFill>
+                  <a:schemeClr val="tx1">
+                    <a:lumMod val="65000"/>
+                    <a:lumOff val="35000"/>
+                  </a:schemeClr>
+                </a:solidFill>
+                <a:latin typeface="+mn-lt"/>
+                <a:ea typeface="+mn-ea"/>
+                <a:cs typeface="+mn-cs"/>
+              </a:defRPr>
+            </a:pPr>
+            <a:r>
+              <a:rPr lang="en-GB" dirty="0"/>
+              <a:t>L2</a:t>
+            </a:r>
+            <a:r>
+              <a:rPr lang="en-GB" baseline="0" dirty="0"/>
+              <a:t> stall rate</a:t>
+            </a:r>
+            <a:endParaRPr lang="en-GB" dirty="0"/>
+          </a:p>
+        </c:rich>
+      </c:tx>
+      <c:overlay val="0"/>
+      <c:spPr>
+        <a:noFill/>
+        <a:ln>
+          <a:noFill/>
+        </a:ln>
+        <a:effectLst/>
+      </c:spPr>
+      <c:txPr>
+        <a:bodyPr rot="0" spcFirstLastPara="1" vertOverflow="ellipsis" vert="horz" wrap="square" anchor="ctr" anchorCtr="1"/>
+        <a:lstStyle/>
+        <a:p>
+          <a:pPr>
+            <a:defRPr sz="1862" b="0" i="0" u="none" strike="noStrike" kern="1200" spc="0" baseline="0">
+              <a:solidFill>
+                <a:schemeClr val="tx1">
+                  <a:lumMod val="65000"/>
+                  <a:lumOff val="35000"/>
+                </a:schemeClr>
+              </a:solidFill>
+              <a:latin typeface="+mn-lt"/>
+              <a:ea typeface="+mn-ea"/>
+              <a:cs typeface="+mn-cs"/>
+            </a:defRPr>
+          </a:pPr>
+          <a:endParaRPr lang="en-DE"/>
+        </a:p>
+      </c:txPr>
+    </c:title>
+    <c:autoTitleDeleted val="0"/>
+    <c:plotArea>
+      <c:layout/>
+      <c:barChart>
+        <c:barDir val="col"/>
+        <c:grouping val="clustered"/>
+        <c:varyColors val="0"/>
+        <c:ser>
+          <c:idx val="0"/>
+          <c:order val="0"/>
+          <c:tx>
+            <c:strRef>
+              <c:f>Sheet1!$B$1</c:f>
+              <c:strCache>
+                <c:ptCount val="1"/>
+                <c:pt idx="0">
+                  <c:v>STREAML3</c:v>
+                </c:pt>
+              </c:strCache>
+            </c:strRef>
+          </c:tx>
+          <c:spPr>
+            <a:solidFill>
+              <a:schemeClr val="accent1"/>
+            </a:solidFill>
+            <a:ln>
+              <a:noFill/>
+            </a:ln>
+            <a:effectLst/>
+          </c:spPr>
+          <c:invertIfNegative val="0"/>
+          <c:cat>
+            <c:numRef>
+              <c:f>Sheet1!$A$2:$A$4</c:f>
+              <c:numCache>
+                <c:formatCode>General</c:formatCode>
+                <c:ptCount val="3"/>
+              </c:numCache>
+            </c:numRef>
+          </c:cat>
+          <c:val>
+            <c:numRef>
+              <c:f>Sheet1!$B$2:$B$4</c:f>
+              <c:numCache>
+                <c:formatCode>General</c:formatCode>
+                <c:ptCount val="3"/>
+                <c:pt idx="0" formatCode="0.00%">
+                  <c:v>0.14000000000000001</c:v>
+                </c:pt>
+              </c:numCache>
+            </c:numRef>
+          </c:val>
+          <c:extLst>
+            <c:ext xmlns:c16="http://schemas.microsoft.com/office/drawing/2014/chart" uri="{C3380CC4-5D6E-409C-BE32-E72D297353CC}">
+              <c16:uniqueId val="{00000000-7E23-C84E-8C2A-384410B25829}"/>
+            </c:ext>
+          </c:extLst>
+        </c:ser>
+        <c:ser>
+          <c:idx val="1"/>
+          <c:order val="1"/>
+          <c:tx>
+            <c:strRef>
+              <c:f>Sheet1!$C$1</c:f>
+              <c:strCache>
+                <c:ptCount val="1"/>
+                <c:pt idx="0">
+                  <c:v>CG(C)</c:v>
+                </c:pt>
+              </c:strCache>
+            </c:strRef>
+          </c:tx>
+          <c:spPr>
+            <a:solidFill>
+              <a:schemeClr val="accent2"/>
+            </a:solidFill>
+            <a:ln>
+              <a:noFill/>
+            </a:ln>
+            <a:effectLst/>
+          </c:spPr>
+          <c:invertIfNegative val="0"/>
+          <c:cat>
+            <c:numRef>
+              <c:f>Sheet1!$A$2:$A$4</c:f>
+              <c:numCache>
+                <c:formatCode>General</c:formatCode>
+                <c:ptCount val="3"/>
+              </c:numCache>
+            </c:numRef>
+          </c:cat>
+          <c:val>
+            <c:numRef>
+              <c:f>Sheet1!$C$2:$C$4</c:f>
+              <c:numCache>
+                <c:formatCode>General</c:formatCode>
+                <c:ptCount val="3"/>
+                <c:pt idx="0" formatCode="0.00%">
+                  <c:v>0.75700000000000001</c:v>
+                </c:pt>
+              </c:numCache>
+            </c:numRef>
+          </c:val>
+          <c:extLst>
+            <c:ext xmlns:c16="http://schemas.microsoft.com/office/drawing/2014/chart" uri="{C3380CC4-5D6E-409C-BE32-E72D297353CC}">
+              <c16:uniqueId val="{00000001-7E23-C84E-8C2A-384410B25829}"/>
+            </c:ext>
+          </c:extLst>
+        </c:ser>
+        <c:ser>
+          <c:idx val="2"/>
+          <c:order val="2"/>
+          <c:tx>
+            <c:strRef>
+              <c:f>Sheet1!$D$1</c:f>
+              <c:strCache>
+                <c:ptCount val="1"/>
+                <c:pt idx="0">
+                  <c:v>CG(B)</c:v>
+                </c:pt>
+              </c:strCache>
+            </c:strRef>
+          </c:tx>
+          <c:spPr>
+            <a:solidFill>
+              <a:schemeClr val="accent3"/>
+            </a:solidFill>
+            <a:ln>
+              <a:noFill/>
+            </a:ln>
+            <a:effectLst/>
+          </c:spPr>
+          <c:invertIfNegative val="0"/>
+          <c:cat>
+            <c:numRef>
+              <c:f>Sheet1!$A$2:$A$4</c:f>
+              <c:numCache>
+                <c:formatCode>General</c:formatCode>
+                <c:ptCount val="3"/>
+              </c:numCache>
+            </c:numRef>
+          </c:cat>
+          <c:val>
+            <c:numRef>
+              <c:f>Sheet1!$D$2:$D$4</c:f>
+              <c:numCache>
+                <c:formatCode>General</c:formatCode>
+                <c:ptCount val="3"/>
+                <c:pt idx="0" formatCode="0.00%">
+                  <c:v>0.156</c:v>
+                </c:pt>
+              </c:numCache>
+            </c:numRef>
+          </c:val>
+          <c:extLst>
+            <c:ext xmlns:c16="http://schemas.microsoft.com/office/drawing/2014/chart" uri="{C3380CC4-5D6E-409C-BE32-E72D297353CC}">
+              <c16:uniqueId val="{00000002-7E23-C84E-8C2A-384410B25829}"/>
+            </c:ext>
+          </c:extLst>
+        </c:ser>
+        <c:dLbls>
+          <c:showLegendKey val="0"/>
+          <c:showVal val="0"/>
+          <c:showCatName val="0"/>
+          <c:showSerName val="0"/>
+          <c:showPercent val="0"/>
+          <c:showBubbleSize val="0"/>
+        </c:dLbls>
+        <c:gapWidth val="219"/>
+        <c:overlap val="-27"/>
+        <c:axId val="48538639"/>
+        <c:axId val="48540271"/>
+      </c:barChart>
+      <c:catAx>
+        <c:axId val="48538639"/>
+        <c:scaling>
+          <c:orientation val="minMax"/>
+        </c:scaling>
+        <c:delete val="0"/>
+        <c:axPos val="b"/>
+        <c:numFmt formatCode="General" sourceLinked="1"/>
+        <c:majorTickMark val="none"/>
+        <c:minorTickMark val="none"/>
+        <c:tickLblPos val="nextTo"/>
+        <c:spPr>
+          <a:noFill/>
+          <a:ln w="9525" cap="flat" cmpd="sng" algn="ctr">
+            <a:solidFill>
+              <a:schemeClr val="tx1">
+                <a:lumMod val="15000"/>
+                <a:lumOff val="85000"/>
+              </a:schemeClr>
+            </a:solidFill>
+            <a:round/>
+          </a:ln>
+          <a:effectLst/>
+        </c:spPr>
+        <c:txPr>
+          <a:bodyPr rot="-60000000" spcFirstLastPara="1" vertOverflow="ellipsis" vert="horz" wrap="square" anchor="ctr" anchorCtr="1"/>
+          <a:lstStyle/>
+          <a:p>
+            <a:pPr>
+              <a:defRPr sz="1197" b="0" i="0" u="none" strike="noStrike" kern="1200" baseline="0">
+                <a:solidFill>
+                  <a:schemeClr val="tx1">
+                    <a:lumMod val="65000"/>
+                    <a:lumOff val="35000"/>
+                  </a:schemeClr>
+                </a:solidFill>
+                <a:latin typeface="+mn-lt"/>
+                <a:ea typeface="+mn-ea"/>
+                <a:cs typeface="+mn-cs"/>
+              </a:defRPr>
+            </a:pPr>
+            <a:endParaRPr lang="en-DE"/>
+          </a:p>
+        </c:txPr>
+        <c:crossAx val="48540271"/>
+        <c:crosses val="autoZero"/>
+        <c:auto val="1"/>
+        <c:lblAlgn val="ctr"/>
+        <c:lblOffset val="100"/>
+        <c:noMultiLvlLbl val="0"/>
+      </c:catAx>
+      <c:valAx>
+        <c:axId val="48540271"/>
+        <c:scaling>
+          <c:orientation val="minMax"/>
+          <c:max val="1"/>
+        </c:scaling>
+        <c:delete val="0"/>
+        <c:axPos val="l"/>
+        <c:majorGridlines>
+          <c:spPr>
+            <a:ln w="9525" cap="flat" cmpd="sng" algn="ctr">
+              <a:solidFill>
+                <a:schemeClr val="tx1">
+                  <a:lumMod val="15000"/>
+                  <a:lumOff val="85000"/>
+                </a:schemeClr>
+              </a:solidFill>
+              <a:round/>
+            </a:ln>
+            <a:effectLst/>
+          </c:spPr>
+        </c:majorGridlines>
+        <c:numFmt formatCode="0.00%" sourceLinked="1"/>
+        <c:majorTickMark val="none"/>
+        <c:minorTickMark val="none"/>
+        <c:tickLblPos val="nextTo"/>
+        <c:spPr>
+          <a:noFill/>
+          <a:ln>
+            <a:noFill/>
+          </a:ln>
+          <a:effectLst/>
+        </c:spPr>
+        <c:txPr>
+          <a:bodyPr rot="-60000000" spcFirstLastPara="1" vertOverflow="ellipsis" vert="horz" wrap="square" anchor="ctr" anchorCtr="1"/>
+          <a:lstStyle/>
+          <a:p>
+            <a:pPr>
+              <a:defRPr sz="1197" b="0" i="0" u="none" strike="noStrike" kern="1200" baseline="0">
+                <a:solidFill>
+                  <a:schemeClr val="tx1">
+                    <a:lumMod val="65000"/>
+                    <a:lumOff val="35000"/>
+                  </a:schemeClr>
+                </a:solidFill>
+                <a:latin typeface="+mn-lt"/>
+                <a:ea typeface="+mn-ea"/>
+                <a:cs typeface="+mn-cs"/>
+              </a:defRPr>
+            </a:pPr>
+            <a:endParaRPr lang="en-DE"/>
+          </a:p>
+        </c:txPr>
+        <c:crossAx val="48538639"/>
+        <c:crosses val="autoZero"/>
+        <c:crossBetween val="between"/>
+      </c:valAx>
+      <c:spPr>
+        <a:noFill/>
+        <a:ln>
+          <a:noFill/>
+        </a:ln>
+        <a:effectLst/>
+      </c:spPr>
+    </c:plotArea>
+    <c:legend>
+      <c:legendPos val="b"/>
+      <c:overlay val="0"/>
+      <c:spPr>
+        <a:noFill/>
+        <a:ln>
+          <a:noFill/>
+        </a:ln>
+        <a:effectLst/>
+      </c:spPr>
+      <c:txPr>
+        <a:bodyPr rot="0" spcFirstLastPara="1" vertOverflow="ellipsis" vert="horz" wrap="square" anchor="ctr" anchorCtr="1"/>
+        <a:lstStyle/>
+        <a:p>
+          <a:pPr>
+            <a:defRPr sz="1197" b="0" i="0" u="none" strike="noStrike" kern="1200" baseline="0">
+              <a:solidFill>
+                <a:schemeClr val="tx1">
+                  <a:lumMod val="65000"/>
+                  <a:lumOff val="35000"/>
+                </a:schemeClr>
+              </a:solidFill>
+              <a:latin typeface="+mn-lt"/>
+              <a:ea typeface="+mn-ea"/>
+              <a:cs typeface="+mn-cs"/>
+            </a:defRPr>
+          </a:pPr>
+          <a:endParaRPr lang="en-DE"/>
+        </a:p>
+      </c:txPr>
+    </c:legend>
+    <c:plotVisOnly val="1"/>
+    <c:dispBlanksAs val="gap"/>
+    <c:extLst>
+      <c:ext xmlns:c16r3="http://schemas.microsoft.com/office/drawing/2017/03/chart" uri="{56B9EC1D-385E-4148-901F-78D8002777C0}">
+        <c16r3:dataDisplayOptions16>
+          <c16r3:dispNaAsBlank val="1"/>
+        </c16r3:dataDisplayOptions16>
+      </c:ext>
+    </c:extLst>
+    <c:showDLblsOverMax val="0"/>
+  </c:chart>
+  <c:spPr>
+    <a:noFill/>
+    <a:ln>
+      <a:noFill/>
+    </a:ln>
+    <a:effectLst/>
+  </c:spPr>
+  <c:txPr>
+    <a:bodyPr/>
+    <a:lstStyle/>
+    <a:p>
+      <a:pPr>
+        <a:defRPr/>
+      </a:pPr>
+      <a:endParaRPr lang="en-DE"/>
+    </a:p>
+  </c:txPr>
+  <c:externalData r:id="rId3">
+    <c:autoUpdate val="0"/>
+  </c:externalData>
+</c:chartSpace>
+</file>
+
+<file path=ppt/charts/chart5.xml><?xml version="1.0" encoding="utf-8"?>
+<c:chartSpace xmlns:c="http://schemas.openxmlformats.org/drawingml/2006/chart" xmlns:a="http://schemas.openxmlformats.org/drawingml/2006/main" xmlns:r="http://schemas.openxmlformats.org/officeDocument/2006/relationships" xmlns:c16r2="http://schemas.microsoft.com/office/drawing/2015/06/chart">
+  <c:date1904 val="0"/>
+  <c:lang val="en-GB"/>
+  <c:roundedCorners val="0"/>
+  <mc:AlternateContent xmlns:mc="http://schemas.openxmlformats.org/markup-compatibility/2006">
+    <mc:Choice xmlns:c14="http://schemas.microsoft.com/office/drawing/2007/8/2/chart" Requires="c14">
+      <c14:style val="102"/>
+    </mc:Choice>
+    <mc:Fallback>
+      <c:style val="2"/>
+    </mc:Fallback>
+  </mc:AlternateContent>
+  <c:chart>
+    <c:title>
+      <c:overlay val="0"/>
+      <c:spPr>
+        <a:noFill/>
+        <a:ln>
+          <a:noFill/>
+        </a:ln>
+        <a:effectLst/>
+      </c:spPr>
+      <c:txPr>
+        <a:bodyPr rot="0" spcFirstLastPara="1" vertOverflow="ellipsis" vert="horz" wrap="square" anchor="ctr" anchorCtr="1"/>
+        <a:lstStyle/>
+        <a:p>
+          <a:pPr>
+            <a:defRPr sz="1862" b="0" i="0" u="none" strike="noStrike" kern="1200" spc="0" baseline="0">
+              <a:solidFill>
+                <a:schemeClr val="tx1">
+                  <a:lumMod val="65000"/>
+                  <a:lumOff val="35000"/>
+                </a:schemeClr>
+              </a:solidFill>
+              <a:latin typeface="+mn-lt"/>
+              <a:ea typeface="+mn-ea"/>
+              <a:cs typeface="+mn-cs"/>
+            </a:defRPr>
+          </a:pPr>
+          <a:endParaRPr lang="en-DE"/>
+        </a:p>
+      </c:txPr>
+    </c:title>
+    <c:autoTitleDeleted val="0"/>
+    <c:plotArea>
+      <c:layout/>
+      <c:barChart>
+        <c:barDir val="col"/>
+        <c:grouping val="clustered"/>
+        <c:varyColors val="0"/>
+        <c:ser>
+          <c:idx val="0"/>
+          <c:order val="0"/>
+          <c:tx>
+            <c:strRef>
+              <c:f>Sheet1!$B$1</c:f>
+              <c:strCache>
+                <c:ptCount val="1"/>
+                <c:pt idx="0">
+                  <c:v>CPU total stall</c:v>
+                </c:pt>
+              </c:strCache>
+            </c:strRef>
+          </c:tx>
+          <c:spPr>
+            <a:solidFill>
+              <a:schemeClr val="accent1"/>
+            </a:solidFill>
+            <a:ln>
+              <a:noFill/>
+            </a:ln>
+            <a:effectLst/>
+          </c:spPr>
+          <c:invertIfNegative val="0"/>
+          <c:cat>
+            <c:strRef>
+              <c:f>Sheet1!$A$2:$A$5</c:f>
+              <c:strCache>
+                <c:ptCount val="4"/>
+                <c:pt idx="0">
+                  <c:v>Stream(L3)</c:v>
+                </c:pt>
+                <c:pt idx="1">
+                  <c:v>Stream(DRAM)</c:v>
+                </c:pt>
+                <c:pt idx="2">
+                  <c:v>CG(B)</c:v>
+                </c:pt>
+                <c:pt idx="3">
+                  <c:v>CG(C)</c:v>
+                </c:pt>
+              </c:strCache>
+            </c:strRef>
+          </c:cat>
+          <c:val>
+            <c:numRef>
+              <c:f>Sheet1!$B$2:$B$5</c:f>
+              <c:numCache>
+                <c:formatCode>0.00%</c:formatCode>
+                <c:ptCount val="4"/>
+                <c:pt idx="0">
+                  <c:v>0.13900000000000001</c:v>
+                </c:pt>
+                <c:pt idx="1">
+                  <c:v>0.71399999999999997</c:v>
+                </c:pt>
+                <c:pt idx="2">
+                  <c:v>0.28389999999999999</c:v>
+                </c:pt>
+                <c:pt idx="3">
+                  <c:v>0.76</c:v>
+                </c:pt>
+              </c:numCache>
+            </c:numRef>
+          </c:val>
+          <c:extLst>
+            <c:ext xmlns:c16="http://schemas.microsoft.com/office/drawing/2014/chart" uri="{C3380CC4-5D6E-409C-BE32-E72D297353CC}">
+              <c16:uniqueId val="{00000000-9876-0A4B-8830-8CF8EDB62BBB}"/>
+            </c:ext>
+          </c:extLst>
+        </c:ser>
+        <c:ser>
+          <c:idx val="1"/>
+          <c:order val="1"/>
+          <c:tx>
+            <c:strRef>
+              <c:f>Sheet1!$C$1</c:f>
+              <c:strCache>
+                <c:ptCount val="1"/>
+                <c:pt idx="0">
+                  <c:v>Mem idle</c:v>
+                </c:pt>
+              </c:strCache>
+            </c:strRef>
+          </c:tx>
+          <c:spPr>
+            <a:solidFill>
+              <a:schemeClr val="accent2"/>
+            </a:solidFill>
+            <a:ln>
+              <a:noFill/>
+            </a:ln>
+            <a:effectLst/>
+          </c:spPr>
+          <c:invertIfNegative val="0"/>
+          <c:cat>
+            <c:strRef>
+              <c:f>Sheet1!$A$2:$A$5</c:f>
+              <c:strCache>
+                <c:ptCount val="4"/>
+                <c:pt idx="0">
+                  <c:v>Stream(L3)</c:v>
+                </c:pt>
+                <c:pt idx="1">
+                  <c:v>Stream(DRAM)</c:v>
+                </c:pt>
+                <c:pt idx="2">
+                  <c:v>CG(B)</c:v>
+                </c:pt>
+                <c:pt idx="3">
+                  <c:v>CG(C)</c:v>
+                </c:pt>
+              </c:strCache>
+            </c:strRef>
+          </c:cat>
+          <c:val>
+            <c:numRef>
+              <c:f>Sheet1!$C$2:$C$5</c:f>
+              <c:numCache>
+                <c:formatCode>0.00%</c:formatCode>
+                <c:ptCount val="4"/>
+                <c:pt idx="0">
+                  <c:v>0.999</c:v>
+                </c:pt>
+                <c:pt idx="1">
+                  <c:v>1E-4</c:v>
+                </c:pt>
+                <c:pt idx="2">
+                  <c:v>0.69799999999999995</c:v>
+                </c:pt>
+                <c:pt idx="3">
+                  <c:v>0.39600000000000002</c:v>
+                </c:pt>
+              </c:numCache>
+            </c:numRef>
+          </c:val>
+          <c:extLst>
+            <c:ext xmlns:c16="http://schemas.microsoft.com/office/drawing/2014/chart" uri="{C3380CC4-5D6E-409C-BE32-E72D297353CC}">
+              <c16:uniqueId val="{00000001-9876-0A4B-8830-8CF8EDB62BBB}"/>
+            </c:ext>
+          </c:extLst>
+        </c:ser>
+        <c:dLbls>
+          <c:showLegendKey val="0"/>
+          <c:showVal val="0"/>
+          <c:showCatName val="0"/>
+          <c:showSerName val="0"/>
+          <c:showPercent val="0"/>
+          <c:showBubbleSize val="0"/>
+        </c:dLbls>
+        <c:gapWidth val="219"/>
+        <c:overlap val="-27"/>
+        <c:axId val="92344911"/>
+        <c:axId val="92692751"/>
+      </c:barChart>
+      <c:catAx>
+        <c:axId val="92344911"/>
+        <c:scaling>
+          <c:orientation val="minMax"/>
+        </c:scaling>
+        <c:delete val="0"/>
+        <c:axPos val="b"/>
+        <c:numFmt formatCode="General" sourceLinked="1"/>
+        <c:majorTickMark val="none"/>
+        <c:minorTickMark val="none"/>
+        <c:tickLblPos val="nextTo"/>
+        <c:spPr>
+          <a:noFill/>
+          <a:ln w="9525" cap="flat" cmpd="sng" algn="ctr">
+            <a:solidFill>
+              <a:schemeClr val="tx1">
+                <a:lumMod val="15000"/>
+                <a:lumOff val="85000"/>
+              </a:schemeClr>
+            </a:solidFill>
+            <a:round/>
+          </a:ln>
+          <a:effectLst/>
+        </c:spPr>
+        <c:txPr>
+          <a:bodyPr rot="-60000000" spcFirstLastPara="1" vertOverflow="ellipsis" vert="horz" wrap="square" anchor="ctr" anchorCtr="1"/>
+          <a:lstStyle/>
+          <a:p>
+            <a:pPr>
+              <a:defRPr sz="1197" b="0" i="0" u="none" strike="noStrike" kern="1200" baseline="0">
+                <a:solidFill>
+                  <a:schemeClr val="tx1">
+                    <a:lumMod val="65000"/>
+                    <a:lumOff val="35000"/>
+                  </a:schemeClr>
+                </a:solidFill>
+                <a:latin typeface="+mn-lt"/>
+                <a:ea typeface="+mn-ea"/>
+                <a:cs typeface="+mn-cs"/>
+              </a:defRPr>
+            </a:pPr>
+            <a:endParaRPr lang="en-DE"/>
+          </a:p>
+        </c:txPr>
+        <c:crossAx val="92692751"/>
+        <c:crossesAt val="0"/>
+        <c:auto val="1"/>
+        <c:lblAlgn val="ctr"/>
+        <c:lblOffset val="100"/>
+        <c:noMultiLvlLbl val="0"/>
+      </c:catAx>
+      <c:valAx>
+        <c:axId val="92692751"/>
+        <c:scaling>
+          <c:orientation val="minMax"/>
+          <c:max val="1"/>
+        </c:scaling>
+        <c:delete val="0"/>
+        <c:axPos val="l"/>
+        <c:majorGridlines>
+          <c:spPr>
+            <a:ln w="9525" cap="flat" cmpd="sng" algn="ctr">
+              <a:solidFill>
+                <a:schemeClr val="tx1">
+                  <a:lumMod val="15000"/>
+                  <a:lumOff val="85000"/>
+                </a:schemeClr>
+              </a:solidFill>
+              <a:round/>
+            </a:ln>
+            <a:effectLst/>
+          </c:spPr>
+        </c:majorGridlines>
+        <c:numFmt formatCode="0.00%" sourceLinked="1"/>
+        <c:majorTickMark val="none"/>
+        <c:minorTickMark val="none"/>
+        <c:tickLblPos val="nextTo"/>
+        <c:spPr>
+          <a:noFill/>
+          <a:ln>
+            <a:noFill/>
+          </a:ln>
+          <a:effectLst/>
+        </c:spPr>
+        <c:txPr>
+          <a:bodyPr rot="-60000000" spcFirstLastPara="1" vertOverflow="ellipsis" vert="horz" wrap="square" anchor="ctr" anchorCtr="1"/>
+          <a:lstStyle/>
+          <a:p>
+            <a:pPr>
+              <a:defRPr sz="1197" b="0" i="0" u="none" strike="noStrike" kern="1200" baseline="0">
+                <a:solidFill>
+                  <a:schemeClr val="tx1">
+                    <a:lumMod val="65000"/>
+                    <a:lumOff val="35000"/>
+                  </a:schemeClr>
+                </a:solidFill>
+                <a:latin typeface="+mn-lt"/>
+                <a:ea typeface="+mn-ea"/>
+                <a:cs typeface="+mn-cs"/>
+              </a:defRPr>
+            </a:pPr>
+            <a:endParaRPr lang="en-DE"/>
+          </a:p>
+        </c:txPr>
+        <c:crossAx val="92344911"/>
+        <c:crosses val="autoZero"/>
+        <c:crossBetween val="between"/>
+      </c:valAx>
+      <c:spPr>
+        <a:noFill/>
+        <a:ln>
+          <a:noFill/>
+        </a:ln>
+        <a:effectLst/>
+      </c:spPr>
+    </c:plotArea>
+    <c:legend>
+      <c:legendPos val="b"/>
+      <c:overlay val="0"/>
+      <c:spPr>
+        <a:noFill/>
+        <a:ln>
+          <a:noFill/>
+        </a:ln>
+        <a:effectLst/>
+      </c:spPr>
+      <c:txPr>
+        <a:bodyPr rot="0" spcFirstLastPara="1" vertOverflow="ellipsis" vert="horz" wrap="square" anchor="ctr" anchorCtr="1"/>
+        <a:lstStyle/>
+        <a:p>
+          <a:pPr>
+            <a:defRPr sz="1197" b="0" i="0" u="none" strike="noStrike" kern="1200" baseline="0">
+              <a:solidFill>
+                <a:schemeClr val="tx1">
+                  <a:lumMod val="65000"/>
+                  <a:lumOff val="35000"/>
+                </a:schemeClr>
+              </a:solidFill>
+              <a:latin typeface="+mn-lt"/>
+              <a:ea typeface="+mn-ea"/>
+              <a:cs typeface="+mn-cs"/>
+            </a:defRPr>
+          </a:pPr>
+          <a:endParaRPr lang="en-DE"/>
+        </a:p>
+      </c:txPr>
+    </c:legend>
+    <c:plotVisOnly val="1"/>
+    <c:dispBlanksAs val="gap"/>
+    <c:extLst>
+      <c:ext xmlns:c16r3="http://schemas.microsoft.com/office/drawing/2017/03/chart" uri="{56B9EC1D-385E-4148-901F-78D8002777C0}">
+        <c16r3:dataDisplayOptions16>
+          <c16r3:dispNaAsBlank val="1"/>
+        </c16r3:dataDisplayOptions16>
+      </c:ext>
+    </c:extLst>
+    <c:showDLblsOverMax val="0"/>
+  </c:chart>
+  <c:spPr>
+    <a:noFill/>
+    <a:ln>
+      <a:noFill/>
+    </a:ln>
+    <a:effectLst/>
+  </c:spPr>
+  <c:txPr>
+    <a:bodyPr/>
+    <a:lstStyle/>
+    <a:p>
+      <a:pPr>
+        <a:defRPr/>
+      </a:pPr>
+      <a:endParaRPr lang="en-DE"/>
+    </a:p>
+  </c:txPr>
+  <c:externalData r:id="rId3">
+    <c:autoUpdate val="0"/>
+  </c:externalData>
+  <c:userShapes r:id="rId4"/>
+</c:chartSpace>
+</file>
+
+<file path=ppt/charts/colors1.xml><?xml version="1.0" encoding="utf-8"?>
+<cs:colorStyle xmlns:cs="http://schemas.microsoft.com/office/drawing/2012/chartStyle" xmlns:a="http://schemas.openxmlformats.org/drawingml/2006/main" meth="cycle" id="10">
+  <a:schemeClr val="accent1"/>
+  <a:schemeClr val="accent2"/>
+  <a:schemeClr val="accent3"/>
+  <a:schemeClr val="accent4"/>
+  <a:schemeClr val="accent5"/>
+  <a:schemeClr val="accent6"/>
+  <cs:variation/>
+  <cs:variation>
+    <a:lumMod val="60000"/>
+  </cs:variation>
+  <cs:variation>
+    <a:lumMod val="80000"/>
+    <a:lumOff val="20000"/>
+  </cs:variation>
+  <cs:variation>
+    <a:lumMod val="80000"/>
+  </cs:variation>
+  <cs:variation>
+    <a:lumMod val="60000"/>
+    <a:lumOff val="40000"/>
+  </cs:variation>
+  <cs:variation>
+    <a:lumMod val="50000"/>
+  </cs:variation>
+  <cs:variation>
+    <a:lumMod val="70000"/>
+    <a:lumOff val="30000"/>
+  </cs:variation>
+  <cs:variation>
+    <a:lumMod val="70000"/>
+  </cs:variation>
+  <cs:variation>
+    <a:lumMod val="50000"/>
+    <a:lumOff val="50000"/>
+  </cs:variation>
+</cs:colorStyle>
+</file>
+
+<file path=ppt/charts/colors2.xml><?xml version="1.0" encoding="utf-8"?>
+<cs:colorStyle xmlns:cs="http://schemas.microsoft.com/office/drawing/2012/chartStyle" xmlns:a="http://schemas.openxmlformats.org/drawingml/2006/main" meth="cycle" id="10">
+  <a:schemeClr val="accent1"/>
+  <a:schemeClr val="accent2"/>
+  <a:schemeClr val="accent3"/>
+  <a:schemeClr val="accent4"/>
+  <a:schemeClr val="accent5"/>
+  <a:schemeClr val="accent6"/>
+  <cs:variation/>
+  <cs:variation>
+    <a:lumMod val="60000"/>
+  </cs:variation>
+  <cs:variation>
+    <a:lumMod val="80000"/>
+    <a:lumOff val="20000"/>
+  </cs:variation>
+  <cs:variation>
+    <a:lumMod val="80000"/>
+  </cs:variation>
+  <cs:variation>
+    <a:lumMod val="60000"/>
+    <a:lumOff val="40000"/>
+  </cs:variation>
+  <cs:variation>
+    <a:lumMod val="50000"/>
+  </cs:variation>
+  <cs:variation>
+    <a:lumMod val="70000"/>
+    <a:lumOff val="30000"/>
+  </cs:variation>
+  <cs:variation>
+    <a:lumMod val="70000"/>
+  </cs:variation>
+  <cs:variation>
+    <a:lumMod val="50000"/>
+    <a:lumOff val="50000"/>
+  </cs:variation>
+</cs:colorStyle>
+</file>
+
+<file path=ppt/charts/colors3.xml><?xml version="1.0" encoding="utf-8"?>
+<cs:colorStyle xmlns:cs="http://schemas.microsoft.com/office/drawing/2012/chartStyle" xmlns:a="http://schemas.openxmlformats.org/drawingml/2006/main" meth="cycle" id="10">
+  <a:schemeClr val="accent1"/>
+  <a:schemeClr val="accent2"/>
+  <a:schemeClr val="accent3"/>
+  <a:schemeClr val="accent4"/>
+  <a:schemeClr val="accent5"/>
+  <a:schemeClr val="accent6"/>
+  <cs:variation/>
+  <cs:variation>
+    <a:lumMod val="60000"/>
+  </cs:variation>
+  <cs:variation>
+    <a:lumMod val="80000"/>
+    <a:lumOff val="20000"/>
+  </cs:variation>
+  <cs:variation>
+    <a:lumMod val="80000"/>
+  </cs:variation>
+  <cs:variation>
+    <a:lumMod val="60000"/>
+    <a:lumOff val="40000"/>
+  </cs:variation>
+  <cs:variation>
+    <a:lumMod val="50000"/>
+  </cs:variation>
+  <cs:variation>
+    <a:lumMod val="70000"/>
+    <a:lumOff val="30000"/>
+  </cs:variation>
+  <cs:variation>
+    <a:lumMod val="70000"/>
+  </cs:variation>
+  <cs:variation>
+    <a:lumMod val="50000"/>
+    <a:lumOff val="50000"/>
+  </cs:variation>
+</cs:colorStyle>
+</file>
+
+<file path=ppt/charts/colors4.xml><?xml version="1.0" encoding="utf-8"?>
+<cs:colorStyle xmlns:cs="http://schemas.microsoft.com/office/drawing/2012/chartStyle" xmlns:a="http://schemas.openxmlformats.org/drawingml/2006/main" meth="cycle" id="10">
+  <a:schemeClr val="accent1"/>
+  <a:schemeClr val="accent2"/>
+  <a:schemeClr val="accent3"/>
+  <a:schemeClr val="accent4"/>
+  <a:schemeClr val="accent5"/>
+  <a:schemeClr val="accent6"/>
+  <cs:variation/>
+  <cs:variation>
+    <a:lumMod val="60000"/>
+  </cs:variation>
+  <cs:variation>
+    <a:lumMod val="80000"/>
+    <a:lumOff val="20000"/>
+  </cs:variation>
+  <cs:variation>
+    <a:lumMod val="80000"/>
+  </cs:variation>
+  <cs:variation>
+    <a:lumMod val="60000"/>
+    <a:lumOff val="40000"/>
+  </cs:variation>
+  <cs:variation>
+    <a:lumMod val="50000"/>
+  </cs:variation>
+  <cs:variation>
+    <a:lumMod val="70000"/>
+    <a:lumOff val="30000"/>
+  </cs:variation>
+  <cs:variation>
+    <a:lumMod val="70000"/>
+  </cs:variation>
+  <cs:variation>
+    <a:lumMod val="50000"/>
+    <a:lumOff val="50000"/>
+  </cs:variation>
+</cs:colorStyle>
+</file>
+
+<file path=ppt/charts/colors5.xml><?xml version="1.0" encoding="utf-8"?>
+<cs:colorStyle xmlns:cs="http://schemas.microsoft.com/office/drawing/2012/chartStyle" xmlns:a="http://schemas.openxmlformats.org/drawingml/2006/main" meth="cycle" id="10">
+  <a:schemeClr val="accent1"/>
+  <a:schemeClr val="accent2"/>
+  <a:schemeClr val="accent3"/>
+  <a:schemeClr val="accent4"/>
+  <a:schemeClr val="accent5"/>
+  <a:schemeClr val="accent6"/>
+  <cs:variation/>
+  <cs:variation>
+    <a:lumMod val="60000"/>
+  </cs:variation>
+  <cs:variation>
+    <a:lumMod val="80000"/>
+    <a:lumOff val="20000"/>
+  </cs:variation>
+  <cs:variation>
+    <a:lumMod val="80000"/>
+  </cs:variation>
+  <cs:variation>
+    <a:lumMod val="60000"/>
+    <a:lumOff val="40000"/>
+  </cs:variation>
+  <cs:variation>
+    <a:lumMod val="50000"/>
+  </cs:variation>
+  <cs:variation>
+    <a:lumMod val="70000"/>
+    <a:lumOff val="30000"/>
+  </cs:variation>
+  <cs:variation>
+    <a:lumMod val="70000"/>
+  </cs:variation>
+  <cs:variation>
+    <a:lumMod val="50000"/>
+    <a:lumOff val="50000"/>
+  </cs:variation>
+</cs:colorStyle>
+</file>
+
+<file path=ppt/charts/style1.xml><?xml version="1.0" encoding="utf-8"?>
+<cs:chartStyle xmlns:cs="http://schemas.microsoft.com/office/drawing/2012/chartStyle" xmlns:a="http://schemas.openxmlformats.org/drawingml/2006/main" id="201">
+  <cs:axisTitle>
+    <cs:lnRef idx="0"/>
+    <cs:fillRef idx="0"/>
+    <cs:effectRef idx="0"/>
+    <cs:fontRef idx="minor">
+      <a:schemeClr val="tx1">
+        <a:lumMod val="65000"/>
+        <a:lumOff val="35000"/>
+      </a:schemeClr>
+    </cs:fontRef>
+    <cs:defRPr sz="1330" kern="1200"/>
+  </cs:axisTitle>
+  <cs:categoryAxis>
+    <cs:lnRef idx="0"/>
+    <cs:fillRef idx="0"/>
+    <cs:effectRef idx="0"/>
+    <cs:fontRef idx="minor">
+      <a:schemeClr val="tx1">
+        <a:lumMod val="65000"/>
+        <a:lumOff val="35000"/>
+      </a:schemeClr>
+    </cs:fontRef>
+    <cs:spPr>
+      <a:ln w="9525" cap="flat" cmpd="sng" algn="ctr">
+        <a:solidFill>
+          <a:schemeClr val="tx1">
+            <a:lumMod val="15000"/>
+            <a:lumOff val="85000"/>
+          </a:schemeClr>
+        </a:solidFill>
+        <a:round/>
+      </a:ln>
+    </cs:spPr>
+    <cs:defRPr sz="1197" kern="1200"/>
+  </cs:categoryAxis>
+  <cs:chartArea mods="allowNoFillOverride allowNoLineOverride">
+    <cs:lnRef idx="0"/>
+    <cs:fillRef idx="0"/>
+    <cs:effectRef idx="0"/>
+    <cs:fontRef idx="minor">
+      <a:schemeClr val="tx1"/>
+    </cs:fontRef>
+    <cs:spPr>
+      <a:solidFill>
+        <a:schemeClr val="bg1"/>
+      </a:solidFill>
+      <a:ln w="9525" cap="flat" cmpd="sng" algn="ctr">
+        <a:solidFill>
+          <a:schemeClr val="tx1">
+            <a:lumMod val="15000"/>
+            <a:lumOff val="85000"/>
+          </a:schemeClr>
+        </a:solidFill>
+        <a:round/>
+      </a:ln>
+    </cs:spPr>
+    <cs:defRPr sz="1330" kern="1200"/>
+  </cs:chartArea>
+  <cs:dataLabel>
+    <cs:lnRef idx="0"/>
+    <cs:fillRef idx="0"/>
+    <cs:effectRef idx="0"/>
+    <cs:fontRef idx="minor">
+      <a:schemeClr val="tx1">
+        <a:lumMod val="75000"/>
+        <a:lumOff val="25000"/>
+      </a:schemeClr>
+    </cs:fontRef>
+    <cs:defRPr sz="1197" kern="1200"/>
+  </cs:dataLabel>
+  <cs:dataLabelCallout>
+    <cs:lnRef idx="0"/>
+    <cs:fillRef idx="0"/>
+    <cs:effectRef idx="0"/>
+    <cs:fontRef idx="minor">
+      <a:schemeClr val="dk1">
+        <a:lumMod val="65000"/>
+        <a:lumOff val="35000"/>
+      </a:schemeClr>
+    </cs:fontRef>
+    <cs:spPr>
+      <a:solidFill>
+        <a:schemeClr val="lt1"/>
+      </a:solidFill>
+      <a:ln>
+        <a:solidFill>
+          <a:schemeClr val="dk1">
+            <a:lumMod val="25000"/>
+            <a:lumOff val="75000"/>
+          </a:schemeClr>
+        </a:solidFill>
+      </a:ln>
+    </cs:spPr>
+    <cs:defRPr sz="1197" kern="1200"/>
+    <cs:bodyPr rot="0" spcFirstLastPara="1" vertOverflow="clip" horzOverflow="clip" vert="horz" wrap="square" lIns="36576" tIns="18288" rIns="36576" bIns="18288" anchor="ctr" anchorCtr="1">
+      <a:spAutoFit/>
+    </cs:bodyPr>
+  </cs:dataLabelCallout>
+  <cs:dataPoint>
+    <cs:lnRef idx="0"/>
+    <cs:fillRef idx="1">
+      <cs:styleClr val="auto"/>
+    </cs:fillRef>
+    <cs:effectRef idx="0"/>
+    <cs:fontRef idx="minor">
+      <a:schemeClr val="tx1"/>
+    </cs:fontRef>
+  </cs:dataPoint>
+  <cs:dataPoint3D>
+    <cs:lnRef idx="0"/>
+    <cs:fillRef idx="1">
+      <cs:styleClr val="auto"/>
+    </cs:fillRef>
+    <cs:effectRef idx="0"/>
+    <cs:fontRef idx="minor">
+      <a:schemeClr val="tx1"/>
+    </cs:fontRef>
+  </cs:dataPoint3D>
+  <cs:dataPointLine>
+    <cs:lnRef idx="0">
+      <cs:styleClr val="auto"/>
+    </cs:lnRef>
+    <cs:fillRef idx="1"/>
+    <cs:effectRef idx="0"/>
+    <cs:fontRef idx="minor">
+      <a:schemeClr val="tx1"/>
+    </cs:fontRef>
+    <cs:spPr>
+      <a:ln w="28575" cap="rnd">
+        <a:solidFill>
+          <a:schemeClr val="phClr"/>
+        </a:solidFill>
+        <a:round/>
+      </a:ln>
+    </cs:spPr>
+  </cs:dataPointLine>
+  <cs:dataPointMarker>
+    <cs:lnRef idx="0">
+      <cs:styleClr val="auto"/>
+    </cs:lnRef>
+    <cs:fillRef idx="1">
+      <cs:styleClr val="auto"/>
+    </cs:fillRef>
+    <cs:effectRef idx="0"/>
+    <cs:fontRef idx="minor">
+      <a:schemeClr val="tx1"/>
+    </cs:fontRef>
+    <cs:spPr>
+      <a:ln w="9525">
+        <a:solidFill>
+          <a:schemeClr val="phClr"/>
+        </a:solidFill>
+      </a:ln>
+    </cs:spPr>
+  </cs:dataPointMarker>
+  <cs:dataPointMarkerLayout symbol="circle" size="5"/>
+  <cs:dataPointWireframe>
+    <cs:lnRef idx="0">
+      <cs:styleClr val="auto"/>
+    </cs:lnRef>
+    <cs:fillRef idx="1"/>
+    <cs:effectRef idx="0"/>
+    <cs:fontRef idx="minor">
+      <a:schemeClr val="tx1"/>
+    </cs:fontRef>
+    <cs:spPr>
+      <a:ln w="9525" cap="rnd">
+        <a:solidFill>
+          <a:schemeClr val="phClr"/>
+        </a:solidFill>
+        <a:round/>
+      </a:ln>
+    </cs:spPr>
+  </cs:dataPointWireframe>
+  <cs:dataTable>
+    <cs:lnRef idx="0"/>
+    <cs:fillRef idx="0"/>
+    <cs:effectRef idx="0"/>
+    <cs:fontRef idx="minor">
+      <a:schemeClr val="tx1">
+        <a:lumMod val="65000"/>
+        <a:lumOff val="35000"/>
+      </a:schemeClr>
+    </cs:fontRef>
+    <cs:spPr>
+      <a:noFill/>
+      <a:ln w="9525" cap="flat" cmpd="sng" algn="ctr">
+        <a:solidFill>
+          <a:schemeClr val="tx1">
+            <a:lumMod val="15000"/>
+            <a:lumOff val="85000"/>
+          </a:schemeClr>
+        </a:solidFill>
+        <a:round/>
+      </a:ln>
+    </cs:spPr>
+    <cs:defRPr sz="1197" kern="1200"/>
+  </cs:dataTable>
+  <cs:downBar>
+    <cs:lnRef idx="0"/>
+    <cs:fillRef idx="0"/>
+    <cs:effectRef idx="0"/>
+    <cs:fontRef idx="minor">
+      <a:schemeClr val="dk1"/>
+    </cs:fontRef>
+    <cs:spPr>
+      <a:solidFill>
+        <a:schemeClr val="dk1">
+          <a:lumMod val="65000"/>
+          <a:lumOff val="35000"/>
+        </a:schemeClr>
+      </a:solidFill>
+      <a:ln w="9525">
+        <a:solidFill>
+          <a:schemeClr val="tx1">
+            <a:lumMod val="65000"/>
+            <a:lumOff val="35000"/>
+          </a:schemeClr>
+        </a:solidFill>
+      </a:ln>
+    </cs:spPr>
+  </cs:downBar>
+  <cs:dropLine>
+    <cs:lnRef idx="0"/>
+    <cs:fillRef idx="0"/>
+    <cs:effectRef idx="0"/>
+    <cs:fontRef idx="minor">
+      <a:schemeClr val="tx1"/>
+    </cs:fontRef>
+    <cs:spPr>
+      <a:ln w="9525" cap="flat" cmpd="sng" algn="ctr">
+        <a:solidFill>
+          <a:schemeClr val="tx1">
+            <a:lumMod val="35000"/>
+            <a:lumOff val="65000"/>
+          </a:schemeClr>
+        </a:solidFill>
+        <a:round/>
+      </a:ln>
+    </cs:spPr>
+  </cs:dropLine>
+  <cs:errorBar>
+    <cs:lnRef idx="0"/>
+    <cs:fillRef idx="0"/>
+    <cs:effectRef idx="0"/>
+    <cs:fontRef idx="minor">
+      <a:schemeClr val="tx1"/>
+    </cs:fontRef>
+    <cs:spPr>
+      <a:ln w="9525" cap="flat" cmpd="sng" algn="ctr">
+        <a:solidFill>
+          <a:schemeClr val="tx1">
+            <a:lumMod val="65000"/>
+            <a:lumOff val="35000"/>
+          </a:schemeClr>
+        </a:solidFill>
+        <a:round/>
+      </a:ln>
+    </cs:spPr>
+  </cs:errorBar>
+  <cs:floor>
+    <cs:lnRef idx="0"/>
+    <cs:fillRef idx="0"/>
+    <cs:effectRef idx="0"/>
+    <cs:fontRef idx="minor">
+      <a:schemeClr val="tx1"/>
+    </cs:fontRef>
+    <cs:spPr>
+      <a:noFill/>
+      <a:ln>
+        <a:noFill/>
+      </a:ln>
+    </cs:spPr>
+  </cs:floor>
+  <cs:gridlineMajor>
+    <cs:lnRef idx="0"/>
+    <cs:fillRef idx="0"/>
+    <cs:effectRef idx="0"/>
+    <cs:fontRef idx="minor">
+      <a:schemeClr val="tx1"/>
+    </cs:fontRef>
+    <cs:spPr>
+      <a:ln w="9525" cap="flat" cmpd="sng" algn="ctr">
+        <a:solidFill>
+          <a:schemeClr val="tx1">
+            <a:lumMod val="15000"/>
+            <a:lumOff val="85000"/>
+          </a:schemeClr>
+        </a:solidFill>
+        <a:round/>
+      </a:ln>
+    </cs:spPr>
+  </cs:gridlineMajor>
+  <cs:gridlineMinor>
+    <cs:lnRef idx="0"/>
+    <cs:fillRef idx="0"/>
+    <cs:effectRef idx="0"/>
+    <cs:fontRef idx="minor">
+      <a:schemeClr val="tx1"/>
+    </cs:fontRef>
+    <cs:spPr>
+      <a:ln w="9525" cap="flat" cmpd="sng" algn="ctr">
+        <a:solidFill>
+          <a:schemeClr val="tx1">
+            <a:lumMod val="5000"/>
+            <a:lumOff val="95000"/>
+          </a:schemeClr>
+        </a:solidFill>
+        <a:round/>
+      </a:ln>
+    </cs:spPr>
+  </cs:gridlineMinor>
+  <cs:hiLoLine>
+    <cs:lnRef idx="0"/>
+    <cs:fillRef idx="0"/>
+    <cs:effectRef idx="0"/>
+    <cs:fontRef idx="minor">
+      <a:schemeClr val="tx1"/>
+    </cs:fontRef>
+    <cs:spPr>
+      <a:ln w="9525" cap="flat" cmpd="sng" algn="ctr">
+        <a:solidFill>
+          <a:schemeClr val="tx1">
+            <a:lumMod val="75000"/>
+            <a:lumOff val="25000"/>
+          </a:schemeClr>
+        </a:solidFill>
+        <a:round/>
+      </a:ln>
+    </cs:spPr>
+  </cs:hiLoLine>
+  <cs:leaderLine>
+    <cs:lnRef idx="0"/>
+    <cs:fillRef idx="0"/>
+    <cs:effectRef idx="0"/>
+    <cs:fontRef idx="minor">
+      <a:schemeClr val="tx1"/>
+    </cs:fontRef>
+    <cs:spPr>
+      <a:ln w="9525" cap="flat" cmpd="sng" algn="ctr">
+        <a:solidFill>
+          <a:schemeClr val="tx1">
+            <a:lumMod val="35000"/>
+            <a:lumOff val="65000"/>
+          </a:schemeClr>
+        </a:solidFill>
+        <a:round/>
+      </a:ln>
+    </cs:spPr>
+  </cs:leaderLine>
+  <cs:legend>
+    <cs:lnRef idx="0"/>
+    <cs:fillRef idx="0"/>
+    <cs:effectRef idx="0"/>
+    <cs:fontRef idx="minor">
+      <a:schemeClr val="tx1">
+        <a:lumMod val="65000"/>
+        <a:lumOff val="35000"/>
+      </a:schemeClr>
+    </cs:fontRef>
+    <cs:defRPr sz="1197" kern="1200"/>
+  </cs:legend>
+  <cs:plotArea mods="allowNoFillOverride allowNoLineOverride">
+    <cs:lnRef idx="0"/>
+    <cs:fillRef idx="0"/>
+    <cs:effectRef idx="0"/>
+    <cs:fontRef idx="minor">
+      <a:schemeClr val="tx1"/>
+    </cs:fontRef>
+  </cs:plotArea>
+  <cs:plotArea3D mods="allowNoFillOverride allowNoLineOverride">
+    <cs:lnRef idx="0"/>
+    <cs:fillRef idx="0"/>
+    <cs:effectRef idx="0"/>
+    <cs:fontRef idx="minor">
+      <a:schemeClr val="tx1"/>
+    </cs:fontRef>
+  </cs:plotArea3D>
+  <cs:seriesAxis>
+    <cs:lnRef idx="0"/>
+    <cs:fillRef idx="0"/>
+    <cs:effectRef idx="0"/>
+    <cs:fontRef idx="minor">
+      <a:schemeClr val="tx1">
+        <a:lumMod val="65000"/>
+        <a:lumOff val="35000"/>
+      </a:schemeClr>
+    </cs:fontRef>
+    <cs:defRPr sz="1197" kern="1200"/>
+  </cs:seriesAxis>
+  <cs:seriesLine>
+    <cs:lnRef idx="0"/>
+    <cs:fillRef idx="0"/>
+    <cs:effectRef idx="0"/>
+    <cs:fontRef idx="minor">
+      <a:schemeClr val="tx1"/>
+    </cs:fontRef>
+    <cs:spPr>
+      <a:ln w="9525" cap="flat" cmpd="sng" algn="ctr">
+        <a:solidFill>
+          <a:schemeClr val="tx1">
+            <a:lumMod val="35000"/>
+            <a:lumOff val="65000"/>
+          </a:schemeClr>
+        </a:solidFill>
+        <a:round/>
+      </a:ln>
+    </cs:spPr>
+  </cs:seriesLine>
+  <cs:title>
+    <cs:lnRef idx="0"/>
+    <cs:fillRef idx="0"/>
+    <cs:effectRef idx="0"/>
+    <cs:fontRef idx="minor">
+      <a:schemeClr val="tx1">
+        <a:lumMod val="65000"/>
+        <a:lumOff val="35000"/>
+      </a:schemeClr>
+    </cs:fontRef>
+    <cs:defRPr sz="1862" b="0" kern="1200" spc="0" baseline="0"/>
+  </cs:title>
+  <cs:trendline>
+    <cs:lnRef idx="0">
+      <cs:styleClr val="auto"/>
+    </cs:lnRef>
+    <cs:fillRef idx="0"/>
+    <cs:effectRef idx="0"/>
+    <cs:fontRef idx="minor">
+      <a:schemeClr val="tx1"/>
+    </cs:fontRef>
+    <cs:spPr>
+      <a:ln w="19050" cap="rnd">
+        <a:solidFill>
+          <a:schemeClr val="phClr"/>
+        </a:solidFill>
+        <a:prstDash val="sysDot"/>
+      </a:ln>
+    </cs:spPr>
+  </cs:trendline>
+  <cs:trendlineLabel>
+    <cs:lnRef idx="0"/>
+    <cs:fillRef idx="0"/>
+    <cs:effectRef idx="0"/>
+    <cs:fontRef idx="minor">
+      <a:schemeClr val="tx1">
+        <a:lumMod val="65000"/>
+        <a:lumOff val="35000"/>
+      </a:schemeClr>
+    </cs:fontRef>
+    <cs:defRPr sz="1197" kern="1200"/>
+  </cs:trendlineLabel>
+  <cs:upBar>
+    <cs:lnRef idx="0"/>
+    <cs:fillRef idx="0"/>
+    <cs:effectRef idx="0"/>
+    <cs:fontRef idx="minor">
+      <a:schemeClr val="dk1"/>
+    </cs:fontRef>
+    <cs:spPr>
+      <a:solidFill>
+        <a:schemeClr val="lt1"/>
+      </a:solidFill>
+      <a:ln w="9525">
+        <a:solidFill>
+          <a:schemeClr val="tx1">
+            <a:lumMod val="15000"/>
+            <a:lumOff val="85000"/>
+          </a:schemeClr>
+        </a:solidFill>
+      </a:ln>
+    </cs:spPr>
+  </cs:upBar>
+  <cs:valueAxis>
+    <cs:lnRef idx="0"/>
+    <cs:fillRef idx="0"/>
+    <cs:effectRef idx="0"/>
+    <cs:fontRef idx="minor">
+      <a:schemeClr val="tx1">
+        <a:lumMod val="65000"/>
+        <a:lumOff val="35000"/>
+      </a:schemeClr>
+    </cs:fontRef>
+    <cs:defRPr sz="1197" kern="1200"/>
+  </cs:valueAxis>
+  <cs:wall>
+    <cs:lnRef idx="0"/>
+    <cs:fillRef idx="0"/>
+    <cs:effectRef idx="0"/>
+    <cs:fontRef idx="minor">
+      <a:schemeClr val="tx1"/>
+    </cs:fontRef>
+    <cs:spPr>
+      <a:noFill/>
+      <a:ln>
+        <a:noFill/>
+      </a:ln>
+    </cs:spPr>
+  </cs:wall>
+</cs:chartStyle>
+</file>
+
+<file path=ppt/charts/style2.xml><?xml version="1.0" encoding="utf-8"?>
+<cs:chartStyle xmlns:cs="http://schemas.microsoft.com/office/drawing/2012/chartStyle" xmlns:a="http://schemas.openxmlformats.org/drawingml/2006/main" id="201">
+  <cs:axisTitle>
+    <cs:lnRef idx="0"/>
+    <cs:fillRef idx="0"/>
+    <cs:effectRef idx="0"/>
+    <cs:fontRef idx="minor">
+      <a:schemeClr val="tx1">
+        <a:lumMod val="65000"/>
+        <a:lumOff val="35000"/>
+      </a:schemeClr>
+    </cs:fontRef>
+    <cs:defRPr sz="1330" kern="1200"/>
+  </cs:axisTitle>
+  <cs:categoryAxis>
+    <cs:lnRef idx="0"/>
+    <cs:fillRef idx="0"/>
+    <cs:effectRef idx="0"/>
+    <cs:fontRef idx="minor">
+      <a:schemeClr val="tx1">
+        <a:lumMod val="65000"/>
+        <a:lumOff val="35000"/>
+      </a:schemeClr>
+    </cs:fontRef>
+    <cs:spPr>
+      <a:ln w="9525" cap="flat" cmpd="sng" algn="ctr">
+        <a:solidFill>
+          <a:schemeClr val="tx1">
+            <a:lumMod val="15000"/>
+            <a:lumOff val="85000"/>
+          </a:schemeClr>
+        </a:solidFill>
+        <a:round/>
+      </a:ln>
+    </cs:spPr>
+    <cs:defRPr sz="1197" kern="1200"/>
+  </cs:categoryAxis>
+  <cs:chartArea mods="allowNoFillOverride allowNoLineOverride">
+    <cs:lnRef idx="0"/>
+    <cs:fillRef idx="0"/>
+    <cs:effectRef idx="0"/>
+    <cs:fontRef idx="minor">
+      <a:schemeClr val="tx1"/>
+    </cs:fontRef>
+    <cs:spPr>
+      <a:solidFill>
+        <a:schemeClr val="bg1"/>
+      </a:solidFill>
+      <a:ln w="9525" cap="flat" cmpd="sng" algn="ctr">
+        <a:solidFill>
+          <a:schemeClr val="tx1">
+            <a:lumMod val="15000"/>
+            <a:lumOff val="85000"/>
+          </a:schemeClr>
+        </a:solidFill>
+        <a:round/>
+      </a:ln>
+    </cs:spPr>
+    <cs:defRPr sz="1330" kern="1200"/>
+  </cs:chartArea>
+  <cs:dataLabel>
+    <cs:lnRef idx="0"/>
+    <cs:fillRef idx="0"/>
+    <cs:effectRef idx="0"/>
+    <cs:fontRef idx="minor">
+      <a:schemeClr val="tx1">
+        <a:lumMod val="75000"/>
+        <a:lumOff val="25000"/>
+      </a:schemeClr>
+    </cs:fontRef>
+    <cs:defRPr sz="1197" kern="1200"/>
+  </cs:dataLabel>
+  <cs:dataLabelCallout>
+    <cs:lnRef idx="0"/>
+    <cs:fillRef idx="0"/>
+    <cs:effectRef idx="0"/>
+    <cs:fontRef idx="minor">
+      <a:schemeClr val="dk1">
+        <a:lumMod val="65000"/>
+        <a:lumOff val="35000"/>
+      </a:schemeClr>
+    </cs:fontRef>
+    <cs:spPr>
+      <a:solidFill>
+        <a:schemeClr val="lt1"/>
+      </a:solidFill>
+      <a:ln>
+        <a:solidFill>
+          <a:schemeClr val="dk1">
+            <a:lumMod val="25000"/>
+            <a:lumOff val="75000"/>
+          </a:schemeClr>
+        </a:solidFill>
+      </a:ln>
+    </cs:spPr>
+    <cs:defRPr sz="1197" kern="1200"/>
+    <cs:bodyPr rot="0" spcFirstLastPara="1" vertOverflow="clip" horzOverflow="clip" vert="horz" wrap="square" lIns="36576" tIns="18288" rIns="36576" bIns="18288" anchor="ctr" anchorCtr="1">
+      <a:spAutoFit/>
+    </cs:bodyPr>
+  </cs:dataLabelCallout>
+  <cs:dataPoint>
+    <cs:lnRef idx="0"/>
+    <cs:fillRef idx="1">
+      <cs:styleClr val="auto"/>
+    </cs:fillRef>
+    <cs:effectRef idx="0"/>
+    <cs:fontRef idx="minor">
+      <a:schemeClr val="tx1"/>
+    </cs:fontRef>
+  </cs:dataPoint>
+  <cs:dataPoint3D>
+    <cs:lnRef idx="0"/>
+    <cs:fillRef idx="1">
+      <cs:styleClr val="auto"/>
+    </cs:fillRef>
+    <cs:effectRef idx="0"/>
+    <cs:fontRef idx="minor">
+      <a:schemeClr val="tx1"/>
+    </cs:fontRef>
+  </cs:dataPoint3D>
+  <cs:dataPointLine>
+    <cs:lnRef idx="0">
+      <cs:styleClr val="auto"/>
+    </cs:lnRef>
+    <cs:fillRef idx="1"/>
+    <cs:effectRef idx="0"/>
+    <cs:fontRef idx="minor">
+      <a:schemeClr val="tx1"/>
+    </cs:fontRef>
+    <cs:spPr>
+      <a:ln w="28575" cap="rnd">
+        <a:solidFill>
+          <a:schemeClr val="phClr"/>
+        </a:solidFill>
+        <a:round/>
+      </a:ln>
+    </cs:spPr>
+  </cs:dataPointLine>
+  <cs:dataPointMarker>
+    <cs:lnRef idx="0">
+      <cs:styleClr val="auto"/>
+    </cs:lnRef>
+    <cs:fillRef idx="1">
+      <cs:styleClr val="auto"/>
+    </cs:fillRef>
+    <cs:effectRef idx="0"/>
+    <cs:fontRef idx="minor">
+      <a:schemeClr val="tx1"/>
+    </cs:fontRef>
+    <cs:spPr>
+      <a:ln w="9525">
+        <a:solidFill>
+          <a:schemeClr val="phClr"/>
+        </a:solidFill>
+      </a:ln>
+    </cs:spPr>
+  </cs:dataPointMarker>
+  <cs:dataPointMarkerLayout symbol="circle" size="5"/>
+  <cs:dataPointWireframe>
+    <cs:lnRef idx="0">
+      <cs:styleClr val="auto"/>
+    </cs:lnRef>
+    <cs:fillRef idx="1"/>
+    <cs:effectRef idx="0"/>
+    <cs:fontRef idx="minor">
+      <a:schemeClr val="tx1"/>
+    </cs:fontRef>
+    <cs:spPr>
+      <a:ln w="9525" cap="rnd">
+        <a:solidFill>
+          <a:schemeClr val="phClr"/>
+        </a:solidFill>
+        <a:round/>
+      </a:ln>
+    </cs:spPr>
+  </cs:dataPointWireframe>
+  <cs:dataTable>
+    <cs:lnRef idx="0"/>
+    <cs:fillRef idx="0"/>
+    <cs:effectRef idx="0"/>
+    <cs:fontRef idx="minor">
+      <a:schemeClr val="tx1">
+        <a:lumMod val="65000"/>
+        <a:lumOff val="35000"/>
+      </a:schemeClr>
+    </cs:fontRef>
+    <cs:spPr>
+      <a:noFill/>
+      <a:ln w="9525" cap="flat" cmpd="sng" algn="ctr">
+        <a:solidFill>
+          <a:schemeClr val="tx1">
+            <a:lumMod val="15000"/>
+            <a:lumOff val="85000"/>
+          </a:schemeClr>
+        </a:solidFill>
+        <a:round/>
+      </a:ln>
+    </cs:spPr>
+    <cs:defRPr sz="1197" kern="1200"/>
+  </cs:dataTable>
+  <cs:downBar>
+    <cs:lnRef idx="0"/>
+    <cs:fillRef idx="0"/>
+    <cs:effectRef idx="0"/>
+    <cs:fontRef idx="minor">
+      <a:schemeClr val="dk1"/>
+    </cs:fontRef>
+    <cs:spPr>
+      <a:solidFill>
+        <a:schemeClr val="dk1">
+          <a:lumMod val="65000"/>
+          <a:lumOff val="35000"/>
+        </a:schemeClr>
+      </a:solidFill>
+      <a:ln w="9525">
+        <a:solidFill>
+          <a:schemeClr val="tx1">
+            <a:lumMod val="65000"/>
+            <a:lumOff val="35000"/>
+          </a:schemeClr>
+        </a:solidFill>
+      </a:ln>
+    </cs:spPr>
+  </cs:downBar>
+  <cs:dropLine>
+    <cs:lnRef idx="0"/>
+    <cs:fillRef idx="0"/>
+    <cs:effectRef idx="0"/>
+    <cs:fontRef idx="minor">
+      <a:schemeClr val="tx1"/>
+    </cs:fontRef>
+    <cs:spPr>
+      <a:ln w="9525" cap="flat" cmpd="sng" algn="ctr">
+        <a:solidFill>
+          <a:schemeClr val="tx1">
+            <a:lumMod val="35000"/>
+            <a:lumOff val="65000"/>
+          </a:schemeClr>
+        </a:solidFill>
+        <a:round/>
+      </a:ln>
+    </cs:spPr>
+  </cs:dropLine>
+  <cs:errorBar>
+    <cs:lnRef idx="0"/>
+    <cs:fillRef idx="0"/>
+    <cs:effectRef idx="0"/>
+    <cs:fontRef idx="minor">
+      <a:schemeClr val="tx1"/>
+    </cs:fontRef>
+    <cs:spPr>
+      <a:ln w="9525" cap="flat" cmpd="sng" algn="ctr">
+        <a:solidFill>
+          <a:schemeClr val="tx1">
+            <a:lumMod val="65000"/>
+            <a:lumOff val="35000"/>
+          </a:schemeClr>
+        </a:solidFill>
+        <a:round/>
+      </a:ln>
+    </cs:spPr>
+  </cs:errorBar>
+  <cs:floor>
+    <cs:lnRef idx="0"/>
+    <cs:fillRef idx="0"/>
+    <cs:effectRef idx="0"/>
+    <cs:fontRef idx="minor">
+      <a:schemeClr val="tx1"/>
+    </cs:fontRef>
+    <cs:spPr>
+      <a:noFill/>
+      <a:ln>
+        <a:noFill/>
+      </a:ln>
+    </cs:spPr>
+  </cs:floor>
+  <cs:gridlineMajor>
+    <cs:lnRef idx="0"/>
+    <cs:fillRef idx="0"/>
+    <cs:effectRef idx="0"/>
+    <cs:fontRef idx="minor">
+      <a:schemeClr val="tx1"/>
+    </cs:fontRef>
+    <cs:spPr>
+      <a:ln w="9525" cap="flat" cmpd="sng" algn="ctr">
+        <a:solidFill>
+          <a:schemeClr val="tx1">
+            <a:lumMod val="15000"/>
+            <a:lumOff val="85000"/>
+          </a:schemeClr>
+        </a:solidFill>
+        <a:round/>
+      </a:ln>
+    </cs:spPr>
+  </cs:gridlineMajor>
+  <cs:gridlineMinor>
+    <cs:lnRef idx="0"/>
+    <cs:fillRef idx="0"/>
+    <cs:effectRef idx="0"/>
+    <cs:fontRef idx="minor">
+      <a:schemeClr val="tx1"/>
+    </cs:fontRef>
+    <cs:spPr>
+      <a:ln w="9525" cap="flat" cmpd="sng" algn="ctr">
+        <a:solidFill>
+          <a:schemeClr val="tx1">
+            <a:lumMod val="5000"/>
+            <a:lumOff val="95000"/>
+          </a:schemeClr>
+        </a:solidFill>
+        <a:round/>
+      </a:ln>
+    </cs:spPr>
+  </cs:gridlineMinor>
+  <cs:hiLoLine>
+    <cs:lnRef idx="0"/>
+    <cs:fillRef idx="0"/>
+    <cs:effectRef idx="0"/>
+    <cs:fontRef idx="minor">
+      <a:schemeClr val="tx1"/>
+    </cs:fontRef>
+    <cs:spPr>
+      <a:ln w="9525" cap="flat" cmpd="sng" algn="ctr">
+        <a:solidFill>
+          <a:schemeClr val="tx1">
+            <a:lumMod val="75000"/>
+            <a:lumOff val="25000"/>
+          </a:schemeClr>
+        </a:solidFill>
+        <a:round/>
+      </a:ln>
+    </cs:spPr>
+  </cs:hiLoLine>
+  <cs:leaderLine>
+    <cs:lnRef idx="0"/>
+    <cs:fillRef idx="0"/>
+    <cs:effectRef idx="0"/>
+    <cs:fontRef idx="minor">
+      <a:schemeClr val="tx1"/>
+    </cs:fontRef>
+    <cs:spPr>
+      <a:ln w="9525" cap="flat" cmpd="sng" algn="ctr">
+        <a:solidFill>
+          <a:schemeClr val="tx1">
+            <a:lumMod val="35000"/>
+            <a:lumOff val="65000"/>
+          </a:schemeClr>
+        </a:solidFill>
+        <a:round/>
+      </a:ln>
+    </cs:spPr>
+  </cs:leaderLine>
+  <cs:legend>
+    <cs:lnRef idx="0"/>
+    <cs:fillRef idx="0"/>
+    <cs:effectRef idx="0"/>
+    <cs:fontRef idx="minor">
+      <a:schemeClr val="tx1">
+        <a:lumMod val="65000"/>
+        <a:lumOff val="35000"/>
+      </a:schemeClr>
+    </cs:fontRef>
+    <cs:defRPr sz="1197" kern="1200"/>
+  </cs:legend>
+  <cs:plotArea mods="allowNoFillOverride allowNoLineOverride">
+    <cs:lnRef idx="0"/>
+    <cs:fillRef idx="0"/>
+    <cs:effectRef idx="0"/>
+    <cs:fontRef idx="minor">
+      <a:schemeClr val="tx1"/>
+    </cs:fontRef>
+  </cs:plotArea>
+  <cs:plotArea3D mods="allowNoFillOverride allowNoLineOverride">
+    <cs:lnRef idx="0"/>
+    <cs:fillRef idx="0"/>
+    <cs:effectRef idx="0"/>
+    <cs:fontRef idx="minor">
+      <a:schemeClr val="tx1"/>
+    </cs:fontRef>
+  </cs:plotArea3D>
+  <cs:seriesAxis>
+    <cs:lnRef idx="0"/>
+    <cs:fillRef idx="0"/>
+    <cs:effectRef idx="0"/>
+    <cs:fontRef idx="minor">
+      <a:schemeClr val="tx1">
+        <a:lumMod val="65000"/>
+        <a:lumOff val="35000"/>
+      </a:schemeClr>
+    </cs:fontRef>
+    <cs:defRPr sz="1197" kern="1200"/>
+  </cs:seriesAxis>
+  <cs:seriesLine>
+    <cs:lnRef idx="0"/>
+    <cs:fillRef idx="0"/>
+    <cs:effectRef idx="0"/>
+    <cs:fontRef idx="minor">
+      <a:schemeClr val="tx1"/>
+    </cs:fontRef>
+    <cs:spPr>
+      <a:ln w="9525" cap="flat" cmpd="sng" algn="ctr">
+        <a:solidFill>
+          <a:schemeClr val="tx1">
+            <a:lumMod val="35000"/>
+            <a:lumOff val="65000"/>
+          </a:schemeClr>
+        </a:solidFill>
+        <a:round/>
+      </a:ln>
+    </cs:spPr>
+  </cs:seriesLine>
+  <cs:title>
+    <cs:lnRef idx="0"/>
+    <cs:fillRef idx="0"/>
+    <cs:effectRef idx="0"/>
+    <cs:fontRef idx="minor">
+      <a:schemeClr val="tx1">
+        <a:lumMod val="65000"/>
+        <a:lumOff val="35000"/>
+      </a:schemeClr>
+    </cs:fontRef>
+    <cs:defRPr sz="1862" b="0" kern="1200" spc="0" baseline="0"/>
+  </cs:title>
+  <cs:trendline>
+    <cs:lnRef idx="0">
+      <cs:styleClr val="auto"/>
+    </cs:lnRef>
+    <cs:fillRef idx="0"/>
+    <cs:effectRef idx="0"/>
+    <cs:fontRef idx="minor">
+      <a:schemeClr val="tx1"/>
+    </cs:fontRef>
+    <cs:spPr>
+      <a:ln w="19050" cap="rnd">
+        <a:solidFill>
+          <a:schemeClr val="phClr"/>
+        </a:solidFill>
+        <a:prstDash val="sysDot"/>
+      </a:ln>
+    </cs:spPr>
+  </cs:trendline>
+  <cs:trendlineLabel>
+    <cs:lnRef idx="0"/>
+    <cs:fillRef idx="0"/>
+    <cs:effectRef idx="0"/>
+    <cs:fontRef idx="minor">
+      <a:schemeClr val="tx1">
+        <a:lumMod val="65000"/>
+        <a:lumOff val="35000"/>
+      </a:schemeClr>
+    </cs:fontRef>
+    <cs:defRPr sz="1197" kern="1200"/>
+  </cs:trendlineLabel>
+  <cs:upBar>
+    <cs:lnRef idx="0"/>
+    <cs:fillRef idx="0"/>
+    <cs:effectRef idx="0"/>
+    <cs:fontRef idx="minor">
+      <a:schemeClr val="dk1"/>
+    </cs:fontRef>
+    <cs:spPr>
+      <a:solidFill>
+        <a:schemeClr val="lt1"/>
+      </a:solidFill>
+      <a:ln w="9525">
+        <a:solidFill>
+          <a:schemeClr val="tx1">
+            <a:lumMod val="15000"/>
+            <a:lumOff val="85000"/>
+          </a:schemeClr>
+        </a:solidFill>
+      </a:ln>
+    </cs:spPr>
+  </cs:upBar>
+  <cs:valueAxis>
+    <cs:lnRef idx="0"/>
+    <cs:fillRef idx="0"/>
+    <cs:effectRef idx="0"/>
+    <cs:fontRef idx="minor">
+      <a:schemeClr val="tx1">
+        <a:lumMod val="65000"/>
+        <a:lumOff val="35000"/>
+      </a:schemeClr>
+    </cs:fontRef>
+    <cs:defRPr sz="1197" kern="1200"/>
+  </cs:valueAxis>
+  <cs:wall>
+    <cs:lnRef idx="0"/>
+    <cs:fillRef idx="0"/>
+    <cs:effectRef idx="0"/>
+    <cs:fontRef idx="minor">
+      <a:schemeClr val="tx1"/>
+    </cs:fontRef>
+    <cs:spPr>
+      <a:noFill/>
+      <a:ln>
+        <a:noFill/>
+      </a:ln>
+    </cs:spPr>
+  </cs:wall>
+</cs:chartStyle>
+</file>
+
+<file path=ppt/charts/style3.xml><?xml version="1.0" encoding="utf-8"?>
+<cs:chartStyle xmlns:cs="http://schemas.microsoft.com/office/drawing/2012/chartStyle" xmlns:a="http://schemas.openxmlformats.org/drawingml/2006/main" id="201">
+  <cs:axisTitle>
+    <cs:lnRef idx="0"/>
+    <cs:fillRef idx="0"/>
+    <cs:effectRef idx="0"/>
+    <cs:fontRef idx="minor">
+      <a:schemeClr val="tx1">
+        <a:lumMod val="65000"/>
+        <a:lumOff val="35000"/>
+      </a:schemeClr>
+    </cs:fontRef>
+    <cs:defRPr sz="1330" kern="1200"/>
+  </cs:axisTitle>
+  <cs:categoryAxis>
+    <cs:lnRef idx="0"/>
+    <cs:fillRef idx="0"/>
+    <cs:effectRef idx="0"/>
+    <cs:fontRef idx="minor">
+      <a:schemeClr val="tx1">
+        <a:lumMod val="65000"/>
+        <a:lumOff val="35000"/>
+      </a:schemeClr>
+    </cs:fontRef>
+    <cs:spPr>
+      <a:ln w="9525" cap="flat" cmpd="sng" algn="ctr">
+        <a:solidFill>
+          <a:schemeClr val="tx1">
+            <a:lumMod val="15000"/>
+            <a:lumOff val="85000"/>
+          </a:schemeClr>
+        </a:solidFill>
+        <a:round/>
+      </a:ln>
+    </cs:spPr>
+    <cs:defRPr sz="1197" kern="1200"/>
+  </cs:categoryAxis>
+  <cs:chartArea mods="allowNoFillOverride allowNoLineOverride">
+    <cs:lnRef idx="0"/>
+    <cs:fillRef idx="0"/>
+    <cs:effectRef idx="0"/>
+    <cs:fontRef idx="minor">
+      <a:schemeClr val="tx1"/>
+    </cs:fontRef>
+    <cs:spPr>
+      <a:solidFill>
+        <a:schemeClr val="bg1"/>
+      </a:solidFill>
+      <a:ln w="9525" cap="flat" cmpd="sng" algn="ctr">
+        <a:solidFill>
+          <a:schemeClr val="tx1">
+            <a:lumMod val="15000"/>
+            <a:lumOff val="85000"/>
+          </a:schemeClr>
+        </a:solidFill>
+        <a:round/>
+      </a:ln>
+    </cs:spPr>
+    <cs:defRPr sz="1330" kern="1200"/>
+  </cs:chartArea>
+  <cs:dataLabel>
+    <cs:lnRef idx="0"/>
+    <cs:fillRef idx="0"/>
+    <cs:effectRef idx="0"/>
+    <cs:fontRef idx="minor">
+      <a:schemeClr val="tx1">
+        <a:lumMod val="75000"/>
+        <a:lumOff val="25000"/>
+      </a:schemeClr>
+    </cs:fontRef>
+    <cs:defRPr sz="1197" kern="1200"/>
+  </cs:dataLabel>
+  <cs:dataLabelCallout>
+    <cs:lnRef idx="0"/>
+    <cs:fillRef idx="0"/>
+    <cs:effectRef idx="0"/>
+    <cs:fontRef idx="minor">
+      <a:schemeClr val="dk1">
+        <a:lumMod val="65000"/>
+        <a:lumOff val="35000"/>
+      </a:schemeClr>
+    </cs:fontRef>
+    <cs:spPr>
+      <a:solidFill>
+        <a:schemeClr val="lt1"/>
+      </a:solidFill>
+      <a:ln>
+        <a:solidFill>
+          <a:schemeClr val="dk1">
+            <a:lumMod val="25000"/>
+            <a:lumOff val="75000"/>
+          </a:schemeClr>
+        </a:solidFill>
+      </a:ln>
+    </cs:spPr>
+    <cs:defRPr sz="1197" kern="1200"/>
+    <cs:bodyPr rot="0" spcFirstLastPara="1" vertOverflow="clip" horzOverflow="clip" vert="horz" wrap="square" lIns="36576" tIns="18288" rIns="36576" bIns="18288" anchor="ctr" anchorCtr="1">
+      <a:spAutoFit/>
+    </cs:bodyPr>
+  </cs:dataLabelCallout>
+  <cs:dataPoint>
+    <cs:lnRef idx="0"/>
+    <cs:fillRef idx="1">
+      <cs:styleClr val="auto"/>
+    </cs:fillRef>
+    <cs:effectRef idx="0"/>
+    <cs:fontRef idx="minor">
+      <a:schemeClr val="tx1"/>
+    </cs:fontRef>
+  </cs:dataPoint>
+  <cs:dataPoint3D>
+    <cs:lnRef idx="0"/>
+    <cs:fillRef idx="1">
+      <cs:styleClr val="auto"/>
+    </cs:fillRef>
+    <cs:effectRef idx="0"/>
+    <cs:fontRef idx="minor">
+      <a:schemeClr val="tx1"/>
+    </cs:fontRef>
+  </cs:dataPoint3D>
+  <cs:dataPointLine>
+    <cs:lnRef idx="0">
+      <cs:styleClr val="auto"/>
+    </cs:lnRef>
+    <cs:fillRef idx="1"/>
+    <cs:effectRef idx="0"/>
+    <cs:fontRef idx="minor">
+      <a:schemeClr val="tx1"/>
+    </cs:fontRef>
+    <cs:spPr>
+      <a:ln w="28575" cap="rnd">
+        <a:solidFill>
+          <a:schemeClr val="phClr"/>
+        </a:solidFill>
+        <a:round/>
+      </a:ln>
+    </cs:spPr>
+  </cs:dataPointLine>
+  <cs:dataPointMarker>
+    <cs:lnRef idx="0">
+      <cs:styleClr val="auto"/>
+    </cs:lnRef>
+    <cs:fillRef idx="1">
+      <cs:styleClr val="auto"/>
+    </cs:fillRef>
+    <cs:effectRef idx="0"/>
+    <cs:fontRef idx="minor">
+      <a:schemeClr val="tx1"/>
+    </cs:fontRef>
+    <cs:spPr>
+      <a:ln w="9525">
+        <a:solidFill>
+          <a:schemeClr val="phClr"/>
+        </a:solidFill>
+      </a:ln>
+    </cs:spPr>
+  </cs:dataPointMarker>
+  <cs:dataPointMarkerLayout symbol="circle" size="5"/>
+  <cs:dataPointWireframe>
+    <cs:lnRef idx="0">
+      <cs:styleClr val="auto"/>
+    </cs:lnRef>
+    <cs:fillRef idx="1"/>
+    <cs:effectRef idx="0"/>
+    <cs:fontRef idx="minor">
+      <a:schemeClr val="tx1"/>
+    </cs:fontRef>
+    <cs:spPr>
+      <a:ln w="9525" cap="rnd">
+        <a:solidFill>
+          <a:schemeClr val="phClr"/>
+        </a:solidFill>
+        <a:round/>
+      </a:ln>
+    </cs:spPr>
+  </cs:dataPointWireframe>
+  <cs:dataTable>
+    <cs:lnRef idx="0"/>
+    <cs:fillRef idx="0"/>
+    <cs:effectRef idx="0"/>
+    <cs:fontRef idx="minor">
+      <a:schemeClr val="tx1">
+        <a:lumMod val="65000"/>
+        <a:lumOff val="35000"/>
+      </a:schemeClr>
+    </cs:fontRef>
+    <cs:spPr>
+      <a:noFill/>
+      <a:ln w="9525" cap="flat" cmpd="sng" algn="ctr">
+        <a:solidFill>
+          <a:schemeClr val="tx1">
+            <a:lumMod val="15000"/>
+            <a:lumOff val="85000"/>
+          </a:schemeClr>
+        </a:solidFill>
+        <a:round/>
+      </a:ln>
+    </cs:spPr>
+    <cs:defRPr sz="1197" kern="1200"/>
+  </cs:dataTable>
+  <cs:downBar>
+    <cs:lnRef idx="0"/>
+    <cs:fillRef idx="0"/>
+    <cs:effectRef idx="0"/>
+    <cs:fontRef idx="minor">
+      <a:schemeClr val="dk1"/>
+    </cs:fontRef>
+    <cs:spPr>
+      <a:solidFill>
+        <a:schemeClr val="dk1">
+          <a:lumMod val="65000"/>
+          <a:lumOff val="35000"/>
+        </a:schemeClr>
+      </a:solidFill>
+      <a:ln w="9525">
+        <a:solidFill>
+          <a:schemeClr val="tx1">
+            <a:lumMod val="65000"/>
+            <a:lumOff val="35000"/>
+          </a:schemeClr>
+        </a:solidFill>
+      </a:ln>
+    </cs:spPr>
+  </cs:downBar>
+  <cs:dropLine>
+    <cs:lnRef idx="0"/>
+    <cs:fillRef idx="0"/>
+    <cs:effectRef idx="0"/>
+    <cs:fontRef idx="minor">
+      <a:schemeClr val="tx1"/>
+    </cs:fontRef>
+    <cs:spPr>
+      <a:ln w="9525" cap="flat" cmpd="sng" algn="ctr">
+        <a:solidFill>
+          <a:schemeClr val="tx1">
+            <a:lumMod val="35000"/>
+            <a:lumOff val="65000"/>
+          </a:schemeClr>
+        </a:solidFill>
+        <a:round/>
+      </a:ln>
+    </cs:spPr>
+  </cs:dropLine>
+  <cs:errorBar>
+    <cs:lnRef idx="0"/>
+    <cs:fillRef idx="0"/>
+    <cs:effectRef idx="0"/>
+    <cs:fontRef idx="minor">
+      <a:schemeClr val="tx1"/>
+    </cs:fontRef>
+    <cs:spPr>
+      <a:ln w="9525" cap="flat" cmpd="sng" algn="ctr">
+        <a:solidFill>
+          <a:schemeClr val="tx1">
+            <a:lumMod val="65000"/>
+            <a:lumOff val="35000"/>
+          </a:schemeClr>
+        </a:solidFill>
+        <a:round/>
+      </a:ln>
+    </cs:spPr>
+  </cs:errorBar>
+  <cs:floor>
+    <cs:lnRef idx="0"/>
+    <cs:fillRef idx="0"/>
+    <cs:effectRef idx="0"/>
+    <cs:fontRef idx="minor">
+      <a:schemeClr val="tx1"/>
+    </cs:fontRef>
+    <cs:spPr>
+      <a:noFill/>
+      <a:ln>
+        <a:noFill/>
+      </a:ln>
+    </cs:spPr>
+  </cs:floor>
+  <cs:gridlineMajor>
+    <cs:lnRef idx="0"/>
+    <cs:fillRef idx="0"/>
+    <cs:effectRef idx="0"/>
+    <cs:fontRef idx="minor">
+      <a:schemeClr val="tx1"/>
+    </cs:fontRef>
+    <cs:spPr>
+      <a:ln w="9525" cap="flat" cmpd="sng" algn="ctr">
+        <a:solidFill>
+          <a:schemeClr val="tx1">
+            <a:lumMod val="15000"/>
+            <a:lumOff val="85000"/>
+          </a:schemeClr>
+        </a:solidFill>
+        <a:round/>
+      </a:ln>
+    </cs:spPr>
+  </cs:gridlineMajor>
+  <cs:gridlineMinor>
+    <cs:lnRef idx="0"/>
+    <cs:fillRef idx="0"/>
+    <cs:effectRef idx="0"/>
+    <cs:fontRef idx="minor">
+      <a:schemeClr val="tx1"/>
+    </cs:fontRef>
+    <cs:spPr>
+      <a:ln w="9525" cap="flat" cmpd="sng" algn="ctr">
+        <a:solidFill>
+          <a:schemeClr val="tx1">
+            <a:lumMod val="5000"/>
+            <a:lumOff val="95000"/>
+          </a:schemeClr>
+        </a:solidFill>
+        <a:round/>
+      </a:ln>
+    </cs:spPr>
+  </cs:gridlineMinor>
+  <cs:hiLoLine>
+    <cs:lnRef idx="0"/>
+    <cs:fillRef idx="0"/>
+    <cs:effectRef idx="0"/>
+    <cs:fontRef idx="minor">
+      <a:schemeClr val="tx1"/>
+    </cs:fontRef>
+    <cs:spPr>
+      <a:ln w="9525" cap="flat" cmpd="sng" algn="ctr">
+        <a:solidFill>
+          <a:schemeClr val="tx1">
+            <a:lumMod val="75000"/>
+            <a:lumOff val="25000"/>
+          </a:schemeClr>
+        </a:solidFill>
+        <a:round/>
+      </a:ln>
+    </cs:spPr>
+  </cs:hiLoLine>
+  <cs:leaderLine>
+    <cs:lnRef idx="0"/>
+    <cs:fillRef idx="0"/>
+    <cs:effectRef idx="0"/>
+    <cs:fontRef idx="minor">
+      <a:schemeClr val="tx1"/>
+    </cs:fontRef>
+    <cs:spPr>
+      <a:ln w="9525" cap="flat" cmpd="sng" algn="ctr">
+        <a:solidFill>
+          <a:schemeClr val="tx1">
+            <a:lumMod val="35000"/>
+            <a:lumOff val="65000"/>
+          </a:schemeClr>
+        </a:solidFill>
+        <a:round/>
+      </a:ln>
+    </cs:spPr>
+  </cs:leaderLine>
+  <cs:legend>
+    <cs:lnRef idx="0"/>
+    <cs:fillRef idx="0"/>
+    <cs:effectRef idx="0"/>
+    <cs:fontRef idx="minor">
+      <a:schemeClr val="tx1">
+        <a:lumMod val="65000"/>
+        <a:lumOff val="35000"/>
+      </a:schemeClr>
+    </cs:fontRef>
+    <cs:defRPr sz="1197" kern="1200"/>
+  </cs:legend>
+  <cs:plotArea mods="allowNoFillOverride allowNoLineOverride">
+    <cs:lnRef idx="0"/>
+    <cs:fillRef idx="0"/>
+    <cs:effectRef idx="0"/>
+    <cs:fontRef idx="minor">
+      <a:schemeClr val="tx1"/>
+    </cs:fontRef>
+  </cs:plotArea>
+  <cs:plotArea3D mods="allowNoFillOverride allowNoLineOverride">
+    <cs:lnRef idx="0"/>
+    <cs:fillRef idx="0"/>
+    <cs:effectRef idx="0"/>
+    <cs:fontRef idx="minor">
+      <a:schemeClr val="tx1"/>
+    </cs:fontRef>
+  </cs:plotArea3D>
+  <cs:seriesAxis>
+    <cs:lnRef idx="0"/>
+    <cs:fillRef idx="0"/>
+    <cs:effectRef idx="0"/>
+    <cs:fontRef idx="minor">
+      <a:schemeClr val="tx1">
+        <a:lumMod val="65000"/>
+        <a:lumOff val="35000"/>
+      </a:schemeClr>
+    </cs:fontRef>
+    <cs:defRPr sz="1197" kern="1200"/>
+  </cs:seriesAxis>
+  <cs:seriesLine>
+    <cs:lnRef idx="0"/>
+    <cs:fillRef idx="0"/>
+    <cs:effectRef idx="0"/>
+    <cs:fontRef idx="minor">
+      <a:schemeClr val="tx1"/>
+    </cs:fontRef>
+    <cs:spPr>
+      <a:ln w="9525" cap="flat" cmpd="sng" algn="ctr">
+        <a:solidFill>
+          <a:schemeClr val="tx1">
+            <a:lumMod val="35000"/>
+            <a:lumOff val="65000"/>
+          </a:schemeClr>
+        </a:solidFill>
+        <a:round/>
+      </a:ln>
+    </cs:spPr>
+  </cs:seriesLine>
+  <cs:title>
+    <cs:lnRef idx="0"/>
+    <cs:fillRef idx="0"/>
+    <cs:effectRef idx="0"/>
+    <cs:fontRef idx="minor">
+      <a:schemeClr val="tx1">
+        <a:lumMod val="65000"/>
+        <a:lumOff val="35000"/>
+      </a:schemeClr>
+    </cs:fontRef>
+    <cs:defRPr sz="1862" b="0" kern="1200" spc="0" baseline="0"/>
+  </cs:title>
+  <cs:trendline>
+    <cs:lnRef idx="0">
+      <cs:styleClr val="auto"/>
+    </cs:lnRef>
+    <cs:fillRef idx="0"/>
+    <cs:effectRef idx="0"/>
+    <cs:fontRef idx="minor">
+      <a:schemeClr val="tx1"/>
+    </cs:fontRef>
+    <cs:spPr>
+      <a:ln w="19050" cap="rnd">
+        <a:solidFill>
+          <a:schemeClr val="phClr"/>
+        </a:solidFill>
+        <a:prstDash val="sysDot"/>
+      </a:ln>
+    </cs:spPr>
+  </cs:trendline>
+  <cs:trendlineLabel>
+    <cs:lnRef idx="0"/>
+    <cs:fillRef idx="0"/>
+    <cs:effectRef idx="0"/>
+    <cs:fontRef idx="minor">
+      <a:schemeClr val="tx1">
+        <a:lumMod val="65000"/>
+        <a:lumOff val="35000"/>
+      </a:schemeClr>
+    </cs:fontRef>
+    <cs:defRPr sz="1197" kern="1200"/>
+  </cs:trendlineLabel>
+  <cs:upBar>
+    <cs:lnRef idx="0"/>
+    <cs:fillRef idx="0"/>
+    <cs:effectRef idx="0"/>
+    <cs:fontRef idx="minor">
+      <a:schemeClr val="dk1"/>
+    </cs:fontRef>
+    <cs:spPr>
+      <a:solidFill>
+        <a:schemeClr val="lt1"/>
+      </a:solidFill>
+      <a:ln w="9525">
+        <a:solidFill>
+          <a:schemeClr val="tx1">
+            <a:lumMod val="15000"/>
+            <a:lumOff val="85000"/>
+          </a:schemeClr>
+        </a:solidFill>
+      </a:ln>
+    </cs:spPr>
+  </cs:upBar>
+  <cs:valueAxis>
+    <cs:lnRef idx="0"/>
+    <cs:fillRef idx="0"/>
+    <cs:effectRef idx="0"/>
+    <cs:fontRef idx="minor">
+      <a:schemeClr val="tx1">
+        <a:lumMod val="65000"/>
+        <a:lumOff val="35000"/>
+      </a:schemeClr>
+    </cs:fontRef>
+    <cs:defRPr sz="1197" kern="1200"/>
+  </cs:valueAxis>
+  <cs:wall>
+    <cs:lnRef idx="0"/>
+    <cs:fillRef idx="0"/>
+    <cs:effectRef idx="0"/>
+    <cs:fontRef idx="minor">
+      <a:schemeClr val="tx1"/>
+    </cs:fontRef>
+    <cs:spPr>
+      <a:noFill/>
+      <a:ln>
+        <a:noFill/>
+      </a:ln>
+    </cs:spPr>
+  </cs:wall>
+</cs:chartStyle>
+</file>
+
+<file path=ppt/charts/style4.xml><?xml version="1.0" encoding="utf-8"?>
+<cs:chartStyle xmlns:cs="http://schemas.microsoft.com/office/drawing/2012/chartStyle" xmlns:a="http://schemas.openxmlformats.org/drawingml/2006/main" id="201">
+  <cs:axisTitle>
+    <cs:lnRef idx="0"/>
+    <cs:fillRef idx="0"/>
+    <cs:effectRef idx="0"/>
+    <cs:fontRef idx="minor">
+      <a:schemeClr val="tx1">
+        <a:lumMod val="65000"/>
+        <a:lumOff val="35000"/>
+      </a:schemeClr>
+    </cs:fontRef>
+    <cs:defRPr sz="1330" kern="1200"/>
+  </cs:axisTitle>
+  <cs:categoryAxis>
+    <cs:lnRef idx="0"/>
+    <cs:fillRef idx="0"/>
+    <cs:effectRef idx="0"/>
+    <cs:fontRef idx="minor">
+      <a:schemeClr val="tx1">
+        <a:lumMod val="65000"/>
+        <a:lumOff val="35000"/>
+      </a:schemeClr>
+    </cs:fontRef>
+    <cs:spPr>
+      <a:ln w="9525" cap="flat" cmpd="sng" algn="ctr">
+        <a:solidFill>
+          <a:schemeClr val="tx1">
+            <a:lumMod val="15000"/>
+            <a:lumOff val="85000"/>
+          </a:schemeClr>
+        </a:solidFill>
+        <a:round/>
+      </a:ln>
+    </cs:spPr>
+    <cs:defRPr sz="1197" kern="1200"/>
+  </cs:categoryAxis>
+  <cs:chartArea mods="allowNoFillOverride allowNoLineOverride">
+    <cs:lnRef idx="0"/>
+    <cs:fillRef idx="0"/>
+    <cs:effectRef idx="0"/>
+    <cs:fontRef idx="minor">
+      <a:schemeClr val="tx1"/>
+    </cs:fontRef>
+    <cs:spPr>
+      <a:solidFill>
+        <a:schemeClr val="bg1"/>
+      </a:solidFill>
+      <a:ln w="9525" cap="flat" cmpd="sng" algn="ctr">
+        <a:solidFill>
+          <a:schemeClr val="tx1">
+            <a:lumMod val="15000"/>
+            <a:lumOff val="85000"/>
+          </a:schemeClr>
+        </a:solidFill>
+        <a:round/>
+      </a:ln>
+    </cs:spPr>
+    <cs:defRPr sz="1330" kern="1200"/>
+  </cs:chartArea>
+  <cs:dataLabel>
+    <cs:lnRef idx="0"/>
+    <cs:fillRef idx="0"/>
+    <cs:effectRef idx="0"/>
+    <cs:fontRef idx="minor">
+      <a:schemeClr val="tx1">
+        <a:lumMod val="75000"/>
+        <a:lumOff val="25000"/>
+      </a:schemeClr>
+    </cs:fontRef>
+    <cs:defRPr sz="1197" kern="1200"/>
+  </cs:dataLabel>
+  <cs:dataLabelCallout>
+    <cs:lnRef idx="0"/>
+    <cs:fillRef idx="0"/>
+    <cs:effectRef idx="0"/>
+    <cs:fontRef idx="minor">
+      <a:schemeClr val="dk1">
+        <a:lumMod val="65000"/>
+        <a:lumOff val="35000"/>
+      </a:schemeClr>
+    </cs:fontRef>
+    <cs:spPr>
+      <a:solidFill>
+        <a:schemeClr val="lt1"/>
+      </a:solidFill>
+      <a:ln>
+        <a:solidFill>
+          <a:schemeClr val="dk1">
+            <a:lumMod val="25000"/>
+            <a:lumOff val="75000"/>
+          </a:schemeClr>
+        </a:solidFill>
+      </a:ln>
+    </cs:spPr>
+    <cs:defRPr sz="1197" kern="1200"/>
+    <cs:bodyPr rot="0" spcFirstLastPara="1" vertOverflow="clip" horzOverflow="clip" vert="horz" wrap="square" lIns="36576" tIns="18288" rIns="36576" bIns="18288" anchor="ctr" anchorCtr="1">
+      <a:spAutoFit/>
+    </cs:bodyPr>
+  </cs:dataLabelCallout>
+  <cs:dataPoint>
+    <cs:lnRef idx="0"/>
+    <cs:fillRef idx="1">
+      <cs:styleClr val="auto"/>
+    </cs:fillRef>
+    <cs:effectRef idx="0"/>
+    <cs:fontRef idx="minor">
+      <a:schemeClr val="tx1"/>
+    </cs:fontRef>
+  </cs:dataPoint>
+  <cs:dataPoint3D>
+    <cs:lnRef idx="0"/>
+    <cs:fillRef idx="1">
+      <cs:styleClr val="auto"/>
+    </cs:fillRef>
+    <cs:effectRef idx="0"/>
+    <cs:fontRef idx="minor">
+      <a:schemeClr val="tx1"/>
+    </cs:fontRef>
+  </cs:dataPoint3D>
+  <cs:dataPointLine>
+    <cs:lnRef idx="0">
+      <cs:styleClr val="auto"/>
+    </cs:lnRef>
+    <cs:fillRef idx="1"/>
+    <cs:effectRef idx="0"/>
+    <cs:fontRef idx="minor">
+      <a:schemeClr val="tx1"/>
+    </cs:fontRef>
+    <cs:spPr>
+      <a:ln w="28575" cap="rnd">
+        <a:solidFill>
+          <a:schemeClr val="phClr"/>
+        </a:solidFill>
+        <a:round/>
+      </a:ln>
+    </cs:spPr>
+  </cs:dataPointLine>
+  <cs:dataPointMarker>
+    <cs:lnRef idx="0">
+      <cs:styleClr val="auto"/>
+    </cs:lnRef>
+    <cs:fillRef idx="1">
+      <cs:styleClr val="auto"/>
+    </cs:fillRef>
+    <cs:effectRef idx="0"/>
+    <cs:fontRef idx="minor">
+      <a:schemeClr val="tx1"/>
+    </cs:fontRef>
+    <cs:spPr>
+      <a:ln w="9525">
+        <a:solidFill>
+          <a:schemeClr val="phClr"/>
+        </a:solidFill>
+      </a:ln>
+    </cs:spPr>
+  </cs:dataPointMarker>
+  <cs:dataPointMarkerLayout symbol="circle" size="5"/>
+  <cs:dataPointWireframe>
+    <cs:lnRef idx="0">
+      <cs:styleClr val="auto"/>
+    </cs:lnRef>
+    <cs:fillRef idx="1"/>
+    <cs:effectRef idx="0"/>
+    <cs:fontRef idx="minor">
+      <a:schemeClr val="tx1"/>
+    </cs:fontRef>
+    <cs:spPr>
+      <a:ln w="9525" cap="rnd">
+        <a:solidFill>
+          <a:schemeClr val="phClr"/>
+        </a:solidFill>
+        <a:round/>
+      </a:ln>
+    </cs:spPr>
+  </cs:dataPointWireframe>
+  <cs:dataTable>
+    <cs:lnRef idx="0"/>
+    <cs:fillRef idx="0"/>
+    <cs:effectRef idx="0"/>
+    <cs:fontRef idx="minor">
+      <a:schemeClr val="tx1">
+        <a:lumMod val="65000"/>
+        <a:lumOff val="35000"/>
+      </a:schemeClr>
+    </cs:fontRef>
+    <cs:spPr>
+      <a:noFill/>
+      <a:ln w="9525" cap="flat" cmpd="sng" algn="ctr">
+        <a:solidFill>
+          <a:schemeClr val="tx1">
+            <a:lumMod val="15000"/>
+            <a:lumOff val="85000"/>
+          </a:schemeClr>
+        </a:solidFill>
+        <a:round/>
+      </a:ln>
+    </cs:spPr>
+    <cs:defRPr sz="1197" kern="1200"/>
+  </cs:dataTable>
+  <cs:downBar>
+    <cs:lnRef idx="0"/>
+    <cs:fillRef idx="0"/>
+    <cs:effectRef idx="0"/>
+    <cs:fontRef idx="minor">
+      <a:schemeClr val="dk1"/>
+    </cs:fontRef>
+    <cs:spPr>
+      <a:solidFill>
+        <a:schemeClr val="dk1">
+          <a:lumMod val="65000"/>
+          <a:lumOff val="35000"/>
+        </a:schemeClr>
+      </a:solidFill>
+      <a:ln w="9525">
+        <a:solidFill>
+          <a:schemeClr val="tx1">
+            <a:lumMod val="65000"/>
+            <a:lumOff val="35000"/>
+          </a:schemeClr>
+        </a:solidFill>
+      </a:ln>
+    </cs:spPr>
+  </cs:downBar>
+  <cs:dropLine>
+    <cs:lnRef idx="0"/>
+    <cs:fillRef idx="0"/>
+    <cs:effectRef idx="0"/>
+    <cs:fontRef idx="minor">
+      <a:schemeClr val="tx1"/>
+    </cs:fontRef>
+    <cs:spPr>
+      <a:ln w="9525" cap="flat" cmpd="sng" algn="ctr">
+        <a:solidFill>
+          <a:schemeClr val="tx1">
+            <a:lumMod val="35000"/>
+            <a:lumOff val="65000"/>
+          </a:schemeClr>
+        </a:solidFill>
+        <a:round/>
+      </a:ln>
+    </cs:spPr>
+  </cs:dropLine>
+  <cs:errorBar>
+    <cs:lnRef idx="0"/>
+    <cs:fillRef idx="0"/>
+    <cs:effectRef idx="0"/>
+    <cs:fontRef idx="minor">
+      <a:schemeClr val="tx1"/>
+    </cs:fontRef>
+    <cs:spPr>
+      <a:ln w="9525" cap="flat" cmpd="sng" algn="ctr">
+        <a:solidFill>
+          <a:schemeClr val="tx1">
+            <a:lumMod val="65000"/>
+            <a:lumOff val="35000"/>
+          </a:schemeClr>
+        </a:solidFill>
+        <a:round/>
+      </a:ln>
+    </cs:spPr>
+  </cs:errorBar>
+  <cs:floor>
+    <cs:lnRef idx="0"/>
+    <cs:fillRef idx="0"/>
+    <cs:effectRef idx="0"/>
+    <cs:fontRef idx="minor">
+      <a:schemeClr val="tx1"/>
+    </cs:fontRef>
+    <cs:spPr>
+      <a:noFill/>
+      <a:ln>
+        <a:noFill/>
+      </a:ln>
+    </cs:spPr>
+  </cs:floor>
+  <cs:gridlineMajor>
+    <cs:lnRef idx="0"/>
+    <cs:fillRef idx="0"/>
+    <cs:effectRef idx="0"/>
+    <cs:fontRef idx="minor">
+      <a:schemeClr val="tx1"/>
+    </cs:fontRef>
+    <cs:spPr>
+      <a:ln w="9525" cap="flat" cmpd="sng" algn="ctr">
+        <a:solidFill>
+          <a:schemeClr val="tx1">
+            <a:lumMod val="15000"/>
+            <a:lumOff val="85000"/>
+          </a:schemeClr>
+        </a:solidFill>
+        <a:round/>
+      </a:ln>
+    </cs:spPr>
+  </cs:gridlineMajor>
+  <cs:gridlineMinor>
+    <cs:lnRef idx="0"/>
+    <cs:fillRef idx="0"/>
+    <cs:effectRef idx="0"/>
+    <cs:fontRef idx="minor">
+      <a:schemeClr val="tx1"/>
+    </cs:fontRef>
+    <cs:spPr>
+      <a:ln w="9525" cap="flat" cmpd="sng" algn="ctr">
+        <a:solidFill>
+          <a:schemeClr val="tx1">
+            <a:lumMod val="5000"/>
+            <a:lumOff val="95000"/>
+          </a:schemeClr>
+        </a:solidFill>
+        <a:round/>
+      </a:ln>
+    </cs:spPr>
+  </cs:gridlineMinor>
+  <cs:hiLoLine>
+    <cs:lnRef idx="0"/>
+    <cs:fillRef idx="0"/>
+    <cs:effectRef idx="0"/>
+    <cs:fontRef idx="minor">
+      <a:schemeClr val="tx1"/>
+    </cs:fontRef>
+    <cs:spPr>
+      <a:ln w="9525" cap="flat" cmpd="sng" algn="ctr">
+        <a:solidFill>
+          <a:schemeClr val="tx1">
+            <a:lumMod val="75000"/>
+            <a:lumOff val="25000"/>
+          </a:schemeClr>
+        </a:solidFill>
+        <a:round/>
+      </a:ln>
+    </cs:spPr>
+  </cs:hiLoLine>
+  <cs:leaderLine>
+    <cs:lnRef idx="0"/>
+    <cs:fillRef idx="0"/>
+    <cs:effectRef idx="0"/>
+    <cs:fontRef idx="minor">
+      <a:schemeClr val="tx1"/>
+    </cs:fontRef>
+    <cs:spPr>
+      <a:ln w="9525" cap="flat" cmpd="sng" algn="ctr">
+        <a:solidFill>
+          <a:schemeClr val="tx1">
+            <a:lumMod val="35000"/>
+            <a:lumOff val="65000"/>
+          </a:schemeClr>
+        </a:solidFill>
+        <a:round/>
+      </a:ln>
+    </cs:spPr>
+  </cs:leaderLine>
+  <cs:legend>
+    <cs:lnRef idx="0"/>
+    <cs:fillRef idx="0"/>
+    <cs:effectRef idx="0"/>
+    <cs:fontRef idx="minor">
+      <a:schemeClr val="tx1">
+        <a:lumMod val="65000"/>
+        <a:lumOff val="35000"/>
+      </a:schemeClr>
+    </cs:fontRef>
+    <cs:defRPr sz="1197" kern="1200"/>
+  </cs:legend>
+  <cs:plotArea mods="allowNoFillOverride allowNoLineOverride">
+    <cs:lnRef idx="0"/>
+    <cs:fillRef idx="0"/>
+    <cs:effectRef idx="0"/>
+    <cs:fontRef idx="minor">
+      <a:schemeClr val="tx1"/>
+    </cs:fontRef>
+  </cs:plotArea>
+  <cs:plotArea3D mods="allowNoFillOverride allowNoLineOverride">
+    <cs:lnRef idx="0"/>
+    <cs:fillRef idx="0"/>
+    <cs:effectRef idx="0"/>
+    <cs:fontRef idx="minor">
+      <a:schemeClr val="tx1"/>
+    </cs:fontRef>
+  </cs:plotArea3D>
+  <cs:seriesAxis>
+    <cs:lnRef idx="0"/>
+    <cs:fillRef idx="0"/>
+    <cs:effectRef idx="0"/>
+    <cs:fontRef idx="minor">
+      <a:schemeClr val="tx1">
+        <a:lumMod val="65000"/>
+        <a:lumOff val="35000"/>
+      </a:schemeClr>
+    </cs:fontRef>
+    <cs:defRPr sz="1197" kern="1200"/>
+  </cs:seriesAxis>
+  <cs:seriesLine>
+    <cs:lnRef idx="0"/>
+    <cs:fillRef idx="0"/>
+    <cs:effectRef idx="0"/>
+    <cs:fontRef idx="minor">
+      <a:schemeClr val="tx1"/>
+    </cs:fontRef>
+    <cs:spPr>
+      <a:ln w="9525" cap="flat" cmpd="sng" algn="ctr">
+        <a:solidFill>
+          <a:schemeClr val="tx1">
+            <a:lumMod val="35000"/>
+            <a:lumOff val="65000"/>
+          </a:schemeClr>
+        </a:solidFill>
+        <a:round/>
+      </a:ln>
+    </cs:spPr>
+  </cs:seriesLine>
+  <cs:title>
+    <cs:lnRef idx="0"/>
+    <cs:fillRef idx="0"/>
+    <cs:effectRef idx="0"/>
+    <cs:fontRef idx="minor">
+      <a:schemeClr val="tx1">
+        <a:lumMod val="65000"/>
+        <a:lumOff val="35000"/>
+      </a:schemeClr>
+    </cs:fontRef>
+    <cs:defRPr sz="1862" b="0" kern="1200" spc="0" baseline="0"/>
+  </cs:title>
+  <cs:trendline>
+    <cs:lnRef idx="0">
+      <cs:styleClr val="auto"/>
+    </cs:lnRef>
+    <cs:fillRef idx="0"/>
+    <cs:effectRef idx="0"/>
+    <cs:fontRef idx="minor">
+      <a:schemeClr val="tx1"/>
+    </cs:fontRef>
+    <cs:spPr>
+      <a:ln w="19050" cap="rnd">
+        <a:solidFill>
+          <a:schemeClr val="phClr"/>
+        </a:solidFill>
+        <a:prstDash val="sysDot"/>
+      </a:ln>
+    </cs:spPr>
+  </cs:trendline>
+  <cs:trendlineLabel>
+    <cs:lnRef idx="0"/>
+    <cs:fillRef idx="0"/>
+    <cs:effectRef idx="0"/>
+    <cs:fontRef idx="minor">
+      <a:schemeClr val="tx1">
+        <a:lumMod val="65000"/>
+        <a:lumOff val="35000"/>
+      </a:schemeClr>
+    </cs:fontRef>
+    <cs:defRPr sz="1197" kern="1200"/>
+  </cs:trendlineLabel>
+  <cs:upBar>
+    <cs:lnRef idx="0"/>
+    <cs:fillRef idx="0"/>
+    <cs:effectRef idx="0"/>
+    <cs:fontRef idx="minor">
+      <a:schemeClr val="dk1"/>
+    </cs:fontRef>
+    <cs:spPr>
+      <a:solidFill>
+        <a:schemeClr val="lt1"/>
+      </a:solidFill>
+      <a:ln w="9525">
+        <a:solidFill>
+          <a:schemeClr val="tx1">
+            <a:lumMod val="15000"/>
+            <a:lumOff val="85000"/>
+          </a:schemeClr>
+        </a:solidFill>
+      </a:ln>
+    </cs:spPr>
+  </cs:upBar>
+  <cs:valueAxis>
+    <cs:lnRef idx="0"/>
+    <cs:fillRef idx="0"/>
+    <cs:effectRef idx="0"/>
+    <cs:fontRef idx="minor">
+      <a:schemeClr val="tx1">
+        <a:lumMod val="65000"/>
+        <a:lumOff val="35000"/>
+      </a:schemeClr>
+    </cs:fontRef>
+    <cs:defRPr sz="1197" kern="1200"/>
+  </cs:valueAxis>
+  <cs:wall>
+    <cs:lnRef idx="0"/>
+    <cs:fillRef idx="0"/>
+    <cs:effectRef idx="0"/>
+    <cs:fontRef idx="minor">
+      <a:schemeClr val="tx1"/>
+    </cs:fontRef>
+    <cs:spPr>
+      <a:noFill/>
+      <a:ln>
+        <a:noFill/>
+      </a:ln>
+    </cs:spPr>
+  </cs:wall>
+</cs:chartStyle>
+</file>
+
+<file path=ppt/charts/style5.xml><?xml version="1.0" encoding="utf-8"?>
+<cs:chartStyle xmlns:cs="http://schemas.microsoft.com/office/drawing/2012/chartStyle" xmlns:a="http://schemas.openxmlformats.org/drawingml/2006/main" id="201">
+  <cs:axisTitle>
+    <cs:lnRef idx="0"/>
+    <cs:fillRef idx="0"/>
+    <cs:effectRef idx="0"/>
+    <cs:fontRef idx="minor">
+      <a:schemeClr val="tx1">
+        <a:lumMod val="65000"/>
+        <a:lumOff val="35000"/>
+      </a:schemeClr>
+    </cs:fontRef>
+    <cs:defRPr sz="1330" kern="1200"/>
+  </cs:axisTitle>
+  <cs:categoryAxis>
+    <cs:lnRef idx="0"/>
+    <cs:fillRef idx="0"/>
+    <cs:effectRef idx="0"/>
+    <cs:fontRef idx="minor">
+      <a:schemeClr val="tx1">
+        <a:lumMod val="65000"/>
+        <a:lumOff val="35000"/>
+      </a:schemeClr>
+    </cs:fontRef>
+    <cs:spPr>
+      <a:ln w="9525" cap="flat" cmpd="sng" algn="ctr">
+        <a:solidFill>
+          <a:schemeClr val="tx1">
+            <a:lumMod val="15000"/>
+            <a:lumOff val="85000"/>
+          </a:schemeClr>
+        </a:solidFill>
+        <a:round/>
+      </a:ln>
+    </cs:spPr>
+    <cs:defRPr sz="1197" kern="1200"/>
+  </cs:categoryAxis>
+  <cs:chartArea mods="allowNoFillOverride allowNoLineOverride">
+    <cs:lnRef idx="0"/>
+    <cs:fillRef idx="0"/>
+    <cs:effectRef idx="0"/>
+    <cs:fontRef idx="minor">
+      <a:schemeClr val="tx1"/>
+    </cs:fontRef>
+    <cs:spPr>
+      <a:solidFill>
+        <a:schemeClr val="bg1"/>
+      </a:solidFill>
+      <a:ln w="9525" cap="flat" cmpd="sng" algn="ctr">
+        <a:solidFill>
+          <a:schemeClr val="tx1">
+            <a:lumMod val="15000"/>
+            <a:lumOff val="85000"/>
+          </a:schemeClr>
+        </a:solidFill>
+        <a:round/>
+      </a:ln>
+    </cs:spPr>
+    <cs:defRPr sz="1330" kern="1200"/>
+  </cs:chartArea>
+  <cs:dataLabel>
+    <cs:lnRef idx="0"/>
+    <cs:fillRef idx="0"/>
+    <cs:effectRef idx="0"/>
+    <cs:fontRef idx="minor">
+      <a:schemeClr val="tx1">
+        <a:lumMod val="75000"/>
+        <a:lumOff val="25000"/>
+      </a:schemeClr>
+    </cs:fontRef>
+    <cs:defRPr sz="1197" kern="1200"/>
+  </cs:dataLabel>
+  <cs:dataLabelCallout>
+    <cs:lnRef idx="0"/>
+    <cs:fillRef idx="0"/>
+    <cs:effectRef idx="0"/>
+    <cs:fontRef idx="minor">
+      <a:schemeClr val="dk1">
+        <a:lumMod val="65000"/>
+        <a:lumOff val="35000"/>
+      </a:schemeClr>
+    </cs:fontRef>
+    <cs:spPr>
+      <a:solidFill>
+        <a:schemeClr val="lt1"/>
+      </a:solidFill>
+      <a:ln>
+        <a:solidFill>
+          <a:schemeClr val="dk1">
+            <a:lumMod val="25000"/>
+            <a:lumOff val="75000"/>
+          </a:schemeClr>
+        </a:solidFill>
+      </a:ln>
+    </cs:spPr>
+    <cs:defRPr sz="1197" kern="1200"/>
+    <cs:bodyPr rot="0" spcFirstLastPara="1" vertOverflow="clip" horzOverflow="clip" vert="horz" wrap="square" lIns="36576" tIns="18288" rIns="36576" bIns="18288" anchor="ctr" anchorCtr="1">
+      <a:spAutoFit/>
+    </cs:bodyPr>
+  </cs:dataLabelCallout>
+  <cs:dataPoint>
+    <cs:lnRef idx="0"/>
+    <cs:fillRef idx="1">
+      <cs:styleClr val="auto"/>
+    </cs:fillRef>
+    <cs:effectRef idx="0"/>
+    <cs:fontRef idx="minor">
+      <a:schemeClr val="tx1"/>
+    </cs:fontRef>
+  </cs:dataPoint>
+  <cs:dataPoint3D>
+    <cs:lnRef idx="0"/>
+    <cs:fillRef idx="1">
+      <cs:styleClr val="auto"/>
+    </cs:fillRef>
+    <cs:effectRef idx="0"/>
+    <cs:fontRef idx="minor">
+      <a:schemeClr val="tx1"/>
+    </cs:fontRef>
+  </cs:dataPoint3D>
+  <cs:dataPointLine>
+    <cs:lnRef idx="0">
+      <cs:styleClr val="auto"/>
+    </cs:lnRef>
+    <cs:fillRef idx="1"/>
+    <cs:effectRef idx="0"/>
+    <cs:fontRef idx="minor">
+      <a:schemeClr val="tx1"/>
+    </cs:fontRef>
+    <cs:spPr>
+      <a:ln w="28575" cap="rnd">
+        <a:solidFill>
+          <a:schemeClr val="phClr"/>
+        </a:solidFill>
+        <a:round/>
+      </a:ln>
+    </cs:spPr>
+  </cs:dataPointLine>
+  <cs:dataPointMarker>
+    <cs:lnRef idx="0">
+      <cs:styleClr val="auto"/>
+    </cs:lnRef>
+    <cs:fillRef idx="1">
+      <cs:styleClr val="auto"/>
+    </cs:fillRef>
+    <cs:effectRef idx="0"/>
+    <cs:fontRef idx="minor">
+      <a:schemeClr val="tx1"/>
+    </cs:fontRef>
+    <cs:spPr>
+      <a:ln w="9525">
+        <a:solidFill>
+          <a:schemeClr val="phClr"/>
+        </a:solidFill>
+      </a:ln>
+    </cs:spPr>
+  </cs:dataPointMarker>
+  <cs:dataPointMarkerLayout symbol="circle" size="5"/>
+  <cs:dataPointWireframe>
+    <cs:lnRef idx="0">
+      <cs:styleClr val="auto"/>
+    </cs:lnRef>
+    <cs:fillRef idx="1"/>
+    <cs:effectRef idx="0"/>
+    <cs:fontRef idx="minor">
+      <a:schemeClr val="tx1"/>
+    </cs:fontRef>
+    <cs:spPr>
+      <a:ln w="9525" cap="rnd">
+        <a:solidFill>
+          <a:schemeClr val="phClr"/>
+        </a:solidFill>
+        <a:round/>
+      </a:ln>
+    </cs:spPr>
+  </cs:dataPointWireframe>
+  <cs:dataTable>
+    <cs:lnRef idx="0"/>
+    <cs:fillRef idx="0"/>
+    <cs:effectRef idx="0"/>
+    <cs:fontRef idx="minor">
+      <a:schemeClr val="tx1">
+        <a:lumMod val="65000"/>
+        <a:lumOff val="35000"/>
+      </a:schemeClr>
+    </cs:fontRef>
+    <cs:spPr>
+      <a:noFill/>
+      <a:ln w="9525" cap="flat" cmpd="sng" algn="ctr">
+        <a:solidFill>
+          <a:schemeClr val="tx1">
+            <a:lumMod val="15000"/>
+            <a:lumOff val="85000"/>
+          </a:schemeClr>
+        </a:solidFill>
+        <a:round/>
+      </a:ln>
+    </cs:spPr>
+    <cs:defRPr sz="1197" kern="1200"/>
+  </cs:dataTable>
+  <cs:downBar>
+    <cs:lnRef idx="0"/>
+    <cs:fillRef idx="0"/>
+    <cs:effectRef idx="0"/>
+    <cs:fontRef idx="minor">
+      <a:schemeClr val="dk1"/>
+    </cs:fontRef>
+    <cs:spPr>
+      <a:solidFill>
+        <a:schemeClr val="dk1">
+          <a:lumMod val="65000"/>
+          <a:lumOff val="35000"/>
+        </a:schemeClr>
+      </a:solidFill>
+      <a:ln w="9525">
+        <a:solidFill>
+          <a:schemeClr val="tx1">
+            <a:lumMod val="65000"/>
+            <a:lumOff val="35000"/>
+          </a:schemeClr>
+        </a:solidFill>
+      </a:ln>
+    </cs:spPr>
+  </cs:downBar>
+  <cs:dropLine>
+    <cs:lnRef idx="0"/>
+    <cs:fillRef idx="0"/>
+    <cs:effectRef idx="0"/>
+    <cs:fontRef idx="minor">
+      <a:schemeClr val="tx1"/>
+    </cs:fontRef>
+    <cs:spPr>
+      <a:ln w="9525" cap="flat" cmpd="sng" algn="ctr">
+        <a:solidFill>
+          <a:schemeClr val="tx1">
+            <a:lumMod val="35000"/>
+            <a:lumOff val="65000"/>
+          </a:schemeClr>
+        </a:solidFill>
+        <a:round/>
+      </a:ln>
+    </cs:spPr>
+  </cs:dropLine>
+  <cs:errorBar>
+    <cs:lnRef idx="0"/>
+    <cs:fillRef idx="0"/>
+    <cs:effectRef idx="0"/>
+    <cs:fontRef idx="minor">
+      <a:schemeClr val="tx1"/>
+    </cs:fontRef>
+    <cs:spPr>
+      <a:ln w="9525" cap="flat" cmpd="sng" algn="ctr">
+        <a:solidFill>
+          <a:schemeClr val="tx1">
+            <a:lumMod val="65000"/>
+            <a:lumOff val="35000"/>
+          </a:schemeClr>
+        </a:solidFill>
+        <a:round/>
+      </a:ln>
+    </cs:spPr>
+  </cs:errorBar>
+  <cs:floor>
+    <cs:lnRef idx="0"/>
+    <cs:fillRef idx="0"/>
+    <cs:effectRef idx="0"/>
+    <cs:fontRef idx="minor">
+      <a:schemeClr val="tx1"/>
+    </cs:fontRef>
+    <cs:spPr>
+      <a:noFill/>
+      <a:ln>
+        <a:noFill/>
+      </a:ln>
+    </cs:spPr>
+  </cs:floor>
+  <cs:gridlineMajor>
+    <cs:lnRef idx="0"/>
+    <cs:fillRef idx="0"/>
+    <cs:effectRef idx="0"/>
+    <cs:fontRef idx="minor">
+      <a:schemeClr val="tx1"/>
+    </cs:fontRef>
+    <cs:spPr>
+      <a:ln w="9525" cap="flat" cmpd="sng" algn="ctr">
+        <a:solidFill>
+          <a:schemeClr val="tx1">
+            <a:lumMod val="15000"/>
+            <a:lumOff val="85000"/>
+          </a:schemeClr>
+        </a:solidFill>
+        <a:round/>
+      </a:ln>
+    </cs:spPr>
+  </cs:gridlineMajor>
+  <cs:gridlineMinor>
+    <cs:lnRef idx="0"/>
+    <cs:fillRef idx="0"/>
+    <cs:effectRef idx="0"/>
+    <cs:fontRef idx="minor">
+      <a:schemeClr val="tx1"/>
+    </cs:fontRef>
+    <cs:spPr>
+      <a:ln w="9525" cap="flat" cmpd="sng" algn="ctr">
+        <a:solidFill>
+          <a:schemeClr val="tx1">
+            <a:lumMod val="5000"/>
+            <a:lumOff val="95000"/>
+          </a:schemeClr>
+        </a:solidFill>
+        <a:round/>
+      </a:ln>
+    </cs:spPr>
+  </cs:gridlineMinor>
+  <cs:hiLoLine>
+    <cs:lnRef idx="0"/>
+    <cs:fillRef idx="0"/>
+    <cs:effectRef idx="0"/>
+    <cs:fontRef idx="minor">
+      <a:schemeClr val="tx1"/>
+    </cs:fontRef>
+    <cs:spPr>
+      <a:ln w="9525" cap="flat" cmpd="sng" algn="ctr">
+        <a:solidFill>
+          <a:schemeClr val="tx1">
+            <a:lumMod val="75000"/>
+            <a:lumOff val="25000"/>
+          </a:schemeClr>
+        </a:solidFill>
+        <a:round/>
+      </a:ln>
+    </cs:spPr>
+  </cs:hiLoLine>
+  <cs:leaderLine>
+    <cs:lnRef idx="0"/>
+    <cs:fillRef idx="0"/>
+    <cs:effectRef idx="0"/>
+    <cs:fontRef idx="minor">
+      <a:schemeClr val="tx1"/>
+    </cs:fontRef>
+    <cs:spPr>
+      <a:ln w="9525" cap="flat" cmpd="sng" algn="ctr">
+        <a:solidFill>
+          <a:schemeClr val="tx1">
+            <a:lumMod val="35000"/>
+            <a:lumOff val="65000"/>
+          </a:schemeClr>
+        </a:solidFill>
+        <a:round/>
+      </a:ln>
+    </cs:spPr>
+  </cs:leaderLine>
+  <cs:legend>
+    <cs:lnRef idx="0"/>
+    <cs:fillRef idx="0"/>
+    <cs:effectRef idx="0"/>
+    <cs:fontRef idx="minor">
+      <a:schemeClr val="tx1">
+        <a:lumMod val="65000"/>
+        <a:lumOff val="35000"/>
+      </a:schemeClr>
+    </cs:fontRef>
+    <cs:defRPr sz="1197" kern="1200"/>
+  </cs:legend>
+  <cs:plotArea mods="allowNoFillOverride allowNoLineOverride">
+    <cs:lnRef idx="0"/>
+    <cs:fillRef idx="0"/>
+    <cs:effectRef idx="0"/>
+    <cs:fontRef idx="minor">
+      <a:schemeClr val="tx1"/>
+    </cs:fontRef>
+  </cs:plotArea>
+  <cs:plotArea3D mods="allowNoFillOverride allowNoLineOverride">
+    <cs:lnRef idx="0"/>
+    <cs:fillRef idx="0"/>
+    <cs:effectRef idx="0"/>
+    <cs:fontRef idx="minor">
+      <a:schemeClr val="tx1"/>
+    </cs:fontRef>
+  </cs:plotArea3D>
+  <cs:seriesAxis>
+    <cs:lnRef idx="0"/>
+    <cs:fillRef idx="0"/>
+    <cs:effectRef idx="0"/>
+    <cs:fontRef idx="minor">
+      <a:schemeClr val="tx1">
+        <a:lumMod val="65000"/>
+        <a:lumOff val="35000"/>
+      </a:schemeClr>
+    </cs:fontRef>
+    <cs:defRPr sz="1197" kern="1200"/>
+  </cs:seriesAxis>
+  <cs:seriesLine>
+    <cs:lnRef idx="0"/>
+    <cs:fillRef idx="0"/>
+    <cs:effectRef idx="0"/>
+    <cs:fontRef idx="minor">
+      <a:schemeClr val="tx1"/>
+    </cs:fontRef>
+    <cs:spPr>
+      <a:ln w="9525" cap="flat" cmpd="sng" algn="ctr">
+        <a:solidFill>
+          <a:schemeClr val="tx1">
+            <a:lumMod val="35000"/>
+            <a:lumOff val="65000"/>
+          </a:schemeClr>
+        </a:solidFill>
+        <a:round/>
+      </a:ln>
+    </cs:spPr>
+  </cs:seriesLine>
+  <cs:title>
+    <cs:lnRef idx="0"/>
+    <cs:fillRef idx="0"/>
+    <cs:effectRef idx="0"/>
+    <cs:fontRef idx="minor">
+      <a:schemeClr val="tx1">
+        <a:lumMod val="65000"/>
+        <a:lumOff val="35000"/>
+      </a:schemeClr>
+    </cs:fontRef>
+    <cs:defRPr sz="1862" b="0" kern="1200" spc="0" baseline="0"/>
+  </cs:title>
+  <cs:trendline>
+    <cs:lnRef idx="0">
+      <cs:styleClr val="auto"/>
+    </cs:lnRef>
+    <cs:fillRef idx="0"/>
+    <cs:effectRef idx="0"/>
+    <cs:fontRef idx="minor">
+      <a:schemeClr val="tx1"/>
+    </cs:fontRef>
+    <cs:spPr>
+      <a:ln w="19050" cap="rnd">
+        <a:solidFill>
+          <a:schemeClr val="phClr"/>
+        </a:solidFill>
+        <a:prstDash val="sysDot"/>
+      </a:ln>
+    </cs:spPr>
+  </cs:trendline>
+  <cs:trendlineLabel>
+    <cs:lnRef idx="0"/>
+    <cs:fillRef idx="0"/>
+    <cs:effectRef idx="0"/>
+    <cs:fontRef idx="minor">
+      <a:schemeClr val="tx1">
+        <a:lumMod val="65000"/>
+        <a:lumOff val="35000"/>
+      </a:schemeClr>
+    </cs:fontRef>
+    <cs:defRPr sz="1197" kern="1200"/>
+  </cs:trendlineLabel>
+  <cs:upBar>
+    <cs:lnRef idx="0"/>
+    <cs:fillRef idx="0"/>
+    <cs:effectRef idx="0"/>
+    <cs:fontRef idx="minor">
+      <a:schemeClr val="dk1"/>
+    </cs:fontRef>
+    <cs:spPr>
+      <a:solidFill>
+        <a:schemeClr val="lt1"/>
+      </a:solidFill>
+      <a:ln w="9525">
+        <a:solidFill>
+          <a:schemeClr val="tx1">
+            <a:lumMod val="15000"/>
+            <a:lumOff val="85000"/>
+          </a:schemeClr>
+        </a:solidFill>
+      </a:ln>
+    </cs:spPr>
+  </cs:upBar>
+  <cs:valueAxis>
+    <cs:lnRef idx="0"/>
+    <cs:fillRef idx="0"/>
+    <cs:effectRef idx="0"/>
+    <cs:fontRef idx="minor">
+      <a:schemeClr val="tx1">
+        <a:lumMod val="65000"/>
+        <a:lumOff val="35000"/>
+      </a:schemeClr>
+    </cs:fontRef>
+    <cs:defRPr sz="1197" kern="1200"/>
+  </cs:valueAxis>
+  <cs:wall>
+    <cs:lnRef idx="0"/>
+    <cs:fillRef idx="0"/>
+    <cs:effectRef idx="0"/>
+    <cs:fontRef idx="minor">
+      <a:schemeClr val="tx1"/>
+    </cs:fontRef>
+    <cs:spPr>
+      <a:noFill/>
+      <a:ln>
+        <a:noFill/>
+      </a:ln>
+    </cs:spPr>
+  </cs:wall>
+</cs:chartStyle>
+</file>
+
+<file path=ppt/drawings/drawing1.xml><?xml version="1.0" encoding="utf-8"?>
+<c:userShapes xmlns:c="http://schemas.openxmlformats.org/drawingml/2006/chart">
+  <cdr:relSizeAnchor xmlns:cdr="http://schemas.openxmlformats.org/drawingml/2006/chartDrawing">
+    <cdr:from>
+      <cdr:x>0.6706</cdr:x>
+      <cdr:y>0.90629</cdr:y>
+    </cdr:from>
+    <cdr:to>
+      <cdr:x>0.93615</cdr:x>
+      <cdr:y>1</cdr:y>
+    </cdr:to>
+    <cdr:sp macro="" textlink="">
+      <cdr:nvSpPr>
+        <cdr:cNvPr id="2" name="TextBox 1">
+          <a:extLst xmlns:a="http://schemas.openxmlformats.org/drawingml/2006/main">
+            <a:ext uri="{FF2B5EF4-FFF2-40B4-BE49-F238E27FC236}">
+              <a16:creationId xmlns:a16="http://schemas.microsoft.com/office/drawing/2014/main" id="{985D4AF0-7259-6E4A-A21D-C6D272743190}"/>
+            </a:ext>
+          </a:extLst>
+        </cdr:cNvPr>
+        <cdr:cNvSpPr txBox="1"/>
+      </cdr:nvSpPr>
+      <cdr:spPr>
+        <a:xfrm xmlns:a="http://schemas.openxmlformats.org/drawingml/2006/main">
+          <a:off x="7051808" y="3943580"/>
+          <a:ext cx="2792361" cy="407758"/>
+        </a:xfrm>
+        <a:prstGeom xmlns:a="http://schemas.openxmlformats.org/drawingml/2006/main" prst="rect">
+          <a:avLst/>
+        </a:prstGeom>
+      </cdr:spPr>
+      <cdr:txBody>
+        <a:bodyPr xmlns:a="http://schemas.openxmlformats.org/drawingml/2006/main" vertOverflow="clip" wrap="square" rtlCol="0"/>
+        <a:lstStyle xmlns:a="http://schemas.openxmlformats.org/drawingml/2006/main"/>
+        <a:p xmlns:a="http://schemas.openxmlformats.org/drawingml/2006/main">
+          <a:endParaRPr lang="en-DE" sz="1100" dirty="0"/>
+        </a:p>
+      </cdr:txBody>
+    </cdr:sp>
+  </cdr:relSizeAnchor>
+</c:userShapes>
+</file>
+
+<file path=ppt/notesMasters/notesMaster1.xml><?xml version="1.0" encoding="utf-8"?>
+<p:notesMaster xmlns:a="http://schemas.openxmlformats.org/drawingml/2006/main" xmlns:r="http://schemas.openxmlformats.org/officeDocument/2006/relationships" xmlns:p="http://schemas.openxmlformats.org/presentationml/2006/main">
+  <p:cSld>
+    <p:bg>
+      <p:bgRef idx="1001">
+        <a:schemeClr val="bg1"/>
+      </p:bgRef>
+    </p:bg>
+    <p:spTree>
+      <p:nvGrpSpPr>
+        <p:cNvPr id="1" name=""/>
+        <p:cNvGrpSpPr/>
+        <p:nvPr/>
+      </p:nvGrpSpPr>
+      <p:grpSpPr>
+        <a:xfrm>
+          <a:off x="0" y="0"/>
+          <a:ext cx="0" cy="0"/>
+          <a:chOff x="0" y="0"/>
+          <a:chExt cx="0" cy="0"/>
+        </a:xfrm>
+      </p:grpSpPr>
+      <p:sp>
+        <p:nvSpPr>
+          <p:cNvPr id="2" name="Header Placeholder 1"/>
+          <p:cNvSpPr>
+            <a:spLocks noGrp="1"/>
+          </p:cNvSpPr>
+          <p:nvPr>
+            <p:ph type="hdr" sz="quarter"/>
+          </p:nvPr>
+        </p:nvSpPr>
+        <p:spPr>
+          <a:xfrm>
+            <a:off x="0" y="0"/>
+            <a:ext cx="2971800" cy="458788"/>
+          </a:xfrm>
+          <a:prstGeom prst="rect">
+            <a:avLst/>
+          </a:prstGeom>
+        </p:spPr>
+        <p:txBody>
+          <a:bodyPr vert="horz" lIns="91440" tIns="45720" rIns="91440" bIns="45720" rtlCol="0"/>
+          <a:lstStyle>
+            <a:lvl1pPr algn="l">
+              <a:defRPr sz="1200"/>
+            </a:lvl1pPr>
+          </a:lstStyle>
+          <a:p>
+            <a:endParaRPr lang="en-DE"/>
+          </a:p>
+        </p:txBody>
+      </p:sp>
+      <p:sp>
+        <p:nvSpPr>
+          <p:cNvPr id="3" name="Date Placeholder 2"/>
+          <p:cNvSpPr>
+            <a:spLocks noGrp="1"/>
+          </p:cNvSpPr>
+          <p:nvPr>
+            <p:ph type="dt" idx="1"/>
+          </p:nvPr>
+        </p:nvSpPr>
+        <p:spPr>
+          <a:xfrm>
+            <a:off x="3884613" y="0"/>
+            <a:ext cx="2971800" cy="458788"/>
+          </a:xfrm>
+          <a:prstGeom prst="rect">
+            <a:avLst/>
+          </a:prstGeom>
+        </p:spPr>
+        <p:txBody>
+          <a:bodyPr vert="horz" lIns="91440" tIns="45720" rIns="91440" bIns="45720" rtlCol="0"/>
+          <a:lstStyle>
+            <a:lvl1pPr algn="r">
+              <a:defRPr sz="1200"/>
+            </a:lvl1pPr>
+          </a:lstStyle>
+          <a:p>
+            <a:fld id="{5B3B77ED-3430-F44D-B9A9-44017A59B6DE}" type="datetimeFigureOut">
+              <a:rPr lang="en-DE" smtClean="0"/>
+              <a:t>16.02.21</a:t>
+            </a:fld>
+            <a:endParaRPr lang="en-DE"/>
+          </a:p>
+        </p:txBody>
+      </p:sp>
+      <p:sp>
+        <p:nvSpPr>
+          <p:cNvPr id="4" name="Slide Image Placeholder 3"/>
+          <p:cNvSpPr>
+            <a:spLocks noGrp="1" noRot="1" noChangeAspect="1"/>
+          </p:cNvSpPr>
+          <p:nvPr>
+            <p:ph type="sldImg" idx="2"/>
+          </p:nvPr>
+        </p:nvSpPr>
+        <p:spPr>
+          <a:xfrm>
+            <a:off x="685800" y="1143000"/>
+            <a:ext cx="5486400" cy="3086100"/>
+          </a:xfrm>
+          <a:prstGeom prst="rect">
+            <a:avLst/>
+          </a:prstGeom>
+          <a:noFill/>
+          <a:ln w="12700">
+            <a:solidFill>
+              <a:prstClr val="black"/>
+            </a:solidFill>
+          </a:ln>
+        </p:spPr>
+        <p:txBody>
+          <a:bodyPr vert="horz" lIns="91440" tIns="45720" rIns="91440" bIns="45720" rtlCol="0" anchor="ctr"/>
+          <a:lstStyle/>
+          <a:p>
+            <a:endParaRPr lang="en-DE"/>
+          </a:p>
+        </p:txBody>
+      </p:sp>
+      <p:sp>
+        <p:nvSpPr>
+          <p:cNvPr id="5" name="Notes Placeholder 4"/>
+          <p:cNvSpPr>
+            <a:spLocks noGrp="1"/>
+          </p:cNvSpPr>
+          <p:nvPr>
+            <p:ph type="body" sz="quarter" idx="3"/>
+          </p:nvPr>
+        </p:nvSpPr>
+        <p:spPr>
+          <a:xfrm>
+            <a:off x="685800" y="4400550"/>
+            <a:ext cx="5486400" cy="3600450"/>
+          </a:xfrm>
+          <a:prstGeom prst="rect">
+            <a:avLst/>
+          </a:prstGeom>
+        </p:spPr>
+        <p:txBody>
+          <a:bodyPr vert="horz" lIns="91440" tIns="45720" rIns="91440" bIns="45720" rtlCol="0"/>
+          <a:lstStyle/>
+          <a:p>
+            <a:pPr lvl="0"/>
+            <a:r>
+              <a:rPr lang="en-GB"/>
+              <a:t>Click to edit Master text styles</a:t>
+            </a:r>
+          </a:p>
+          <a:p>
+            <a:pPr lvl="1"/>
+            <a:r>
+              <a:rPr lang="en-GB"/>
+              <a:t>Second level</a:t>
+            </a:r>
+          </a:p>
+          <a:p>
+            <a:pPr lvl="2"/>
+            <a:r>
+              <a:rPr lang="en-GB"/>
+              <a:t>Third level</a:t>
+            </a:r>
+          </a:p>
+          <a:p>
+            <a:pPr lvl="3"/>
+            <a:r>
+              <a:rPr lang="en-GB"/>
+              <a:t>Fourth level</a:t>
+            </a:r>
+          </a:p>
+          <a:p>
+            <a:pPr lvl="4"/>
+            <a:r>
+              <a:rPr lang="en-GB"/>
+              <a:t>Fifth level</a:t>
+            </a:r>
+            <a:endParaRPr lang="en-DE"/>
+          </a:p>
+        </p:txBody>
+      </p:sp>
+      <p:sp>
+        <p:nvSpPr>
+          <p:cNvPr id="6" name="Footer Placeholder 5"/>
+          <p:cNvSpPr>
+            <a:spLocks noGrp="1"/>
+          </p:cNvSpPr>
+          <p:nvPr>
+            <p:ph type="ftr" sz="quarter" idx="4"/>
+          </p:nvPr>
+        </p:nvSpPr>
+        <p:spPr>
+          <a:xfrm>
+            <a:off x="0" y="8685213"/>
+            <a:ext cx="2971800" cy="458787"/>
+          </a:xfrm>
+          <a:prstGeom prst="rect">
+            <a:avLst/>
+          </a:prstGeom>
+        </p:spPr>
+        <p:txBody>
+          <a:bodyPr vert="horz" lIns="91440" tIns="45720" rIns="91440" bIns="45720" rtlCol="0" anchor="b"/>
+          <a:lstStyle>
+            <a:lvl1pPr algn="l">
+              <a:defRPr sz="1200"/>
+            </a:lvl1pPr>
+          </a:lstStyle>
+          <a:p>
+            <a:endParaRPr lang="en-DE"/>
+          </a:p>
+        </p:txBody>
+      </p:sp>
+      <p:sp>
+        <p:nvSpPr>
+          <p:cNvPr id="7" name="Slide Number Placeholder 6"/>
+          <p:cNvSpPr>
+            <a:spLocks noGrp="1"/>
+          </p:cNvSpPr>
+          <p:nvPr>
+            <p:ph type="sldNum" sz="quarter" idx="5"/>
+          </p:nvPr>
+        </p:nvSpPr>
+        <p:spPr>
+          <a:xfrm>
+            <a:off x="3884613" y="8685213"/>
+            <a:ext cx="2971800" cy="458787"/>
+          </a:xfrm>
+          <a:prstGeom prst="rect">
+            <a:avLst/>
+          </a:prstGeom>
+        </p:spPr>
+        <p:txBody>
+          <a:bodyPr vert="horz" lIns="91440" tIns="45720" rIns="91440" bIns="45720" rtlCol="0" anchor="b"/>
+          <a:lstStyle>
+            <a:lvl1pPr algn="r">
+              <a:defRPr sz="1200"/>
+            </a:lvl1pPr>
+          </a:lstStyle>
+          <a:p>
+            <a:fld id="{7BD54E5C-604A-8643-BAFF-6A85C30B806B}" type="slidenum">
+              <a:rPr lang="en-DE" smtClean="0"/>
+              <a:t>‹#›</a:t>
+            </a:fld>
+            <a:endParaRPr lang="en-DE"/>
+          </a:p>
+        </p:txBody>
+      </p:sp>
+    </p:spTree>
+    <p:extLst>
+      <p:ext uri="{BB962C8B-B14F-4D97-AF65-F5344CB8AC3E}">
+        <p14:creationId xmlns:p14="http://schemas.microsoft.com/office/powerpoint/2010/main" val="680260234"/>
+      </p:ext>
+    </p:extLst>
+  </p:cSld>
+  <p:clrMap bg1="lt1" tx1="dk1" bg2="lt2" tx2="dk2" accent1="accent1" accent2="accent2" accent3="accent3" accent4="accent4" accent5="accent5" accent6="accent6" hlink="hlink" folHlink="folHlink"/>
+  <p:notesStyle>
+    <a:lvl1pPr marL="0" algn="l" defTabSz="914400" rtl="0" eaLnBrk="1" latinLnBrk="0" hangingPunct="1">
+      <a:defRPr sz="1200" kern="1200">
+        <a:solidFill>
+          <a:schemeClr val="tx1"/>
+        </a:solidFill>
+        <a:latin typeface="+mn-lt"/>
+        <a:ea typeface="+mn-ea"/>
+        <a:cs typeface="+mn-cs"/>
+      </a:defRPr>
+    </a:lvl1pPr>
+    <a:lvl2pPr marL="457200" algn="l" defTabSz="914400" rtl="0" eaLnBrk="1" latinLnBrk="0" hangingPunct="1">
+      <a:defRPr sz="1200" kern="1200">
+        <a:solidFill>
+          <a:schemeClr val="tx1"/>
+        </a:solidFill>
+        <a:latin typeface="+mn-lt"/>
+        <a:ea typeface="+mn-ea"/>
+        <a:cs typeface="+mn-cs"/>
+      </a:defRPr>
+    </a:lvl2pPr>
+    <a:lvl3pPr marL="914400" algn="l" defTabSz="914400" rtl="0" eaLnBrk="1" latinLnBrk="0" hangingPunct="1">
+      <a:defRPr sz="1200" kern="1200">
+        <a:solidFill>
+          <a:schemeClr val="tx1"/>
+        </a:solidFill>
+        <a:latin typeface="+mn-lt"/>
+        <a:ea typeface="+mn-ea"/>
+        <a:cs typeface="+mn-cs"/>
+      </a:defRPr>
+    </a:lvl3pPr>
+    <a:lvl4pPr marL="1371600" algn="l" defTabSz="914400" rtl="0" eaLnBrk="1" latinLnBrk="0" hangingPunct="1">
+      <a:defRPr sz="1200" kern="1200">
+        <a:solidFill>
+          <a:schemeClr val="tx1"/>
+        </a:solidFill>
+        <a:latin typeface="+mn-lt"/>
+        <a:ea typeface="+mn-ea"/>
+        <a:cs typeface="+mn-cs"/>
+      </a:defRPr>
+    </a:lvl4pPr>
+    <a:lvl5pPr marL="1828800" algn="l" defTabSz="914400" rtl="0" eaLnBrk="1" latinLnBrk="0" hangingPunct="1">
+      <a:defRPr sz="1200" kern="1200">
+        <a:solidFill>
+          <a:schemeClr val="tx1"/>
+        </a:solidFill>
+        <a:latin typeface="+mn-lt"/>
+        <a:ea typeface="+mn-ea"/>
+        <a:cs typeface="+mn-cs"/>
+      </a:defRPr>
+    </a:lvl5pPr>
+    <a:lvl6pPr marL="2286000" algn="l" defTabSz="914400" rtl="0" eaLnBrk="1" latinLnBrk="0" hangingPunct="1">
+      <a:defRPr sz="1200" kern="1200">
+        <a:solidFill>
+          <a:schemeClr val="tx1"/>
+        </a:solidFill>
+        <a:latin typeface="+mn-lt"/>
+        <a:ea typeface="+mn-ea"/>
+        <a:cs typeface="+mn-cs"/>
+      </a:defRPr>
+    </a:lvl6pPr>
+    <a:lvl7pPr marL="2743200" algn="l" defTabSz="914400" rtl="0" eaLnBrk="1" latinLnBrk="0" hangingPunct="1">
+      <a:defRPr sz="1200" kern="1200">
+        <a:solidFill>
+          <a:schemeClr val="tx1"/>
+        </a:solidFill>
+        <a:latin typeface="+mn-lt"/>
+        <a:ea typeface="+mn-ea"/>
+        <a:cs typeface="+mn-cs"/>
+      </a:defRPr>
+    </a:lvl7pPr>
+    <a:lvl8pPr marL="3200400" algn="l" defTabSz="914400" rtl="0" eaLnBrk="1" latinLnBrk="0" hangingPunct="1">
+      <a:defRPr sz="1200" kern="1200">
+        <a:solidFill>
+          <a:schemeClr val="tx1"/>
+        </a:solidFill>
+        <a:latin typeface="+mn-lt"/>
+        <a:ea typeface="+mn-ea"/>
+        <a:cs typeface="+mn-cs"/>
+      </a:defRPr>
+    </a:lvl8pPr>
+    <a:lvl9pPr marL="3657600" algn="l" defTabSz="914400" rtl="0" eaLnBrk="1" latinLnBrk="0" hangingPunct="1">
+      <a:defRPr sz="1200" kern="1200">
+        <a:solidFill>
+          <a:schemeClr val="tx1"/>
+        </a:solidFill>
+        <a:latin typeface="+mn-lt"/>
+        <a:ea typeface="+mn-ea"/>
+        <a:cs typeface="+mn-cs"/>
+      </a:defRPr>
+    </a:lvl9pPr>
+  </p:notesStyle>
+</p:notesMaster>
+</file>
+
+<file path=ppt/notesSlides/notesSlide1.xml><?xml version="1.0" encoding="utf-8"?>
+<p:notes xmlns:a="http://schemas.openxmlformats.org/drawingml/2006/main" xmlns:r="http://schemas.openxmlformats.org/officeDocument/2006/relationships" xmlns:p="http://schemas.openxmlformats.org/presentationml/2006/main">
+  <p:cSld>
+    <p:spTree>
+      <p:nvGrpSpPr>
+        <p:cNvPr id="1" name=""/>
+        <p:cNvGrpSpPr/>
+        <p:nvPr/>
+      </p:nvGrpSpPr>
+      <p:grpSpPr>
+        <a:xfrm>
+          <a:off x="0" y="0"/>
+          <a:ext cx="0" cy="0"/>
+          <a:chOff x="0" y="0"/>
+          <a:chExt cx="0" cy="0"/>
+        </a:xfrm>
+      </p:grpSpPr>
+      <p:sp>
+        <p:nvSpPr>
+          <p:cNvPr id="2" name="Slide Image Placeholder 1"/>
+          <p:cNvSpPr>
+            <a:spLocks noGrp="1" noRot="1" noChangeAspect="1"/>
+          </p:cNvSpPr>
+          <p:nvPr>
+            <p:ph type="sldImg"/>
+          </p:nvPr>
+        </p:nvSpPr>
+        <p:spPr/>
+      </p:sp>
+      <p:sp>
+        <p:nvSpPr>
+          <p:cNvPr id="3" name="Notes Placeholder 2"/>
+          <p:cNvSpPr>
+            <a:spLocks noGrp="1"/>
+          </p:cNvSpPr>
+          <p:nvPr>
+            <p:ph type="body" idx="1"/>
+          </p:nvPr>
+        </p:nvSpPr>
+        <p:spPr/>
+        <p:txBody>
+          <a:bodyPr/>
+          <a:lstStyle/>
+          <a:p>
+            <a:endParaRPr lang="en-DE"/>
+          </a:p>
+        </p:txBody>
+      </p:sp>
+      <p:sp>
+        <p:nvSpPr>
+          <p:cNvPr id="4" name="Slide Number Placeholder 3"/>
+          <p:cNvSpPr>
+            <a:spLocks noGrp="1"/>
+          </p:cNvSpPr>
+          <p:nvPr>
+            <p:ph type="sldNum" sz="quarter" idx="5"/>
+          </p:nvPr>
+        </p:nvSpPr>
+        <p:spPr/>
+        <p:txBody>
+          <a:bodyPr/>
+          <a:lstStyle/>
+          <a:p>
+            <a:fld id="{7BD54E5C-604A-8643-BAFF-6A85C30B806B}" type="slidenum">
+              <a:rPr lang="en-DE" smtClean="0"/>
+              <a:t>1</a:t>
+            </a:fld>
+            <a:endParaRPr lang="en-DE"/>
+          </a:p>
+        </p:txBody>
+      </p:sp>
+    </p:spTree>
+    <p:extLst>
+      <p:ext uri="{BB962C8B-B14F-4D97-AF65-F5344CB8AC3E}">
+        <p14:creationId xmlns:p14="http://schemas.microsoft.com/office/powerpoint/2010/main" val="1300712793"/>
+      </p:ext>
+    </p:extLst>
+  </p:cSld>
+  <p:clrMapOvr>
+    <a:masterClrMapping/>
+  </p:clrMapOvr>
+</p:notes>
+</file>
+
+<file path=ppt/notesSlides/notesSlide2.xml><?xml version="1.0" encoding="utf-8"?>
+<p:notes xmlns:a="http://schemas.openxmlformats.org/drawingml/2006/main" xmlns:r="http://schemas.openxmlformats.org/officeDocument/2006/relationships" xmlns:p="http://schemas.openxmlformats.org/presentationml/2006/main">
+  <p:cSld>
+    <p:spTree>
+      <p:nvGrpSpPr>
+        <p:cNvPr id="1" name=""/>
+        <p:cNvGrpSpPr/>
+        <p:nvPr/>
+      </p:nvGrpSpPr>
+      <p:grpSpPr>
+        <a:xfrm>
+          <a:off x="0" y="0"/>
+          <a:ext cx="0" cy="0"/>
+          <a:chOff x="0" y="0"/>
+          <a:chExt cx="0" cy="0"/>
+        </a:xfrm>
+      </p:grpSpPr>
+      <p:sp>
+        <p:nvSpPr>
+          <p:cNvPr id="2" name="Slide Image Placeholder 1"/>
+          <p:cNvSpPr>
+            <a:spLocks noGrp="1" noRot="1" noChangeAspect="1"/>
+          </p:cNvSpPr>
+          <p:nvPr>
+            <p:ph type="sldImg"/>
+          </p:nvPr>
+        </p:nvSpPr>
+        <p:spPr/>
+      </p:sp>
+      <p:sp>
+        <p:nvSpPr>
+          <p:cNvPr id="3" name="Notes Placeholder 2"/>
+          <p:cNvSpPr>
+            <a:spLocks noGrp="1"/>
+          </p:cNvSpPr>
+          <p:nvPr>
+            <p:ph type="body" idx="1"/>
+          </p:nvPr>
+        </p:nvSpPr>
+        <p:spPr/>
+        <p:txBody>
+          <a:bodyPr/>
+          <a:lstStyle/>
+          <a:p>
+            <a:endParaRPr lang="en-DE" dirty="0"/>
+          </a:p>
+        </p:txBody>
+      </p:sp>
+      <p:sp>
+        <p:nvSpPr>
+          <p:cNvPr id="4" name="Slide Number Placeholder 3"/>
+          <p:cNvSpPr>
+            <a:spLocks noGrp="1"/>
+          </p:cNvSpPr>
+          <p:nvPr>
+            <p:ph type="sldNum" sz="quarter" idx="5"/>
+          </p:nvPr>
+        </p:nvSpPr>
+        <p:spPr/>
+        <p:txBody>
+          <a:bodyPr/>
+          <a:lstStyle/>
+          <a:p>
+            <a:fld id="{7BD54E5C-604A-8643-BAFF-6A85C30B806B}" type="slidenum">
+              <a:rPr lang="en-DE" smtClean="0"/>
+              <a:t>8</a:t>
+            </a:fld>
+            <a:endParaRPr lang="en-DE"/>
+          </a:p>
+        </p:txBody>
+      </p:sp>
+    </p:spTree>
+    <p:extLst>
+      <p:ext uri="{BB962C8B-B14F-4D97-AF65-F5344CB8AC3E}">
+        <p14:creationId xmlns:p14="http://schemas.microsoft.com/office/powerpoint/2010/main" val="333485007"/>
+      </p:ext>
+    </p:extLst>
+  </p:cSld>
+  <p:clrMapOvr>
+    <a:masterClrMapping/>
+  </p:clrMapOvr>
+</p:notes>
+</file>
+
+<file path=ppt/notesSlides/notesSlide3.xml><?xml version="1.0" encoding="utf-8"?>
+<p:notes xmlns:a="http://schemas.openxmlformats.org/drawingml/2006/main" xmlns:r="http://schemas.openxmlformats.org/officeDocument/2006/relationships" xmlns:p="http://schemas.openxmlformats.org/presentationml/2006/main">
+  <p:cSld>
+    <p:spTree>
+      <p:nvGrpSpPr>
+        <p:cNvPr id="1" name=""/>
+        <p:cNvGrpSpPr/>
+        <p:nvPr/>
+      </p:nvGrpSpPr>
+      <p:grpSpPr>
+        <a:xfrm>
+          <a:off x="0" y="0"/>
+          <a:ext cx="0" cy="0"/>
+          <a:chOff x="0" y="0"/>
+          <a:chExt cx="0" cy="0"/>
+        </a:xfrm>
+      </p:grpSpPr>
+      <p:sp>
+        <p:nvSpPr>
+          <p:cNvPr id="2" name="Slide Image Placeholder 1"/>
+          <p:cNvSpPr>
+            <a:spLocks noGrp="1" noRot="1" noChangeAspect="1"/>
+          </p:cNvSpPr>
+          <p:nvPr>
+            <p:ph type="sldImg"/>
+          </p:nvPr>
+        </p:nvSpPr>
+        <p:spPr/>
+      </p:sp>
+      <p:sp>
+        <p:nvSpPr>
+          <p:cNvPr id="3" name="Notes Placeholder 2"/>
+          <p:cNvSpPr>
+            <a:spLocks noGrp="1"/>
+          </p:cNvSpPr>
+          <p:nvPr>
+            <p:ph type="body" idx="1"/>
+          </p:nvPr>
+        </p:nvSpPr>
+        <p:spPr/>
+        <p:txBody>
+          <a:bodyPr/>
+          <a:lstStyle/>
+          <a:p>
+            <a:endParaRPr lang="en-DE"/>
+          </a:p>
+        </p:txBody>
+      </p:sp>
+      <p:sp>
+        <p:nvSpPr>
+          <p:cNvPr id="4" name="Slide Number Placeholder 3"/>
+          <p:cNvSpPr>
+            <a:spLocks noGrp="1"/>
+          </p:cNvSpPr>
+          <p:nvPr>
+            <p:ph type="sldNum" sz="quarter" idx="5"/>
+          </p:nvPr>
+        </p:nvSpPr>
+        <p:spPr/>
+        <p:txBody>
+          <a:bodyPr/>
+          <a:lstStyle/>
+          <a:p>
+            <a:fld id="{7BD54E5C-604A-8643-BAFF-6A85C30B806B}" type="slidenum">
+              <a:rPr lang="en-DE" smtClean="0"/>
+              <a:t>9</a:t>
+            </a:fld>
+            <a:endParaRPr lang="en-DE"/>
+          </a:p>
+        </p:txBody>
+      </p:sp>
+    </p:spTree>
+    <p:extLst>
+      <p:ext uri="{BB962C8B-B14F-4D97-AF65-F5344CB8AC3E}">
+        <p14:creationId xmlns:p14="http://schemas.microsoft.com/office/powerpoint/2010/main" val="3679019323"/>
+      </p:ext>
+    </p:extLst>
+  </p:cSld>
+  <p:clrMapOvr>
+    <a:masterClrMapping/>
+  </p:clrMapOvr>
+</p:notes>
+</file>
+
+<file path=ppt/notesSlides/notesSlide4.xml><?xml version="1.0" encoding="utf-8"?>
+<p:notes xmlns:a="http://schemas.openxmlformats.org/drawingml/2006/main" xmlns:r="http://schemas.openxmlformats.org/officeDocument/2006/relationships" xmlns:p="http://schemas.openxmlformats.org/presentationml/2006/main">
+  <p:cSld>
+    <p:spTree>
+      <p:nvGrpSpPr>
+        <p:cNvPr id="1" name=""/>
+        <p:cNvGrpSpPr/>
+        <p:nvPr/>
+      </p:nvGrpSpPr>
+      <p:grpSpPr>
+        <a:xfrm>
+          <a:off x="0" y="0"/>
+          <a:ext cx="0" cy="0"/>
+          <a:chOff x="0" y="0"/>
+          <a:chExt cx="0" cy="0"/>
+        </a:xfrm>
+      </p:grpSpPr>
+      <p:sp>
+        <p:nvSpPr>
+          <p:cNvPr id="2" name="Slide Image Placeholder 1"/>
+          <p:cNvSpPr>
+            <a:spLocks noGrp="1" noRot="1" noChangeAspect="1"/>
+          </p:cNvSpPr>
+          <p:nvPr>
+            <p:ph type="sldImg"/>
+          </p:nvPr>
+        </p:nvSpPr>
+        <p:spPr/>
+      </p:sp>
+      <p:sp>
+        <p:nvSpPr>
+          <p:cNvPr id="3" name="Notes Placeholder 2"/>
+          <p:cNvSpPr>
+            <a:spLocks noGrp="1"/>
+          </p:cNvSpPr>
+          <p:nvPr>
+            <p:ph type="body" idx="1"/>
+          </p:nvPr>
+        </p:nvSpPr>
+        <p:spPr/>
+        <p:txBody>
+          <a:bodyPr/>
+          <a:lstStyle/>
+          <a:p>
+            <a:endParaRPr lang="en-DE" dirty="0"/>
+          </a:p>
+        </p:txBody>
+      </p:sp>
+      <p:sp>
+        <p:nvSpPr>
+          <p:cNvPr id="4" name="Slide Number Placeholder 3"/>
+          <p:cNvSpPr>
+            <a:spLocks noGrp="1"/>
+          </p:cNvSpPr>
+          <p:nvPr>
+            <p:ph type="sldNum" sz="quarter" idx="5"/>
+          </p:nvPr>
+        </p:nvSpPr>
+        <p:spPr/>
+        <p:txBody>
+          <a:bodyPr/>
+          <a:lstStyle/>
+          <a:p>
+            <a:fld id="{7BD54E5C-604A-8643-BAFF-6A85C30B806B}" type="slidenum">
+              <a:rPr lang="en-DE" smtClean="0"/>
+              <a:t>10</a:t>
+            </a:fld>
+            <a:endParaRPr lang="en-DE"/>
+          </a:p>
+        </p:txBody>
+      </p:sp>
+    </p:spTree>
+    <p:extLst>
+      <p:ext uri="{BB962C8B-B14F-4D97-AF65-F5344CB8AC3E}">
+        <p14:creationId xmlns:p14="http://schemas.microsoft.com/office/powerpoint/2010/main" val="706577293"/>
+      </p:ext>
+    </p:extLst>
+  </p:cSld>
+  <p:clrMapOvr>
+    <a:masterClrMapping/>
+  </p:clrMapOvr>
+</p:notes>
 </file>
 
 <file path=ppt/slideLayouts/slideLayout1.xml><?xml version="1.0" encoding="utf-8"?>
@@ -259,7 +5650,7 @@
           <a:p>
             <a:fld id="{A6B33B30-FE30-BE42-A265-767625547C96}" type="datetimeFigureOut">
               <a:rPr lang="en-DE" smtClean="0"/>
-              <a:t>08.02.21</a:t>
+              <a:t>16.02.21</a:t>
             </a:fld>
             <a:endParaRPr lang="en-DE"/>
           </a:p>
@@ -459,7 +5850,7 @@
           <a:p>
             <a:fld id="{A6B33B30-FE30-BE42-A265-767625547C96}" type="datetimeFigureOut">
               <a:rPr lang="en-DE" smtClean="0"/>
-              <a:t>08.02.21</a:t>
+              <a:t>16.02.21</a:t>
             </a:fld>
             <a:endParaRPr lang="en-DE"/>
           </a:p>
@@ -669,7 +6060,7 @@
           <a:p>
             <a:fld id="{A6B33B30-FE30-BE42-A265-767625547C96}" type="datetimeFigureOut">
               <a:rPr lang="en-DE" smtClean="0"/>
-              <a:t>08.02.21</a:t>
+              <a:t>16.02.21</a:t>
             </a:fld>
             <a:endParaRPr lang="en-DE"/>
           </a:p>
@@ -869,7 +6260,7 @@
           <a:p>
             <a:fld id="{A6B33B30-FE30-BE42-A265-767625547C96}" type="datetimeFigureOut">
               <a:rPr lang="en-DE" smtClean="0"/>
-              <a:t>08.02.21</a:t>
+              <a:t>16.02.21</a:t>
             </a:fld>
             <a:endParaRPr lang="en-DE"/>
           </a:p>
@@ -1145,7 +6536,7 @@
           <a:p>
             <a:fld id="{A6B33B30-FE30-BE42-A265-767625547C96}" type="datetimeFigureOut">
               <a:rPr lang="en-DE" smtClean="0"/>
-              <a:t>08.02.21</a:t>
+              <a:t>16.02.21</a:t>
             </a:fld>
             <a:endParaRPr lang="en-DE"/>
           </a:p>
@@ -1413,7 +6804,7 @@
           <a:p>
             <a:fld id="{A6B33B30-FE30-BE42-A265-767625547C96}" type="datetimeFigureOut">
               <a:rPr lang="en-DE" smtClean="0"/>
-              <a:t>08.02.21</a:t>
+              <a:t>16.02.21</a:t>
             </a:fld>
             <a:endParaRPr lang="en-DE"/>
           </a:p>
@@ -1828,7 +7219,7 @@
           <a:p>
             <a:fld id="{A6B33B30-FE30-BE42-A265-767625547C96}" type="datetimeFigureOut">
               <a:rPr lang="en-DE" smtClean="0"/>
-              <a:t>08.02.21</a:t>
+              <a:t>16.02.21</a:t>
             </a:fld>
             <a:endParaRPr lang="en-DE"/>
           </a:p>
@@ -1970,7 +7361,7 @@
           <a:p>
             <a:fld id="{A6B33B30-FE30-BE42-A265-767625547C96}" type="datetimeFigureOut">
               <a:rPr lang="en-DE" smtClean="0"/>
-              <a:t>08.02.21</a:t>
+              <a:t>16.02.21</a:t>
             </a:fld>
             <a:endParaRPr lang="en-DE"/>
           </a:p>
@@ -2083,7 +7474,7 @@
           <a:p>
             <a:fld id="{A6B33B30-FE30-BE42-A265-767625547C96}" type="datetimeFigureOut">
               <a:rPr lang="en-DE" smtClean="0"/>
-              <a:t>08.02.21</a:t>
+              <a:t>16.02.21</a:t>
             </a:fld>
             <a:endParaRPr lang="en-DE"/>
           </a:p>
@@ -2396,7 +7787,7 @@
           <a:p>
             <a:fld id="{A6B33B30-FE30-BE42-A265-767625547C96}" type="datetimeFigureOut">
               <a:rPr lang="en-DE" smtClean="0"/>
-              <a:t>08.02.21</a:t>
+              <a:t>16.02.21</a:t>
             </a:fld>
             <a:endParaRPr lang="en-DE"/>
           </a:p>
@@ -2685,7 +8076,7 @@
           <a:p>
             <a:fld id="{A6B33B30-FE30-BE42-A265-767625547C96}" type="datetimeFigureOut">
               <a:rPr lang="en-DE" smtClean="0"/>
-              <a:t>08.02.21</a:t>
+              <a:t>16.02.21</a:t>
             </a:fld>
             <a:endParaRPr lang="en-DE"/>
           </a:p>
@@ -2928,7 +8319,7 @@
           <a:p>
             <a:fld id="{A6B33B30-FE30-BE42-A265-767625547C96}" type="datetimeFigureOut">
               <a:rPr lang="en-DE" smtClean="0"/>
-              <a:t>08.02.21</a:t>
+              <a:t>16.02.21</a:t>
             </a:fld>
             <a:endParaRPr lang="en-DE"/>
           </a:p>
@@ -3366,7 +8757,7 @@
           <a:bodyPr/>
           <a:lstStyle/>
           <a:p>
-            <a:endParaRPr lang="en-DE"/>
+            <a:endParaRPr lang="en-DE" dirty="0"/>
           </a:p>
         </p:txBody>
       </p:sp>
@@ -3408,7 +8799,1079 @@
 </p:sld>
 </file>
 
+<file path=ppt/slides/slide10.xml><?xml version="1.0" encoding="utf-8"?>
+<p:sld xmlns:a="http://schemas.openxmlformats.org/drawingml/2006/main" xmlns:r="http://schemas.openxmlformats.org/officeDocument/2006/relationships" xmlns:p="http://schemas.openxmlformats.org/presentationml/2006/main">
+  <p:cSld>
+    <p:spTree>
+      <p:nvGrpSpPr>
+        <p:cNvPr id="1" name=""/>
+        <p:cNvGrpSpPr/>
+        <p:nvPr/>
+      </p:nvGrpSpPr>
+      <p:grpSpPr>
+        <a:xfrm>
+          <a:off x="0" y="0"/>
+          <a:ext cx="0" cy="0"/>
+          <a:chOff x="0" y="0"/>
+          <a:chExt cx="0" cy="0"/>
+        </a:xfrm>
+      </p:grpSpPr>
+      <p:sp>
+        <p:nvSpPr>
+          <p:cNvPr id="2" name="Title 1">
+            <a:extLst>
+              <a:ext uri="{FF2B5EF4-FFF2-40B4-BE49-F238E27FC236}">
+                <a16:creationId xmlns:a16="http://schemas.microsoft.com/office/drawing/2014/main" id="{79CA43E3-FF9E-7642-B5DC-7B2B9BEB1AD7}"/>
+              </a:ext>
+            </a:extLst>
+          </p:cNvPr>
+          <p:cNvSpPr>
+            <a:spLocks noGrp="1"/>
+          </p:cNvSpPr>
+          <p:nvPr>
+            <p:ph type="title"/>
+          </p:nvPr>
+        </p:nvSpPr>
+        <p:spPr/>
+        <p:txBody>
+          <a:bodyPr/>
+          <a:lstStyle/>
+          <a:p>
+            <a:r>
+              <a:rPr lang="en-DE" dirty="0"/>
+              <a:t>CPU total stall vs Mem idle</a:t>
+            </a:r>
+          </a:p>
+        </p:txBody>
+      </p:sp>
+      <p:graphicFrame>
+        <p:nvGraphicFramePr>
+          <p:cNvPr id="4" name="Content Placeholder 3">
+            <a:extLst>
+              <a:ext uri="{FF2B5EF4-FFF2-40B4-BE49-F238E27FC236}">
+                <a16:creationId xmlns:a16="http://schemas.microsoft.com/office/drawing/2014/main" id="{3D85EA6B-5857-174F-B14C-64BABE71BAFD}"/>
+              </a:ext>
+            </a:extLst>
+          </p:cNvPr>
+          <p:cNvGraphicFramePr>
+            <a:graphicFrameLocks noGrp="1"/>
+          </p:cNvGraphicFramePr>
+          <p:nvPr>
+            <p:ph idx="1"/>
+            <p:extLst>
+              <p:ext uri="{D42A27DB-BD31-4B8C-83A1-F6EECF244321}">
+                <p14:modId xmlns:p14="http://schemas.microsoft.com/office/powerpoint/2010/main" val="1386393848"/>
+              </p:ext>
+            </p:extLst>
+          </p:nvPr>
+        </p:nvGraphicFramePr>
+        <p:xfrm>
+          <a:off x="838200" y="1825625"/>
+          <a:ext cx="10515600" cy="4351338"/>
+        </p:xfrm>
+        <a:graphic>
+          <a:graphicData uri="http://schemas.openxmlformats.org/drawingml/2006/chart">
+            <c:chart xmlns:c="http://schemas.openxmlformats.org/drawingml/2006/chart" xmlns:r="http://schemas.openxmlformats.org/officeDocument/2006/relationships" r:id="rId3"/>
+          </a:graphicData>
+        </a:graphic>
+      </p:graphicFrame>
+      <p:sp>
+        <p:nvSpPr>
+          <p:cNvPr id="6" name="TextBox 5">
+            <a:extLst>
+              <a:ext uri="{FF2B5EF4-FFF2-40B4-BE49-F238E27FC236}">
+                <a16:creationId xmlns:a16="http://schemas.microsoft.com/office/drawing/2014/main" id="{22946FB2-0E5D-F548-A113-D766CF96A15B}"/>
+              </a:ext>
+            </a:extLst>
+          </p:cNvPr>
+          <p:cNvSpPr txBox="1"/>
+          <p:nvPr/>
+        </p:nvSpPr>
+        <p:spPr>
+          <a:xfrm>
+            <a:off x="7252051" y="6325386"/>
+            <a:ext cx="4213781" cy="646331"/>
+          </a:xfrm>
+          <a:prstGeom prst="rect">
+            <a:avLst/>
+          </a:prstGeom>
+          <a:noFill/>
+        </p:spPr>
+        <p:txBody>
+          <a:bodyPr wrap="square" rtlCol="0">
+            <a:spAutoFit/>
+          </a:bodyPr>
+          <a:lstStyle/>
+          <a:p>
+            <a:r>
+              <a:rPr lang="en-GB" dirty="0"/>
+              <a:t>W</a:t>
+            </a:r>
+            <a:r>
+              <a:rPr lang="en-DE" dirty="0"/>
+              <a:t>hen does DRAM latency matter the most??</a:t>
+            </a:r>
+          </a:p>
+        </p:txBody>
+      </p:sp>
+      <p:cxnSp>
+        <p:nvCxnSpPr>
+          <p:cNvPr id="8" name="Straight Arrow Connector 7">
+            <a:extLst>
+              <a:ext uri="{FF2B5EF4-FFF2-40B4-BE49-F238E27FC236}">
+                <a16:creationId xmlns:a16="http://schemas.microsoft.com/office/drawing/2014/main" id="{30E5148D-7F7A-614F-9C22-BCCEF32F8110}"/>
+              </a:ext>
+            </a:extLst>
+          </p:cNvPr>
+          <p:cNvCxnSpPr>
+            <a:cxnSpLocks/>
+          </p:cNvCxnSpPr>
+          <p:nvPr/>
+        </p:nvCxnSpPr>
+        <p:spPr>
+          <a:xfrm flipV="1">
+            <a:off x="8061033" y="5620782"/>
+            <a:ext cx="0" cy="556181"/>
+          </a:xfrm>
+          <a:prstGeom prst="straightConnector1">
+            <a:avLst/>
+          </a:prstGeom>
+          <a:ln>
+            <a:tailEnd type="triangle"/>
+          </a:ln>
+        </p:spPr>
+        <p:style>
+          <a:lnRef idx="3">
+            <a:schemeClr val="accent1"/>
+          </a:lnRef>
+          <a:fillRef idx="0">
+            <a:schemeClr val="accent1"/>
+          </a:fillRef>
+          <a:effectRef idx="2">
+            <a:schemeClr val="accent1"/>
+          </a:effectRef>
+          <a:fontRef idx="minor">
+            <a:schemeClr val="tx1"/>
+          </a:fontRef>
+        </p:style>
+      </p:cxnSp>
+      <p:cxnSp>
+        <p:nvCxnSpPr>
+          <p:cNvPr id="14" name="Straight Arrow Connector 13">
+            <a:extLst>
+              <a:ext uri="{FF2B5EF4-FFF2-40B4-BE49-F238E27FC236}">
+                <a16:creationId xmlns:a16="http://schemas.microsoft.com/office/drawing/2014/main" id="{BE67718A-D561-2B48-981B-D68596CA83EA}"/>
+              </a:ext>
+            </a:extLst>
+          </p:cNvPr>
+          <p:cNvCxnSpPr>
+            <a:cxnSpLocks/>
+          </p:cNvCxnSpPr>
+          <p:nvPr/>
+        </p:nvCxnSpPr>
+        <p:spPr>
+          <a:xfrm flipV="1">
+            <a:off x="10317537" y="5620782"/>
+            <a:ext cx="0" cy="556181"/>
+          </a:xfrm>
+          <a:prstGeom prst="straightConnector1">
+            <a:avLst/>
+          </a:prstGeom>
+          <a:ln>
+            <a:tailEnd type="triangle"/>
+          </a:ln>
+        </p:spPr>
+        <p:style>
+          <a:lnRef idx="3">
+            <a:schemeClr val="accent1"/>
+          </a:lnRef>
+          <a:fillRef idx="0">
+            <a:schemeClr val="accent1"/>
+          </a:fillRef>
+          <a:effectRef idx="2">
+            <a:schemeClr val="accent1"/>
+          </a:effectRef>
+          <a:fontRef idx="minor">
+            <a:schemeClr val="tx1"/>
+          </a:fontRef>
+        </p:style>
+      </p:cxnSp>
+    </p:spTree>
+    <p:extLst>
+      <p:ext uri="{BB962C8B-B14F-4D97-AF65-F5344CB8AC3E}">
+        <p14:creationId xmlns:p14="http://schemas.microsoft.com/office/powerpoint/2010/main" val="2222984886"/>
+      </p:ext>
+    </p:extLst>
+  </p:cSld>
+  <p:clrMapOvr>
+    <a:masterClrMapping/>
+  </p:clrMapOvr>
+</p:sld>
+</file>
+
+<file path=ppt/slides/slide11.xml><?xml version="1.0" encoding="utf-8"?>
+<p:sld xmlns:a="http://schemas.openxmlformats.org/drawingml/2006/main" xmlns:r="http://schemas.openxmlformats.org/officeDocument/2006/relationships" xmlns:p="http://schemas.openxmlformats.org/presentationml/2006/main">
+  <p:cSld>
+    <p:spTree>
+      <p:nvGrpSpPr>
+        <p:cNvPr id="1" name=""/>
+        <p:cNvGrpSpPr/>
+        <p:nvPr/>
+      </p:nvGrpSpPr>
+      <p:grpSpPr>
+        <a:xfrm>
+          <a:off x="0" y="0"/>
+          <a:ext cx="0" cy="0"/>
+          <a:chOff x="0" y="0"/>
+          <a:chExt cx="0" cy="0"/>
+        </a:xfrm>
+      </p:grpSpPr>
+      <p:sp>
+        <p:nvSpPr>
+          <p:cNvPr id="2" name="Title 1">
+            <a:extLst>
+              <a:ext uri="{FF2B5EF4-FFF2-40B4-BE49-F238E27FC236}">
+                <a16:creationId xmlns:a16="http://schemas.microsoft.com/office/drawing/2014/main" id="{C524E85A-7356-694A-A5A7-9D678C78FAC6}"/>
+              </a:ext>
+            </a:extLst>
+          </p:cNvPr>
+          <p:cNvSpPr>
+            <a:spLocks noGrp="1"/>
+          </p:cNvSpPr>
+          <p:nvPr>
+            <p:ph type="title"/>
+          </p:nvPr>
+        </p:nvSpPr>
+        <p:spPr/>
+        <p:txBody>
+          <a:bodyPr/>
+          <a:lstStyle/>
+          <a:p>
+            <a:endParaRPr lang="en-DE"/>
+          </a:p>
+        </p:txBody>
+      </p:sp>
+      <p:sp>
+        <p:nvSpPr>
+          <p:cNvPr id="3" name="Content Placeholder 2">
+            <a:extLst>
+              <a:ext uri="{FF2B5EF4-FFF2-40B4-BE49-F238E27FC236}">
+                <a16:creationId xmlns:a16="http://schemas.microsoft.com/office/drawing/2014/main" id="{6333A36F-024F-E54C-BC56-17FFD44B83D1}"/>
+              </a:ext>
+            </a:extLst>
+          </p:cNvPr>
+          <p:cNvSpPr>
+            <a:spLocks noGrp="1"/>
+          </p:cNvSpPr>
+          <p:nvPr>
+            <p:ph idx="1"/>
+          </p:nvPr>
+        </p:nvSpPr>
+        <p:spPr/>
+        <p:txBody>
+          <a:bodyPr/>
+          <a:lstStyle/>
+          <a:p>
+            <a:endParaRPr lang="en-DE"/>
+          </a:p>
+        </p:txBody>
+      </p:sp>
+    </p:spTree>
+    <p:extLst>
+      <p:ext uri="{BB962C8B-B14F-4D97-AF65-F5344CB8AC3E}">
+        <p14:creationId xmlns:p14="http://schemas.microsoft.com/office/powerpoint/2010/main" val="2962300018"/>
+      </p:ext>
+    </p:extLst>
+  </p:cSld>
+  <p:clrMapOvr>
+    <a:masterClrMapping/>
+  </p:clrMapOvr>
+</p:sld>
+</file>
+
 <file path=ppt/slides/slide2.xml><?xml version="1.0" encoding="utf-8"?>
+<p:sld xmlns:a="http://schemas.openxmlformats.org/drawingml/2006/main" xmlns:r="http://schemas.openxmlformats.org/officeDocument/2006/relationships" xmlns:p="http://schemas.openxmlformats.org/presentationml/2006/main">
+  <p:cSld>
+    <p:spTree>
+      <p:nvGrpSpPr>
+        <p:cNvPr id="1" name=""/>
+        <p:cNvGrpSpPr/>
+        <p:nvPr/>
+      </p:nvGrpSpPr>
+      <p:grpSpPr>
+        <a:xfrm>
+          <a:off x="0" y="0"/>
+          <a:ext cx="0" cy="0"/>
+          <a:chOff x="0" y="0"/>
+          <a:chExt cx="0" cy="0"/>
+        </a:xfrm>
+      </p:grpSpPr>
+      <p:sp>
+        <p:nvSpPr>
+          <p:cNvPr id="2" name="Title 1">
+            <a:extLst>
+              <a:ext uri="{FF2B5EF4-FFF2-40B4-BE49-F238E27FC236}">
+                <a16:creationId xmlns:a16="http://schemas.microsoft.com/office/drawing/2014/main" id="{78043569-0FC7-7348-AA0D-3FEDB8A0E627}"/>
+              </a:ext>
+            </a:extLst>
+          </p:cNvPr>
+          <p:cNvSpPr>
+            <a:spLocks noGrp="1"/>
+          </p:cNvSpPr>
+          <p:nvPr>
+            <p:ph type="title"/>
+          </p:nvPr>
+        </p:nvSpPr>
+        <p:spPr/>
+        <p:txBody>
+          <a:bodyPr/>
+          <a:lstStyle/>
+          <a:p>
+            <a:r>
+              <a:rPr lang="en-DE" dirty="0"/>
+              <a:t>DRAM bandwidth</a:t>
+            </a:r>
+          </a:p>
+        </p:txBody>
+      </p:sp>
+      <p:graphicFrame>
+        <p:nvGraphicFramePr>
+          <p:cNvPr id="4" name="Content Placeholder 3">
+            <a:extLst>
+              <a:ext uri="{FF2B5EF4-FFF2-40B4-BE49-F238E27FC236}">
+                <a16:creationId xmlns:a16="http://schemas.microsoft.com/office/drawing/2014/main" id="{567C0C6C-1C36-304A-8D56-479392BC6F49}"/>
+              </a:ext>
+            </a:extLst>
+          </p:cNvPr>
+          <p:cNvGraphicFramePr>
+            <a:graphicFrameLocks noGrp="1"/>
+          </p:cNvGraphicFramePr>
+          <p:nvPr>
+            <p:ph idx="1"/>
+            <p:extLst>
+              <p:ext uri="{D42A27DB-BD31-4B8C-83A1-F6EECF244321}">
+                <p14:modId xmlns:p14="http://schemas.microsoft.com/office/powerpoint/2010/main" val="1536002988"/>
+              </p:ext>
+            </p:extLst>
+          </p:nvPr>
+        </p:nvGraphicFramePr>
+        <p:xfrm>
+          <a:off x="838200" y="1825625"/>
+          <a:ext cx="10515600" cy="4351338"/>
+        </p:xfrm>
+        <a:graphic>
+          <a:graphicData uri="http://schemas.openxmlformats.org/drawingml/2006/chart">
+            <c:chart xmlns:c="http://schemas.openxmlformats.org/drawingml/2006/chart" xmlns:r="http://schemas.openxmlformats.org/officeDocument/2006/relationships" r:id="rId2"/>
+          </a:graphicData>
+        </a:graphic>
+      </p:graphicFrame>
+      <p:sp>
+        <p:nvSpPr>
+          <p:cNvPr id="5" name="TextBox 4">
+            <a:extLst>
+              <a:ext uri="{FF2B5EF4-FFF2-40B4-BE49-F238E27FC236}">
+                <a16:creationId xmlns:a16="http://schemas.microsoft.com/office/drawing/2014/main" id="{19BDEA64-9176-D14E-9F9D-85F0EA45765D}"/>
+              </a:ext>
+            </a:extLst>
+          </p:cNvPr>
+          <p:cNvSpPr txBox="1"/>
+          <p:nvPr/>
+        </p:nvSpPr>
+        <p:spPr>
+          <a:xfrm>
+            <a:off x="754144" y="1825625"/>
+            <a:ext cx="952108" cy="369332"/>
+          </a:xfrm>
+          <a:prstGeom prst="rect">
+            <a:avLst/>
+          </a:prstGeom>
+          <a:noFill/>
+        </p:spPr>
+        <p:txBody>
+          <a:bodyPr wrap="square" rtlCol="0">
+            <a:spAutoFit/>
+          </a:bodyPr>
+          <a:lstStyle/>
+          <a:p>
+            <a:r>
+              <a:rPr lang="en-DE" dirty="0"/>
+              <a:t>Byte/s</a:t>
+            </a:r>
+          </a:p>
+        </p:txBody>
+      </p:sp>
+      <p:sp>
+        <p:nvSpPr>
+          <p:cNvPr id="6" name="TextBox 5">
+            <a:extLst>
+              <a:ext uri="{FF2B5EF4-FFF2-40B4-BE49-F238E27FC236}">
+                <a16:creationId xmlns:a16="http://schemas.microsoft.com/office/drawing/2014/main" id="{FF0FF8C5-9273-4041-83C7-1F31A87C24F7}"/>
+              </a:ext>
+            </a:extLst>
+          </p:cNvPr>
+          <p:cNvSpPr txBox="1"/>
+          <p:nvPr/>
+        </p:nvSpPr>
+        <p:spPr>
+          <a:xfrm>
+            <a:off x="838200" y="1310326"/>
+            <a:ext cx="4158006" cy="380362"/>
+          </a:xfrm>
+          <a:prstGeom prst="rect">
+            <a:avLst/>
+          </a:prstGeom>
+          <a:noFill/>
+        </p:spPr>
+        <p:txBody>
+          <a:bodyPr wrap="square" rtlCol="0">
+            <a:spAutoFit/>
+          </a:bodyPr>
+          <a:lstStyle/>
+          <a:p>
+            <a:r>
+              <a:rPr lang="en-DE" dirty="0"/>
+              <a:t>CG with class C</a:t>
+            </a:r>
+          </a:p>
+        </p:txBody>
+      </p:sp>
+    </p:spTree>
+    <p:extLst>
+      <p:ext uri="{BB962C8B-B14F-4D97-AF65-F5344CB8AC3E}">
+        <p14:creationId xmlns:p14="http://schemas.microsoft.com/office/powerpoint/2010/main" val="465394331"/>
+      </p:ext>
+    </p:extLst>
+  </p:cSld>
+  <p:clrMapOvr>
+    <a:masterClrMapping/>
+  </p:clrMapOvr>
+</p:sld>
+</file>
+
+<file path=ppt/slides/slide3.xml><?xml version="1.0" encoding="utf-8"?>
+<p:sld xmlns:a="http://schemas.openxmlformats.org/drawingml/2006/main" xmlns:r="http://schemas.openxmlformats.org/officeDocument/2006/relationships" xmlns:p="http://schemas.openxmlformats.org/presentationml/2006/main">
+  <p:cSld>
+    <p:spTree>
+      <p:nvGrpSpPr>
+        <p:cNvPr id="1" name=""/>
+        <p:cNvGrpSpPr/>
+        <p:nvPr/>
+      </p:nvGrpSpPr>
+      <p:grpSpPr>
+        <a:xfrm>
+          <a:off x="0" y="0"/>
+          <a:ext cx="0" cy="0"/>
+          <a:chOff x="0" y="0"/>
+          <a:chExt cx="0" cy="0"/>
+        </a:xfrm>
+      </p:grpSpPr>
+      <p:sp>
+        <p:nvSpPr>
+          <p:cNvPr id="2" name="Title 1">
+            <a:extLst>
+              <a:ext uri="{FF2B5EF4-FFF2-40B4-BE49-F238E27FC236}">
+                <a16:creationId xmlns:a16="http://schemas.microsoft.com/office/drawing/2014/main" id="{888C7F72-067E-0A42-A836-86C91A5F09F5}"/>
+              </a:ext>
+            </a:extLst>
+          </p:cNvPr>
+          <p:cNvSpPr>
+            <a:spLocks noGrp="1"/>
+          </p:cNvSpPr>
+          <p:nvPr>
+            <p:ph type="title"/>
+          </p:nvPr>
+        </p:nvSpPr>
+        <p:spPr/>
+        <p:txBody>
+          <a:bodyPr/>
+          <a:lstStyle/>
+          <a:p>
+            <a:r>
+              <a:rPr lang="en-DE" dirty="0"/>
+              <a:t>L</a:t>
+            </a:r>
+            <a:r>
+              <a:rPr lang="en-US" altLang="zh-CN" dirty="0"/>
+              <a:t>3</a:t>
+            </a:r>
+            <a:r>
+              <a:rPr lang="en-DE" dirty="0"/>
+              <a:t> Cache bandwidth</a:t>
+            </a:r>
+          </a:p>
+        </p:txBody>
+      </p:sp>
+      <p:graphicFrame>
+        <p:nvGraphicFramePr>
+          <p:cNvPr id="4" name="Content Placeholder 3">
+            <a:extLst>
+              <a:ext uri="{FF2B5EF4-FFF2-40B4-BE49-F238E27FC236}">
+                <a16:creationId xmlns:a16="http://schemas.microsoft.com/office/drawing/2014/main" id="{4BE05A16-5030-974F-8C1D-26D99C1B527E}"/>
+              </a:ext>
+            </a:extLst>
+          </p:cNvPr>
+          <p:cNvGraphicFramePr>
+            <a:graphicFrameLocks noGrp="1"/>
+          </p:cNvGraphicFramePr>
+          <p:nvPr>
+            <p:ph idx="1"/>
+            <p:extLst>
+              <p:ext uri="{D42A27DB-BD31-4B8C-83A1-F6EECF244321}">
+                <p14:modId xmlns:p14="http://schemas.microsoft.com/office/powerpoint/2010/main" val="1141150841"/>
+              </p:ext>
+            </p:extLst>
+          </p:nvPr>
+        </p:nvGraphicFramePr>
+        <p:xfrm>
+          <a:off x="838200" y="1825625"/>
+          <a:ext cx="10515600" cy="4351338"/>
+        </p:xfrm>
+        <a:graphic>
+          <a:graphicData uri="http://schemas.openxmlformats.org/drawingml/2006/chart">
+            <c:chart xmlns:c="http://schemas.openxmlformats.org/drawingml/2006/chart" xmlns:r="http://schemas.openxmlformats.org/officeDocument/2006/relationships" r:id="rId2"/>
+          </a:graphicData>
+        </a:graphic>
+      </p:graphicFrame>
+      <p:sp>
+        <p:nvSpPr>
+          <p:cNvPr id="5" name="TextBox 4">
+            <a:extLst>
+              <a:ext uri="{FF2B5EF4-FFF2-40B4-BE49-F238E27FC236}">
+                <a16:creationId xmlns:a16="http://schemas.microsoft.com/office/drawing/2014/main" id="{97F752F0-7F82-5347-A436-CC2906247754}"/>
+              </a:ext>
+            </a:extLst>
+          </p:cNvPr>
+          <p:cNvSpPr txBox="1"/>
+          <p:nvPr/>
+        </p:nvSpPr>
+        <p:spPr>
+          <a:xfrm>
+            <a:off x="838200" y="1825625"/>
+            <a:ext cx="849198" cy="369332"/>
+          </a:xfrm>
+          <a:prstGeom prst="rect">
+            <a:avLst/>
+          </a:prstGeom>
+          <a:noFill/>
+        </p:spPr>
+        <p:txBody>
+          <a:bodyPr wrap="square" rtlCol="0">
+            <a:spAutoFit/>
+          </a:bodyPr>
+          <a:lstStyle/>
+          <a:p>
+            <a:r>
+              <a:rPr lang="en-DE" dirty="0"/>
+              <a:t>Byte/s</a:t>
+            </a:r>
+          </a:p>
+        </p:txBody>
+      </p:sp>
+      <p:sp>
+        <p:nvSpPr>
+          <p:cNvPr id="6" name="TextBox 5">
+            <a:extLst>
+              <a:ext uri="{FF2B5EF4-FFF2-40B4-BE49-F238E27FC236}">
+                <a16:creationId xmlns:a16="http://schemas.microsoft.com/office/drawing/2014/main" id="{004DAFF3-F2D4-ED46-B20D-08F959F03FD3}"/>
+              </a:ext>
+            </a:extLst>
+          </p:cNvPr>
+          <p:cNvSpPr txBox="1"/>
+          <p:nvPr/>
+        </p:nvSpPr>
+        <p:spPr>
+          <a:xfrm>
+            <a:off x="838200" y="1310326"/>
+            <a:ext cx="3667812" cy="369332"/>
+          </a:xfrm>
+          <a:prstGeom prst="rect">
+            <a:avLst/>
+          </a:prstGeom>
+          <a:noFill/>
+        </p:spPr>
+        <p:txBody>
+          <a:bodyPr wrap="square" rtlCol="0">
+            <a:spAutoFit/>
+          </a:bodyPr>
+          <a:lstStyle/>
+          <a:p>
+            <a:r>
+              <a:rPr lang="en-DE" dirty="0"/>
+              <a:t>Reduce CG class B’s size to 20000</a:t>
+            </a:r>
+          </a:p>
+        </p:txBody>
+      </p:sp>
+    </p:spTree>
+    <p:extLst>
+      <p:ext uri="{BB962C8B-B14F-4D97-AF65-F5344CB8AC3E}">
+        <p14:creationId xmlns:p14="http://schemas.microsoft.com/office/powerpoint/2010/main" val="515829984"/>
+      </p:ext>
+    </p:extLst>
+  </p:cSld>
+  <p:clrMapOvr>
+    <a:masterClrMapping/>
+  </p:clrMapOvr>
+</p:sld>
+</file>
+
+<file path=ppt/slides/slide4.xml><?xml version="1.0" encoding="utf-8"?>
+<p:sld xmlns:a="http://schemas.openxmlformats.org/drawingml/2006/main" xmlns:r="http://schemas.openxmlformats.org/officeDocument/2006/relationships" xmlns:p="http://schemas.openxmlformats.org/presentationml/2006/main">
+  <p:cSld>
+    <p:spTree>
+      <p:nvGrpSpPr>
+        <p:cNvPr id="1" name=""/>
+        <p:cNvGrpSpPr/>
+        <p:nvPr/>
+      </p:nvGrpSpPr>
+      <p:grpSpPr>
+        <a:xfrm>
+          <a:off x="0" y="0"/>
+          <a:ext cx="0" cy="0"/>
+          <a:chOff x="0" y="0"/>
+          <a:chExt cx="0" cy="0"/>
+        </a:xfrm>
+      </p:grpSpPr>
+      <p:sp>
+        <p:nvSpPr>
+          <p:cNvPr id="2" name="Title 1">
+            <a:extLst>
+              <a:ext uri="{FF2B5EF4-FFF2-40B4-BE49-F238E27FC236}">
+                <a16:creationId xmlns:a16="http://schemas.microsoft.com/office/drawing/2014/main" id="{2729D30A-2A85-1D45-9B79-E5C8BD9E0041}"/>
+              </a:ext>
+            </a:extLst>
+          </p:cNvPr>
+          <p:cNvSpPr>
+            <a:spLocks noGrp="1"/>
+          </p:cNvSpPr>
+          <p:nvPr>
+            <p:ph type="title"/>
+          </p:nvPr>
+        </p:nvSpPr>
+        <p:spPr/>
+        <p:txBody>
+          <a:bodyPr/>
+          <a:lstStyle/>
+          <a:p>
+            <a:r>
+              <a:rPr lang="en-DE" dirty="0"/>
+              <a:t>DRAM</a:t>
+            </a:r>
+          </a:p>
+        </p:txBody>
+      </p:sp>
+      <p:sp>
+        <p:nvSpPr>
+          <p:cNvPr id="3" name="Content Placeholder 2">
+            <a:extLst>
+              <a:ext uri="{FF2B5EF4-FFF2-40B4-BE49-F238E27FC236}">
+                <a16:creationId xmlns:a16="http://schemas.microsoft.com/office/drawing/2014/main" id="{A22362A2-D522-CC4A-8591-CB7E591BE91D}"/>
+              </a:ext>
+            </a:extLst>
+          </p:cNvPr>
+          <p:cNvSpPr>
+            <a:spLocks noGrp="1"/>
+          </p:cNvSpPr>
+          <p:nvPr>
+            <p:ph idx="1"/>
+          </p:nvPr>
+        </p:nvSpPr>
+        <p:spPr/>
+        <p:txBody>
+          <a:bodyPr/>
+          <a:lstStyle/>
+          <a:p>
+            <a:r>
+              <a:rPr lang="en-DE" dirty="0"/>
+              <a:t>CG’s Inconsistent DRAM access cause DRAM to stall</a:t>
+            </a:r>
+          </a:p>
+          <a:p>
+            <a:r>
+              <a:rPr lang="en-GB" dirty="0"/>
+              <a:t>T</a:t>
+            </a:r>
+            <a:r>
+              <a:rPr lang="en-DE" dirty="0"/>
+              <a:t>herefor DRAM cannot reach its full potential speed</a:t>
+            </a:r>
+          </a:p>
+          <a:p>
+            <a:pPr marL="0" indent="0">
+              <a:buNone/>
+            </a:pPr>
+            <a:endParaRPr lang="en-DE" dirty="0"/>
+          </a:p>
+          <a:p>
+            <a:pPr marL="0" indent="0">
+              <a:buNone/>
+            </a:pPr>
+            <a:r>
+              <a:rPr lang="en-DE" dirty="0"/>
+              <a:t> </a:t>
+            </a:r>
+          </a:p>
+          <a:p>
+            <a:endParaRPr lang="en-DE" dirty="0"/>
+          </a:p>
+        </p:txBody>
+      </p:sp>
+    </p:spTree>
+    <p:extLst>
+      <p:ext uri="{BB962C8B-B14F-4D97-AF65-F5344CB8AC3E}">
+        <p14:creationId xmlns:p14="http://schemas.microsoft.com/office/powerpoint/2010/main" val="3689528222"/>
+      </p:ext>
+    </p:extLst>
+  </p:cSld>
+  <p:clrMapOvr>
+    <a:masterClrMapping/>
+  </p:clrMapOvr>
+</p:sld>
+</file>
+
+<file path=ppt/slides/slide5.xml><?xml version="1.0" encoding="utf-8"?>
+<p:sld xmlns:a="http://schemas.openxmlformats.org/drawingml/2006/main" xmlns:r="http://schemas.openxmlformats.org/officeDocument/2006/relationships" xmlns:p="http://schemas.openxmlformats.org/presentationml/2006/main">
+  <p:cSld>
+    <p:spTree>
+      <p:nvGrpSpPr>
+        <p:cNvPr id="1" name=""/>
+        <p:cNvGrpSpPr/>
+        <p:nvPr/>
+      </p:nvGrpSpPr>
+      <p:grpSpPr>
+        <a:xfrm>
+          <a:off x="0" y="0"/>
+          <a:ext cx="0" cy="0"/>
+          <a:chOff x="0" y="0"/>
+          <a:chExt cx="0" cy="0"/>
+        </a:xfrm>
+      </p:grpSpPr>
+      <p:sp>
+        <p:nvSpPr>
+          <p:cNvPr id="2" name="Title 1">
+            <a:extLst>
+              <a:ext uri="{FF2B5EF4-FFF2-40B4-BE49-F238E27FC236}">
+                <a16:creationId xmlns:a16="http://schemas.microsoft.com/office/drawing/2014/main" id="{FB48F3E7-589A-8746-B517-7D902F802567}"/>
+              </a:ext>
+            </a:extLst>
+          </p:cNvPr>
+          <p:cNvSpPr>
+            <a:spLocks noGrp="1"/>
+          </p:cNvSpPr>
+          <p:nvPr>
+            <p:ph type="title"/>
+          </p:nvPr>
+        </p:nvSpPr>
+        <p:spPr/>
+        <p:txBody>
+          <a:bodyPr/>
+          <a:lstStyle/>
+          <a:p>
+            <a:r>
+              <a:rPr lang="en-DE" dirty="0"/>
+              <a:t>LDM stall rate %</a:t>
+            </a:r>
+          </a:p>
+        </p:txBody>
+      </p:sp>
+      <p:sp>
+        <p:nvSpPr>
+          <p:cNvPr id="3" name="TextBox 2">
+            <a:extLst>
+              <a:ext uri="{FF2B5EF4-FFF2-40B4-BE49-F238E27FC236}">
+                <a16:creationId xmlns:a16="http://schemas.microsoft.com/office/drawing/2014/main" id="{042C23E6-F584-1947-97FB-D74707E9CBD2}"/>
+              </a:ext>
+            </a:extLst>
+          </p:cNvPr>
+          <p:cNvSpPr txBox="1"/>
+          <p:nvPr/>
+        </p:nvSpPr>
+        <p:spPr>
+          <a:xfrm>
+            <a:off x="838200" y="1321356"/>
+            <a:ext cx="10515600" cy="369332"/>
+          </a:xfrm>
+          <a:prstGeom prst="rect">
+            <a:avLst/>
+          </a:prstGeom>
+          <a:noFill/>
+        </p:spPr>
+        <p:txBody>
+          <a:bodyPr wrap="square" rtlCol="0">
+            <a:spAutoFit/>
+          </a:bodyPr>
+          <a:lstStyle/>
+          <a:p>
+            <a:r>
+              <a:rPr lang="en-GB" dirty="0"/>
+              <a:t>Reduced C</a:t>
+            </a:r>
+            <a:r>
+              <a:rPr lang="en-DE" dirty="0"/>
+              <a:t>lass B’s size to 20000</a:t>
+            </a:r>
+          </a:p>
+        </p:txBody>
+      </p:sp>
+      <p:graphicFrame>
+        <p:nvGraphicFramePr>
+          <p:cNvPr id="7" name="Content Placeholder 6">
+            <a:extLst>
+              <a:ext uri="{FF2B5EF4-FFF2-40B4-BE49-F238E27FC236}">
+                <a16:creationId xmlns:a16="http://schemas.microsoft.com/office/drawing/2014/main" id="{E7874EE8-9C34-4241-8DC6-41F4256F2AF0}"/>
+              </a:ext>
+            </a:extLst>
+          </p:cNvPr>
+          <p:cNvGraphicFramePr>
+            <a:graphicFrameLocks noGrp="1"/>
+          </p:cNvGraphicFramePr>
+          <p:nvPr>
+            <p:ph idx="1"/>
+            <p:extLst>
+              <p:ext uri="{D42A27DB-BD31-4B8C-83A1-F6EECF244321}">
+                <p14:modId xmlns:p14="http://schemas.microsoft.com/office/powerpoint/2010/main" val="135171832"/>
+              </p:ext>
+            </p:extLst>
+          </p:nvPr>
+        </p:nvGraphicFramePr>
+        <p:xfrm>
+          <a:off x="838200" y="1825625"/>
+          <a:ext cx="10515600" cy="4351338"/>
+        </p:xfrm>
+        <a:graphic>
+          <a:graphicData uri="http://schemas.openxmlformats.org/drawingml/2006/chart">
+            <c:chart xmlns:c="http://schemas.openxmlformats.org/drawingml/2006/chart" xmlns:r="http://schemas.openxmlformats.org/officeDocument/2006/relationships" r:id="rId2"/>
+          </a:graphicData>
+        </a:graphic>
+      </p:graphicFrame>
+    </p:spTree>
+    <p:extLst>
+      <p:ext uri="{BB962C8B-B14F-4D97-AF65-F5344CB8AC3E}">
+        <p14:creationId xmlns:p14="http://schemas.microsoft.com/office/powerpoint/2010/main" val="3437892001"/>
+      </p:ext>
+    </p:extLst>
+  </p:cSld>
+  <p:clrMapOvr>
+    <a:masterClrMapping/>
+  </p:clrMapOvr>
+</p:sld>
+</file>
+
+<file path=ppt/slides/slide6.xml><?xml version="1.0" encoding="utf-8"?>
+<p:sld xmlns:a="http://schemas.openxmlformats.org/drawingml/2006/main" xmlns:r="http://schemas.openxmlformats.org/officeDocument/2006/relationships" xmlns:p="http://schemas.openxmlformats.org/presentationml/2006/main">
+  <p:cSld>
+    <p:spTree>
+      <p:nvGrpSpPr>
+        <p:cNvPr id="1" name=""/>
+        <p:cNvGrpSpPr/>
+        <p:nvPr/>
+      </p:nvGrpSpPr>
+      <p:grpSpPr>
+        <a:xfrm>
+          <a:off x="0" y="0"/>
+          <a:ext cx="0" cy="0"/>
+          <a:chOff x="0" y="0"/>
+          <a:chExt cx="0" cy="0"/>
+        </a:xfrm>
+      </p:grpSpPr>
+      <p:sp>
+        <p:nvSpPr>
+          <p:cNvPr id="2" name="Title 1">
+            <a:extLst>
+              <a:ext uri="{FF2B5EF4-FFF2-40B4-BE49-F238E27FC236}">
+                <a16:creationId xmlns:a16="http://schemas.microsoft.com/office/drawing/2014/main" id="{58DDCAEB-E94A-E649-9203-0BE01DCDFAD8}"/>
+              </a:ext>
+            </a:extLst>
+          </p:cNvPr>
+          <p:cNvSpPr>
+            <a:spLocks noGrp="1"/>
+          </p:cNvSpPr>
+          <p:nvPr>
+            <p:ph type="title"/>
+          </p:nvPr>
+        </p:nvSpPr>
+        <p:spPr/>
+        <p:txBody>
+          <a:bodyPr/>
+          <a:lstStyle/>
+          <a:p>
+            <a:r>
+              <a:rPr lang="en-DE" dirty="0"/>
+              <a:t>L2 Cache stall rate %</a:t>
+            </a:r>
+          </a:p>
+        </p:txBody>
+      </p:sp>
+      <p:graphicFrame>
+        <p:nvGraphicFramePr>
+          <p:cNvPr id="4" name="Content Placeholder 3">
+            <a:extLst>
+              <a:ext uri="{FF2B5EF4-FFF2-40B4-BE49-F238E27FC236}">
+                <a16:creationId xmlns:a16="http://schemas.microsoft.com/office/drawing/2014/main" id="{88290F0B-802F-4542-8952-26D64AE6B78B}"/>
+              </a:ext>
+            </a:extLst>
+          </p:cNvPr>
+          <p:cNvGraphicFramePr>
+            <a:graphicFrameLocks noGrp="1"/>
+          </p:cNvGraphicFramePr>
+          <p:nvPr>
+            <p:ph idx="1"/>
+            <p:extLst>
+              <p:ext uri="{D42A27DB-BD31-4B8C-83A1-F6EECF244321}">
+                <p14:modId xmlns:p14="http://schemas.microsoft.com/office/powerpoint/2010/main" val="1886880877"/>
+              </p:ext>
+            </p:extLst>
+          </p:nvPr>
+        </p:nvGraphicFramePr>
+        <p:xfrm>
+          <a:off x="838200" y="1825625"/>
+          <a:ext cx="10515600" cy="4351338"/>
+        </p:xfrm>
+        <a:graphic>
+          <a:graphicData uri="http://schemas.openxmlformats.org/drawingml/2006/chart">
+            <c:chart xmlns:c="http://schemas.openxmlformats.org/drawingml/2006/chart" xmlns:r="http://schemas.openxmlformats.org/officeDocument/2006/relationships" r:id="rId2"/>
+          </a:graphicData>
+        </a:graphic>
+      </p:graphicFrame>
+      <p:sp>
+        <p:nvSpPr>
+          <p:cNvPr id="5" name="TextBox 4">
+            <a:extLst>
+              <a:ext uri="{FF2B5EF4-FFF2-40B4-BE49-F238E27FC236}">
+                <a16:creationId xmlns:a16="http://schemas.microsoft.com/office/drawing/2014/main" id="{470BF275-B611-3C4A-A711-3EA383EDEDD1}"/>
+              </a:ext>
+            </a:extLst>
+          </p:cNvPr>
+          <p:cNvSpPr txBox="1"/>
+          <p:nvPr/>
+        </p:nvSpPr>
+        <p:spPr>
+          <a:xfrm>
+            <a:off x="838200" y="1321356"/>
+            <a:ext cx="10515600" cy="369332"/>
+          </a:xfrm>
+          <a:prstGeom prst="rect">
+            <a:avLst/>
+          </a:prstGeom>
+          <a:noFill/>
+        </p:spPr>
+        <p:txBody>
+          <a:bodyPr wrap="square" rtlCol="0">
+            <a:spAutoFit/>
+          </a:bodyPr>
+          <a:lstStyle/>
+          <a:p>
+            <a:r>
+              <a:rPr lang="en-GB" dirty="0"/>
+              <a:t>Reduced C</a:t>
+            </a:r>
+            <a:r>
+              <a:rPr lang="en-DE" dirty="0"/>
+              <a:t>lass B’s size to 20000</a:t>
+            </a:r>
+          </a:p>
+        </p:txBody>
+      </p:sp>
+    </p:spTree>
+    <p:extLst>
+      <p:ext uri="{BB962C8B-B14F-4D97-AF65-F5344CB8AC3E}">
+        <p14:creationId xmlns:p14="http://schemas.microsoft.com/office/powerpoint/2010/main" val="930926001"/>
+      </p:ext>
+    </p:extLst>
+  </p:cSld>
+  <p:clrMapOvr>
+    <a:masterClrMapping/>
+  </p:clrMapOvr>
+</p:sld>
+</file>
+
+<file path=ppt/slides/slide7.xml><?xml version="1.0" encoding="utf-8"?>
+<p:sld xmlns:a="http://schemas.openxmlformats.org/drawingml/2006/main" xmlns:r="http://schemas.openxmlformats.org/officeDocument/2006/relationships" xmlns:p="http://schemas.openxmlformats.org/presentationml/2006/main">
+  <p:cSld>
+    <p:spTree>
+      <p:nvGrpSpPr>
+        <p:cNvPr id="1" name=""/>
+        <p:cNvGrpSpPr/>
+        <p:nvPr/>
+      </p:nvGrpSpPr>
+      <p:grpSpPr>
+        <a:xfrm>
+          <a:off x="0" y="0"/>
+          <a:ext cx="0" cy="0"/>
+          <a:chOff x="0" y="0"/>
+          <a:chExt cx="0" cy="0"/>
+        </a:xfrm>
+      </p:grpSpPr>
+      <p:sp>
+        <p:nvSpPr>
+          <p:cNvPr id="2" name="Title 1">
+            <a:extLst>
+              <a:ext uri="{FF2B5EF4-FFF2-40B4-BE49-F238E27FC236}">
+                <a16:creationId xmlns:a16="http://schemas.microsoft.com/office/drawing/2014/main" id="{45AC5A69-9C91-9B44-A5C7-E33D666DFFFB}"/>
+              </a:ext>
+            </a:extLst>
+          </p:cNvPr>
+          <p:cNvSpPr>
+            <a:spLocks noGrp="1"/>
+          </p:cNvSpPr>
+          <p:nvPr>
+            <p:ph type="title"/>
+          </p:nvPr>
+        </p:nvSpPr>
+        <p:spPr/>
+        <p:txBody>
+          <a:bodyPr/>
+          <a:lstStyle/>
+          <a:p>
+            <a:r>
+              <a:rPr lang="en-DE" dirty="0"/>
+              <a:t> Cache</a:t>
+            </a:r>
+          </a:p>
+        </p:txBody>
+      </p:sp>
+      <p:sp>
+        <p:nvSpPr>
+          <p:cNvPr id="3" name="Content Placeholder 2">
+            <a:extLst>
+              <a:ext uri="{FF2B5EF4-FFF2-40B4-BE49-F238E27FC236}">
+                <a16:creationId xmlns:a16="http://schemas.microsoft.com/office/drawing/2014/main" id="{69D8DC2C-5699-9445-B4CB-E26CC93C640C}"/>
+              </a:ext>
+            </a:extLst>
+          </p:cNvPr>
+          <p:cNvSpPr>
+            <a:spLocks noGrp="1"/>
+          </p:cNvSpPr>
+          <p:nvPr>
+            <p:ph idx="1"/>
+          </p:nvPr>
+        </p:nvSpPr>
+        <p:spPr/>
+        <p:txBody>
+          <a:bodyPr/>
+          <a:lstStyle/>
+          <a:p>
+            <a:endParaRPr lang="en-DE" dirty="0"/>
+          </a:p>
+          <a:p>
+            <a:endParaRPr lang="en-DE" dirty="0"/>
+          </a:p>
+        </p:txBody>
+      </p:sp>
+    </p:spTree>
+    <p:extLst>
+      <p:ext uri="{BB962C8B-B14F-4D97-AF65-F5344CB8AC3E}">
+        <p14:creationId xmlns:p14="http://schemas.microsoft.com/office/powerpoint/2010/main" val="4143360010"/>
+      </p:ext>
+    </p:extLst>
+  </p:cSld>
+  <p:clrMapOvr>
+    <a:masterClrMapping/>
+  </p:clrMapOvr>
+</p:sld>
+</file>
+
+<file path=ppt/slides/slide8.xml><?xml version="1.0" encoding="utf-8"?>
 <p:sld xmlns:a="http://schemas.openxmlformats.org/drawingml/2006/main" xmlns:r="http://schemas.openxmlformats.org/officeDocument/2006/relationships" xmlns:p="http://schemas.openxmlformats.org/presentationml/2006/main">
   <p:cSld>
     <p:spTree>
@@ -3469,14 +9932,14 @@
             <p:ph idx="1"/>
             <p:extLst>
               <p:ext uri="{D42A27DB-BD31-4B8C-83A1-F6EECF244321}">
-                <p14:modId xmlns:p14="http://schemas.microsoft.com/office/powerpoint/2010/main" val="691451081"/>
+                <p14:modId xmlns:p14="http://schemas.microsoft.com/office/powerpoint/2010/main" val="1971534969"/>
               </p:ext>
             </p:extLst>
           </p:nvPr>
         </p:nvGraphicFramePr>
         <p:xfrm>
-          <a:off x="838200" y="1825625"/>
-          <a:ext cx="10515597" cy="2966720"/>
+          <a:off x="2440762" y="2002741"/>
+          <a:ext cx="6490941" cy="1637692"/>
         </p:xfrm>
         <a:graphic>
           <a:graphicData uri="http://schemas.openxmlformats.org/drawingml/2006/table">
@@ -3485,21 +9948,21 @@
                 <a:tableStyleId>{5C22544A-7EE6-4342-B048-85BDC9FD1C3A}</a:tableStyleId>
               </a:tblPr>
               <a:tblGrid>
-                <a:gridCol w="3505199">
+                <a:gridCol w="2163647">
                   <a:extLst>
                     <a:ext uri="{9D8B030D-6E8A-4147-A177-3AD203B41FA5}">
                       <a16:colId xmlns:a16="http://schemas.microsoft.com/office/drawing/2014/main" val="1158186452"/>
                     </a:ext>
                   </a:extLst>
                 </a:gridCol>
-                <a:gridCol w="3505199">
+                <a:gridCol w="2307668">
                   <a:extLst>
                     <a:ext uri="{9D8B030D-6E8A-4147-A177-3AD203B41FA5}">
                       <a16:colId xmlns:a16="http://schemas.microsoft.com/office/drawing/2014/main" val="1269870485"/>
                     </a:ext>
                   </a:extLst>
                 </a:gridCol>
-                <a:gridCol w="3505199">
+                <a:gridCol w="2019626">
                   <a:extLst>
                     <a:ext uri="{9D8B030D-6E8A-4147-A177-3AD203B41FA5}">
                       <a16:colId xmlns:a16="http://schemas.microsoft.com/office/drawing/2014/main" val="3339343239"/>
@@ -3507,7 +9970,7 @@
                   </a:extLst>
                 </a:gridCol>
               </a:tblGrid>
-              <a:tr h="370840">
+              <a:tr h="409423">
                 <a:tc>
                   <a:txBody>
                     <a:bodyPr/>
@@ -3528,7 +9991,7 @@
                     <a:p>
                       <a:r>
                         <a:rPr lang="en-DE" dirty="0"/>
-                        <a:t>Stream</a:t>
+                        <a:t>Stream(L3)</a:t>
                       </a:r>
                     </a:p>
                   </a:txBody>
@@ -3541,7 +10004,7 @@
                     <a:p>
                       <a:r>
                         <a:rPr lang="en-DE" dirty="0"/>
-                        <a:t>CG</a:t>
+                        <a:t>CG(B)</a:t>
                       </a:r>
                     </a:p>
                   </a:txBody>
@@ -3553,7 +10016,7 @@
                   </a:ext>
                 </a:extLst>
               </a:tr>
-              <a:tr h="370840">
+              <a:tr h="409423">
                 <a:tc>
                   <a:txBody>
                     <a:bodyPr/>
@@ -3561,7 +10024,7 @@
                     <a:p>
                       <a:r>
                         <a:rPr lang="en-DE" dirty="0"/>
-                        <a:t>Core clock</a:t>
+                        <a:t>Core clock/MHz</a:t>
                       </a:r>
                     </a:p>
                   </a:txBody>
@@ -3595,12 +10058,18 @@
                             <a:schemeClr val="dk1"/>
                           </a:solidFill>
                           <a:effectLst/>
-                          <a:latin typeface="+mn-lt"/>
-                          <a:ea typeface="+mn-ea"/>
-                          <a:cs typeface="+mn-cs"/>
                         </a:rPr>
                         <a:t>2789.5529</a:t>
                       </a:r>
+                      <a:endParaRPr lang="en-DE" sz="1800" b="0" kern="1200" dirty="0">
+                        <a:solidFill>
+                          <a:schemeClr val="dk1"/>
+                        </a:solidFill>
+                        <a:effectLst/>
+                        <a:latin typeface="+mn-lt"/>
+                        <a:ea typeface="+mn-ea"/>
+                        <a:cs typeface="+mn-cs"/>
+                      </a:endParaRPr>
                     </a:p>
                   </a:txBody>
                   <a:tcPr/>
@@ -3624,12 +10093,346 @@
                   </a:ext>
                 </a:extLst>
               </a:tr>
+              <a:tr h="409423">
+                <a:tc>
+                  <a:txBody>
+                    <a:bodyPr/>
+                    <a:lstStyle/>
+                    <a:p>
+                      <a:r>
+                        <a:rPr lang="en-DE" dirty="0">
+                          <a:solidFill>
+                            <a:srgbClr val="FF0000"/>
+                          </a:solidFill>
+                        </a:rPr>
+                        <a:t>Core total stall</a:t>
+                      </a:r>
+                    </a:p>
+                  </a:txBody>
+                  <a:tcPr/>
+                </a:tc>
+                <a:tc>
+                  <a:txBody>
+                    <a:bodyPr/>
+                    <a:lstStyle/>
+                    <a:p>
+                      <a:r>
+                        <a:rPr lang="en-DE" dirty="0">
+                          <a:solidFill>
+                            <a:srgbClr val="FF0000"/>
+                          </a:solidFill>
+                        </a:rPr>
+                        <a:t>13.9%</a:t>
+                      </a:r>
+                    </a:p>
+                  </a:txBody>
+                  <a:tcPr/>
+                </a:tc>
+                <a:tc>
+                  <a:txBody>
+                    <a:bodyPr/>
+                    <a:lstStyle/>
+                    <a:p>
+                      <a:r>
+                        <a:rPr lang="en-DE" dirty="0">
+                          <a:solidFill>
+                            <a:srgbClr val="FF0000"/>
+                          </a:solidFill>
+                        </a:rPr>
+                        <a:t>28.3%</a:t>
+                      </a:r>
+                    </a:p>
+                  </a:txBody>
+                  <a:tcPr/>
+                </a:tc>
+                <a:extLst>
+                  <a:ext uri="{0D108BD9-81ED-4DB2-BD59-A6C34878D82A}">
+                    <a16:rowId xmlns:a16="http://schemas.microsoft.com/office/drawing/2014/main" val="3002675458"/>
+                  </a:ext>
+                </a:extLst>
+              </a:tr>
+              <a:tr h="409423">
+                <a:tc>
+                  <a:txBody>
+                    <a:bodyPr/>
+                    <a:lstStyle/>
+                    <a:p>
+                      <a:r>
+                        <a:rPr lang="en-DE" dirty="0">
+                          <a:solidFill>
+                            <a:srgbClr val="FF0000"/>
+                          </a:solidFill>
+                        </a:rPr>
+                        <a:t>CPI(average)</a:t>
+                      </a:r>
+                    </a:p>
+                  </a:txBody>
+                  <a:tcPr/>
+                </a:tc>
+                <a:tc>
+                  <a:txBody>
+                    <a:bodyPr/>
+                    <a:lstStyle/>
+                    <a:p>
+                      <a:r>
+                        <a:rPr lang="en-DE" dirty="0">
+                          <a:solidFill>
+                            <a:srgbClr val="FF0000"/>
+                          </a:solidFill>
+                        </a:rPr>
+                        <a:t>0.6</a:t>
+                      </a:r>
+                    </a:p>
+                  </a:txBody>
+                  <a:tcPr/>
+                </a:tc>
+                <a:tc>
+                  <a:txBody>
+                    <a:bodyPr/>
+                    <a:lstStyle/>
+                    <a:p>
+                      <a:r>
+                        <a:rPr lang="en-DE" dirty="0">
+                          <a:solidFill>
+                            <a:srgbClr val="FF0000"/>
+                          </a:solidFill>
+                        </a:rPr>
+                        <a:t>0.62</a:t>
+                      </a:r>
+                    </a:p>
+                  </a:txBody>
+                  <a:tcPr/>
+                </a:tc>
+                <a:extLst>
+                  <a:ext uri="{0D108BD9-81ED-4DB2-BD59-A6C34878D82A}">
+                    <a16:rowId xmlns:a16="http://schemas.microsoft.com/office/drawing/2014/main" val="3050929225"/>
+                  </a:ext>
+                </a:extLst>
+              </a:tr>
+            </a:tbl>
+          </a:graphicData>
+        </a:graphic>
+      </p:graphicFrame>
+      <p:sp>
+        <p:nvSpPr>
+          <p:cNvPr id="5" name="TextBox 4">
+            <a:extLst>
+              <a:ext uri="{FF2B5EF4-FFF2-40B4-BE49-F238E27FC236}">
+                <a16:creationId xmlns:a16="http://schemas.microsoft.com/office/drawing/2014/main" id="{C0783F0A-6E83-FC47-8838-0C4835AB88F2}"/>
+              </a:ext>
+            </a:extLst>
+          </p:cNvPr>
+          <p:cNvSpPr txBox="1"/>
+          <p:nvPr/>
+        </p:nvSpPr>
+        <p:spPr>
+          <a:xfrm>
+            <a:off x="1413240" y="1574276"/>
+            <a:ext cx="2800541" cy="369332"/>
+          </a:xfrm>
+          <a:prstGeom prst="rect">
+            <a:avLst/>
+          </a:prstGeom>
+          <a:noFill/>
+        </p:spPr>
+        <p:txBody>
+          <a:bodyPr wrap="square" rtlCol="0">
+            <a:spAutoFit/>
+          </a:bodyPr>
+          <a:lstStyle/>
+          <a:p>
+            <a:r>
+              <a:rPr lang="en-DE" dirty="0"/>
+              <a:t>Uncore freq set to max </a:t>
+            </a:r>
+          </a:p>
+        </p:txBody>
+      </p:sp>
+      <p:graphicFrame>
+        <p:nvGraphicFramePr>
+          <p:cNvPr id="6" name="Table 7">
+            <a:extLst>
+              <a:ext uri="{FF2B5EF4-FFF2-40B4-BE49-F238E27FC236}">
+                <a16:creationId xmlns:a16="http://schemas.microsoft.com/office/drawing/2014/main" id="{BF1B59ED-5AEE-6B41-AD7B-375F0DCDDBD2}"/>
+              </a:ext>
+            </a:extLst>
+          </p:cNvPr>
+          <p:cNvGraphicFramePr>
+            <a:graphicFrameLocks noGrp="1"/>
+          </p:cNvGraphicFramePr>
+          <p:nvPr>
+            <p:extLst>
+              <p:ext uri="{D42A27DB-BD31-4B8C-83A1-F6EECF244321}">
+                <p14:modId xmlns:p14="http://schemas.microsoft.com/office/powerpoint/2010/main" val="2123013328"/>
+              </p:ext>
+            </p:extLst>
+          </p:nvPr>
+        </p:nvGraphicFramePr>
+        <p:xfrm>
+          <a:off x="2440762" y="4501578"/>
+          <a:ext cx="6490941" cy="1620457"/>
+        </p:xfrm>
+        <a:graphic>
+          <a:graphicData uri="http://schemas.openxmlformats.org/drawingml/2006/table">
+            <a:tbl>
+              <a:tblPr firstRow="1" bandRow="1">
+                <a:tableStyleId>{5C22544A-7EE6-4342-B048-85BDC9FD1C3A}</a:tableStyleId>
+              </a:tblPr>
+              <a:tblGrid>
+                <a:gridCol w="2178372">
+                  <a:extLst>
+                    <a:ext uri="{9D8B030D-6E8A-4147-A177-3AD203B41FA5}">
+                      <a16:colId xmlns:a16="http://schemas.microsoft.com/office/drawing/2014/main" val="1419859953"/>
+                    </a:ext>
+                  </a:extLst>
+                </a:gridCol>
+                <a:gridCol w="2177592">
+                  <a:extLst>
+                    <a:ext uri="{9D8B030D-6E8A-4147-A177-3AD203B41FA5}">
+                      <a16:colId xmlns:a16="http://schemas.microsoft.com/office/drawing/2014/main" val="1009805122"/>
+                    </a:ext>
+                  </a:extLst>
+                </a:gridCol>
+                <a:gridCol w="2134977">
+                  <a:extLst>
+                    <a:ext uri="{9D8B030D-6E8A-4147-A177-3AD203B41FA5}">
+                      <a16:colId xmlns:a16="http://schemas.microsoft.com/office/drawing/2014/main" val="4024804861"/>
+                    </a:ext>
+                  </a:extLst>
+                </a:gridCol>
+              </a:tblGrid>
+              <a:tr h="507937">
+                <a:tc>
+                  <a:txBody>
+                    <a:bodyPr/>
+                    <a:lstStyle/>
+                    <a:p>
+                      <a:r>
+                        <a:rPr lang="en-DE" dirty="0"/>
+                        <a:t>Metric</a:t>
+                      </a:r>
+                    </a:p>
+                  </a:txBody>
+                  <a:tcPr/>
+                </a:tc>
+                <a:tc>
+                  <a:txBody>
+                    <a:bodyPr/>
+                    <a:lstStyle/>
+                    <a:p>
+                      <a:r>
+                        <a:rPr lang="en-DE" dirty="0"/>
+                        <a:t>Stream(DRAM)</a:t>
+                      </a:r>
+                    </a:p>
+                  </a:txBody>
+                  <a:tcPr/>
+                </a:tc>
+                <a:tc>
+                  <a:txBody>
+                    <a:bodyPr/>
+                    <a:lstStyle/>
+                    <a:p>
+                      <a:r>
+                        <a:rPr lang="en-DE" dirty="0"/>
+                        <a:t>CG(C)</a:t>
+                      </a:r>
+                    </a:p>
+                  </a:txBody>
+                  <a:tcPr/>
+                </a:tc>
+                <a:extLst>
+                  <a:ext uri="{0D108BD9-81ED-4DB2-BD59-A6C34878D82A}">
+                    <a16:rowId xmlns:a16="http://schemas.microsoft.com/office/drawing/2014/main" val="2620433211"/>
+                  </a:ext>
+                </a:extLst>
+              </a:tr>
               <a:tr h="370840">
                 <a:tc>
                   <a:txBody>
                     <a:bodyPr/>
                     <a:lstStyle/>
                     <a:p>
+                      <a:pPr marL="0" marR="0" lvl="0" indent="0" algn="l" defTabSz="914400" rtl="0" eaLnBrk="1" fontAlgn="auto" latinLnBrk="0" hangingPunct="1">
+                        <a:lnSpc>
+                          <a:spcPct val="100000"/>
+                        </a:lnSpc>
+                        <a:spcBef>
+                          <a:spcPts val="0"/>
+                        </a:spcBef>
+                        <a:spcAft>
+                          <a:spcPts val="0"/>
+                        </a:spcAft>
+                        <a:buClrTx/>
+                        <a:buSzTx/>
+                        <a:buFontTx/>
+                        <a:buNone/>
+                        <a:tabLst/>
+                        <a:defRPr/>
+                      </a:pPr>
+                      <a:r>
+                        <a:rPr lang="en-DE" dirty="0"/>
+                        <a:t>Core clock/MHz</a:t>
+                      </a:r>
+                    </a:p>
+                  </a:txBody>
+                  <a:tcPr/>
+                </a:tc>
+                <a:tc>
+                  <a:txBody>
+                    <a:bodyPr/>
+                    <a:lstStyle/>
+                    <a:p>
+                      <a:r>
+                        <a:rPr lang="en-DE" dirty="0"/>
+                        <a:t>2789.7</a:t>
+                      </a:r>
+                    </a:p>
+                  </a:txBody>
+                  <a:tcPr/>
+                </a:tc>
+                <a:tc>
+                  <a:txBody>
+                    <a:bodyPr/>
+                    <a:lstStyle/>
+                    <a:p>
+                      <a:r>
+                        <a:rPr lang="en-DE" dirty="0"/>
+                        <a:t>2789.40</a:t>
+                      </a:r>
+                    </a:p>
+                  </a:txBody>
+                  <a:tcPr/>
+                </a:tc>
+                <a:extLst>
+                  <a:ext uri="{0D108BD9-81ED-4DB2-BD59-A6C34878D82A}">
+                    <a16:rowId xmlns:a16="http://schemas.microsoft.com/office/drawing/2014/main" val="3710599255"/>
+                  </a:ext>
+                </a:extLst>
+              </a:tr>
+              <a:tr h="370840">
+                <a:tc>
+                  <a:txBody>
+                    <a:bodyPr/>
+                    <a:lstStyle/>
+                    <a:p>
+                      <a:pPr marL="0" marR="0" lvl="0" indent="0" algn="l" defTabSz="914400" rtl="0" eaLnBrk="1" fontAlgn="auto" latinLnBrk="0" hangingPunct="1">
+                        <a:lnSpc>
+                          <a:spcPct val="100000"/>
+                        </a:lnSpc>
+                        <a:spcBef>
+                          <a:spcPts val="0"/>
+                        </a:spcBef>
+                        <a:spcAft>
+                          <a:spcPts val="0"/>
+                        </a:spcAft>
+                        <a:buClrTx/>
+                        <a:buSzTx/>
+                        <a:buFontTx/>
+                        <a:buNone/>
+                        <a:tabLst/>
+                        <a:defRPr/>
+                      </a:pPr>
                       <a:r>
                         <a:rPr lang="en-DE" dirty="0"/>
                         <a:t>Core total stall</a:t>
@@ -3645,7 +10448,7 @@
                     <a:p>
                       <a:r>
                         <a:rPr lang="en-DE" dirty="0"/>
-                        <a:t>73%</a:t>
+                        <a:t>71.4%</a:t>
                       </a:r>
                     </a:p>
                   </a:txBody>
@@ -3658,7 +10461,7 @@
                     <a:p>
                       <a:r>
                         <a:rPr lang="en-DE" dirty="0"/>
-                        <a:t>75.4%</a:t>
+                        <a:t>78%</a:t>
                       </a:r>
                     </a:p>
                   </a:txBody>
@@ -3666,7 +10469,7 @@
                 </a:tc>
                 <a:extLst>
                   <a:ext uri="{0D108BD9-81ED-4DB2-BD59-A6C34878D82A}">
-                    <a16:rowId xmlns:a16="http://schemas.microsoft.com/office/drawing/2014/main" val="3002675458"/>
+                    <a16:rowId xmlns:a16="http://schemas.microsoft.com/office/drawing/2014/main" val="459966514"/>
                   </a:ext>
                 </a:extLst>
               </a:tr>
@@ -3676,9 +10479,26 @@
                     <a:bodyPr/>
                     <a:lstStyle/>
                     <a:p>
+                      <a:pPr marL="0" marR="0" lvl="0" indent="0" algn="l" defTabSz="914400" rtl="0" eaLnBrk="1" fontAlgn="auto" latinLnBrk="0" hangingPunct="1">
+                        <a:lnSpc>
+                          <a:spcPct val="100000"/>
+                        </a:lnSpc>
+                        <a:spcBef>
+                          <a:spcPts val="0"/>
+                        </a:spcBef>
+                        <a:spcAft>
+                          <a:spcPts val="0"/>
+                        </a:spcAft>
+                        <a:buClrTx/>
+                        <a:buSzTx/>
+                        <a:buFontTx/>
+                        <a:buNone/>
+                        <a:tabLst/>
+                        <a:defRPr/>
+                      </a:pPr>
                       <a:r>
                         <a:rPr lang="en-DE" dirty="0"/>
-                        <a:t>L2 stall</a:t>
+                        <a:t>CPI(average)</a:t>
                       </a:r>
                     </a:p>
                   </a:txBody>
@@ -3691,7 +10511,7 @@
                     <a:p>
                       <a:r>
                         <a:rPr lang="en-DE" dirty="0"/>
-                        <a:t>31.9%</a:t>
+                        <a:t>1.9</a:t>
                       </a:r>
                     </a:p>
                   </a:txBody>
@@ -3704,7 +10524,7 @@
                     <a:p>
                       <a:r>
                         <a:rPr lang="en-DE" dirty="0"/>
-                        <a:t>73.1%</a:t>
+                        <a:t>2.7</a:t>
                       </a:r>
                     </a:p>
                   </a:txBody>
@@ -3712,173 +10532,7 @@
                 </a:tc>
                 <a:extLst>
                   <a:ext uri="{0D108BD9-81ED-4DB2-BD59-A6C34878D82A}">
-                    <a16:rowId xmlns:a16="http://schemas.microsoft.com/office/drawing/2014/main" val="3188984907"/>
-                  </a:ext>
-                </a:extLst>
-              </a:tr>
-              <a:tr h="370840">
-                <a:tc>
-                  <a:txBody>
-                    <a:bodyPr/>
-                    <a:lstStyle/>
-                    <a:p>
-                      <a:r>
-                        <a:rPr lang="en-DE" dirty="0"/>
-                        <a:t>Ldm stall</a:t>
-                      </a:r>
-                    </a:p>
-                  </a:txBody>
-                  <a:tcPr/>
-                </a:tc>
-                <a:tc>
-                  <a:txBody>
-                    <a:bodyPr/>
-                    <a:lstStyle/>
-                    <a:p>
-                      <a:r>
-                        <a:rPr lang="en-DE" dirty="0"/>
-                        <a:t>38.8%</a:t>
-                      </a:r>
-                    </a:p>
-                  </a:txBody>
-                  <a:tcPr/>
-                </a:tc>
-                <a:tc>
-                  <a:txBody>
-                    <a:bodyPr/>
-                    <a:lstStyle/>
-                    <a:p>
-                      <a:r>
-                        <a:rPr lang="en-DE" dirty="0"/>
-                        <a:t>73.4%</a:t>
-                      </a:r>
-                    </a:p>
-                  </a:txBody>
-                  <a:tcPr/>
-                </a:tc>
-                <a:extLst>
-                  <a:ext uri="{0D108BD9-81ED-4DB2-BD59-A6C34878D82A}">
-                    <a16:rowId xmlns:a16="http://schemas.microsoft.com/office/drawing/2014/main" val="2335539884"/>
-                  </a:ext>
-                </a:extLst>
-              </a:tr>
-              <a:tr h="370840">
-                <a:tc>
-                  <a:txBody>
-                    <a:bodyPr/>
-                    <a:lstStyle/>
-                    <a:p>
-                      <a:r>
-                        <a:rPr lang="en-DE" dirty="0"/>
-                        <a:t>CPI</a:t>
-                      </a:r>
-                    </a:p>
-                  </a:txBody>
-                  <a:tcPr/>
-                </a:tc>
-                <a:tc>
-                  <a:txBody>
-                    <a:bodyPr/>
-                    <a:lstStyle/>
-                    <a:p>
-                      <a:r>
-                        <a:rPr lang="en-DE" dirty="0"/>
-                        <a:t>1.92</a:t>
-                      </a:r>
-                    </a:p>
-                  </a:txBody>
-                  <a:tcPr/>
-                </a:tc>
-                <a:tc>
-                  <a:txBody>
-                    <a:bodyPr/>
-                    <a:lstStyle/>
-                    <a:p>
-                      <a:r>
-                        <a:rPr lang="en-DE" dirty="0"/>
-                        <a:t>2.4139</a:t>
-                      </a:r>
-                    </a:p>
-                  </a:txBody>
-                  <a:tcPr/>
-                </a:tc>
-                <a:extLst>
-                  <a:ext uri="{0D108BD9-81ED-4DB2-BD59-A6C34878D82A}">
-                    <a16:rowId xmlns:a16="http://schemas.microsoft.com/office/drawing/2014/main" val="3050929225"/>
-                  </a:ext>
-                </a:extLst>
-              </a:tr>
-              <a:tr h="370840">
-                <a:tc>
-                  <a:txBody>
-                    <a:bodyPr/>
-                    <a:lstStyle/>
-                    <a:p>
-                      <a:endParaRPr lang="en-DE" dirty="0"/>
-                    </a:p>
-                  </a:txBody>
-                  <a:tcPr/>
-                </a:tc>
-                <a:tc>
-                  <a:txBody>
-                    <a:bodyPr/>
-                    <a:lstStyle/>
-                    <a:p>
-                      <a:endParaRPr lang="en-DE"/>
-                    </a:p>
-                  </a:txBody>
-                  <a:tcPr/>
-                </a:tc>
-                <a:tc>
-                  <a:txBody>
-                    <a:bodyPr/>
-                    <a:lstStyle/>
-                    <a:p>
-                      <a:endParaRPr lang="en-DE"/>
-                    </a:p>
-                  </a:txBody>
-                  <a:tcPr/>
-                </a:tc>
-                <a:extLst>
-                  <a:ext uri="{0D108BD9-81ED-4DB2-BD59-A6C34878D82A}">
-                    <a16:rowId xmlns:a16="http://schemas.microsoft.com/office/drawing/2014/main" val="1212372571"/>
-                  </a:ext>
-                </a:extLst>
-              </a:tr>
-              <a:tr h="370840">
-                <a:tc>
-                  <a:txBody>
-                    <a:bodyPr/>
-                    <a:lstStyle/>
-                    <a:p>
-                      <a:endParaRPr lang="en-DE"/>
-                    </a:p>
-                  </a:txBody>
-                  <a:tcPr/>
-                </a:tc>
-                <a:tc>
-                  <a:txBody>
-                    <a:bodyPr/>
-                    <a:lstStyle/>
-                    <a:p>
-                      <a:endParaRPr lang="en-DE"/>
-                    </a:p>
-                  </a:txBody>
-                  <a:tcPr/>
-                </a:tc>
-                <a:tc>
-                  <a:txBody>
-                    <a:bodyPr/>
-                    <a:lstStyle/>
-                    <a:p>
-                      <a:endParaRPr lang="en-DE" dirty="0"/>
-                    </a:p>
-                  </a:txBody>
-                  <a:tcPr/>
-                </a:tc>
-                <a:extLst>
-                  <a:ext uri="{0D108BD9-81ED-4DB2-BD59-A6C34878D82A}">
-                    <a16:rowId xmlns:a16="http://schemas.microsoft.com/office/drawing/2014/main" val="2808126645"/>
+                    <a16:rowId xmlns:a16="http://schemas.microsoft.com/office/drawing/2014/main" val="2347190106"/>
                   </a:ext>
                 </a:extLst>
               </a:tr>
@@ -3886,6 +10540,111 @@
           </a:graphicData>
         </a:graphic>
       </p:graphicFrame>
+      <p:sp>
+        <p:nvSpPr>
+          <p:cNvPr id="8" name="TextBox 7">
+            <a:extLst>
+              <a:ext uri="{FF2B5EF4-FFF2-40B4-BE49-F238E27FC236}">
+                <a16:creationId xmlns:a16="http://schemas.microsoft.com/office/drawing/2014/main" id="{8C7792C6-C25E-3744-9E6B-2C4CF2F52267}"/>
+              </a:ext>
+            </a:extLst>
+          </p:cNvPr>
+          <p:cNvSpPr txBox="1"/>
+          <p:nvPr/>
+        </p:nvSpPr>
+        <p:spPr>
+          <a:xfrm>
+            <a:off x="838200" y="2667786"/>
+            <a:ext cx="1235697" cy="369332"/>
+          </a:xfrm>
+          <a:prstGeom prst="rect">
+            <a:avLst/>
+          </a:prstGeom>
+          <a:noFill/>
+        </p:spPr>
+        <p:txBody>
+          <a:bodyPr wrap="square" rtlCol="0">
+            <a:spAutoFit/>
+          </a:bodyPr>
+          <a:lstStyle/>
+          <a:p>
+            <a:r>
+              <a:rPr lang="en-DE" dirty="0"/>
+              <a:t>L3:</a:t>
+            </a:r>
+          </a:p>
+        </p:txBody>
+      </p:sp>
+      <p:sp>
+        <p:nvSpPr>
+          <p:cNvPr id="9" name="TextBox 8">
+            <a:extLst>
+              <a:ext uri="{FF2B5EF4-FFF2-40B4-BE49-F238E27FC236}">
+                <a16:creationId xmlns:a16="http://schemas.microsoft.com/office/drawing/2014/main" id="{060A8CB2-DC59-F948-A110-CBF0702B9E23}"/>
+              </a:ext>
+            </a:extLst>
+          </p:cNvPr>
+          <p:cNvSpPr txBox="1"/>
+          <p:nvPr/>
+        </p:nvSpPr>
+        <p:spPr>
+          <a:xfrm>
+            <a:off x="754144" y="5194169"/>
+            <a:ext cx="1366887" cy="369332"/>
+          </a:xfrm>
+          <a:prstGeom prst="rect">
+            <a:avLst/>
+          </a:prstGeom>
+          <a:noFill/>
+        </p:spPr>
+        <p:txBody>
+          <a:bodyPr wrap="square" rtlCol="0">
+            <a:spAutoFit/>
+          </a:bodyPr>
+          <a:lstStyle/>
+          <a:p>
+            <a:r>
+              <a:rPr lang="en-DE" dirty="0"/>
+              <a:t>DRAM:</a:t>
+            </a:r>
+          </a:p>
+        </p:txBody>
+      </p:sp>
+      <p:sp>
+        <p:nvSpPr>
+          <p:cNvPr id="10" name="TextBox 9">
+            <a:extLst>
+              <a:ext uri="{FF2B5EF4-FFF2-40B4-BE49-F238E27FC236}">
+                <a16:creationId xmlns:a16="http://schemas.microsoft.com/office/drawing/2014/main" id="{E80355E8-69CB-FD42-A9FE-334EB8B16FE4}"/>
+              </a:ext>
+            </a:extLst>
+          </p:cNvPr>
+          <p:cNvSpPr txBox="1"/>
+          <p:nvPr/>
+        </p:nvSpPr>
+        <p:spPr>
+          <a:xfrm>
+            <a:off x="9407951" y="2149311"/>
+            <a:ext cx="2630078" cy="646331"/>
+          </a:xfrm>
+          <a:prstGeom prst="rect">
+            <a:avLst/>
+          </a:prstGeom>
+          <a:noFill/>
+        </p:spPr>
+        <p:txBody>
+          <a:bodyPr wrap="square" rtlCol="0">
+            <a:spAutoFit/>
+          </a:bodyPr>
+          <a:lstStyle/>
+          <a:p>
+            <a:r>
+              <a:rPr lang="en-DE" dirty="0"/>
+              <a:t>Stream reaches better CPU performance</a:t>
+            </a:r>
+          </a:p>
+        </p:txBody>
+      </p:sp>
     </p:spTree>
     <p:extLst>
       <p:ext uri="{BB962C8B-B14F-4D97-AF65-F5344CB8AC3E}">
@@ -3899,7 +10658,7 @@
 </p:sld>
 </file>
 
-<file path=ppt/slides/slide3.xml><?xml version="1.0" encoding="utf-8"?>
+<file path=ppt/slides/slide9.xml><?xml version="1.0" encoding="utf-8"?>
 <p:sld xmlns:a="http://schemas.openxmlformats.org/drawingml/2006/main" xmlns:r="http://schemas.openxmlformats.org/officeDocument/2006/relationships" xmlns:p="http://schemas.openxmlformats.org/presentationml/2006/main">
   <p:cSld>
     <p:spTree>
@@ -3960,14 +10719,14 @@
             <p:ph idx="1"/>
             <p:extLst>
               <p:ext uri="{D42A27DB-BD31-4B8C-83A1-F6EECF244321}">
-                <p14:modId xmlns:p14="http://schemas.microsoft.com/office/powerpoint/2010/main" val="3416772922"/>
+                <p14:modId xmlns:p14="http://schemas.microsoft.com/office/powerpoint/2010/main" val="3912557163"/>
               </p:ext>
             </p:extLst>
           </p:nvPr>
         </p:nvGraphicFramePr>
         <p:xfrm>
-          <a:off x="838200" y="1825625"/>
-          <a:ext cx="10515597" cy="2966720"/>
+          <a:off x="2780121" y="2146136"/>
+          <a:ext cx="6130368" cy="2926080"/>
         </p:xfrm>
         <a:graphic>
           <a:graphicData uri="http://schemas.openxmlformats.org/drawingml/2006/table">
@@ -3976,21 +10735,21 @@
                 <a:tableStyleId>{5C22544A-7EE6-4342-B048-85BDC9FD1C3A}</a:tableStyleId>
               </a:tblPr>
               <a:tblGrid>
-                <a:gridCol w="3505199">
+                <a:gridCol w="2043456">
                   <a:extLst>
                     <a:ext uri="{9D8B030D-6E8A-4147-A177-3AD203B41FA5}">
                       <a16:colId xmlns:a16="http://schemas.microsoft.com/office/drawing/2014/main" val="67342494"/>
                     </a:ext>
                   </a:extLst>
                 </a:gridCol>
-                <a:gridCol w="3505199">
+                <a:gridCol w="2043456">
                   <a:extLst>
                     <a:ext uri="{9D8B030D-6E8A-4147-A177-3AD203B41FA5}">
                       <a16:colId xmlns:a16="http://schemas.microsoft.com/office/drawing/2014/main" val="3987318667"/>
                     </a:ext>
                   </a:extLst>
                 </a:gridCol>
-                <a:gridCol w="3505199">
+                <a:gridCol w="2043456">
                   <a:extLst>
                     <a:ext uri="{9D8B030D-6E8A-4147-A177-3AD203B41FA5}">
                       <a16:colId xmlns:a16="http://schemas.microsoft.com/office/drawing/2014/main" val="294934867"/>
@@ -3998,7 +10757,7 @@
                   </a:extLst>
                 </a:gridCol>
               </a:tblGrid>
-              <a:tr h="370840">
+              <a:tr h="362151">
                 <a:tc>
                   <a:txBody>
                     <a:bodyPr/>
@@ -4019,7 +10778,7 @@
                     <a:p>
                       <a:r>
                         <a:rPr lang="en-DE" dirty="0"/>
-                        <a:t>Sream</a:t>
+                        <a:t>Sream(L3)</a:t>
                       </a:r>
                     </a:p>
                   </a:txBody>
@@ -4032,7 +10791,7 @@
                     <a:p>
                       <a:r>
                         <a:rPr lang="en-DE" dirty="0"/>
-                        <a:t>CG</a:t>
+                        <a:t>CG(C)</a:t>
                       </a:r>
                     </a:p>
                   </a:txBody>
@@ -4044,7 +10803,7 @@
                   </a:ext>
                 </a:extLst>
               </a:tr>
-              <a:tr h="370840">
+              <a:tr h="362151">
                 <a:tc>
                   <a:txBody>
                     <a:bodyPr/>
@@ -4052,7 +10811,7 @@
                     <a:p>
                       <a:r>
                         <a:rPr lang="en-DE" dirty="0"/>
-                        <a:t>PKG power</a:t>
+                        <a:t>PKG power/W</a:t>
                       </a:r>
                     </a:p>
                   </a:txBody>
@@ -4065,7 +10824,7 @@
                     <a:p>
                       <a:r>
                         <a:rPr lang="en-DE" dirty="0"/>
-                        <a:t>126.5</a:t>
+                        <a:t>141.8</a:t>
                       </a:r>
                     </a:p>
                   </a:txBody>
@@ -4091,7 +10850,7 @@
                   </a:ext>
                 </a:extLst>
               </a:tr>
-              <a:tr h="370840">
+              <a:tr h="362151">
                 <a:tc>
                   <a:txBody>
                     <a:bodyPr/>
@@ -4099,7 +10858,7 @@
                     <a:p>
                       <a:r>
                         <a:rPr lang="en-DE" dirty="0"/>
-                        <a:t>DRAM power</a:t>
+                        <a:t>DRAM power/w</a:t>
                       </a:r>
                     </a:p>
                   </a:txBody>
@@ -4112,7 +10871,7 @@
                     <a:p>
                       <a:r>
                         <a:rPr lang="en-DE" dirty="0"/>
-                        <a:t>18.3</a:t>
+                        <a:t>6.17</a:t>
                       </a:r>
                     </a:p>
                   </a:txBody>
@@ -4138,16 +10897,13 @@
                   </a:ext>
                 </a:extLst>
               </a:tr>
-              <a:tr h="370840">
+              <a:tr h="362151">
                 <a:tc>
                   <a:txBody>
                     <a:bodyPr/>
                     <a:lstStyle/>
                     <a:p>
-                      <a:r>
-                        <a:rPr lang="en-DE" dirty="0"/>
-                        <a:t>PKG Energy</a:t>
-                      </a:r>
+                      <a:endParaRPr lang="en-DE" dirty="0"/>
                     </a:p>
                   </a:txBody>
                   <a:tcPr/>
@@ -4157,10 +10913,7 @@
                     <a:bodyPr/>
                     <a:lstStyle/>
                     <a:p>
-                      <a:r>
-                        <a:rPr lang="en-DE" dirty="0"/>
-                        <a:t>2782</a:t>
-                      </a:r>
+                      <a:endParaRPr lang="en-DE" dirty="0"/>
                     </a:p>
                   </a:txBody>
                   <a:tcPr/>
@@ -4170,10 +10923,6 @@
                     <a:bodyPr/>
                     <a:lstStyle/>
                     <a:p>
-                      <a:r>
-                        <a:rPr lang="en-US" altLang="zh-CN" dirty="0"/>
-                        <a:t>4046.6</a:t>
-                      </a:r>
                       <a:endParaRPr lang="en-DE" dirty="0"/>
                     </a:p>
                   </a:txBody>
@@ -4185,16 +10934,13 @@
                   </a:ext>
                 </a:extLst>
               </a:tr>
-              <a:tr h="370840">
+              <a:tr h="362151">
                 <a:tc>
                   <a:txBody>
                     <a:bodyPr/>
                     <a:lstStyle/>
                     <a:p>
-                      <a:r>
-                        <a:rPr lang="en-DE" dirty="0"/>
-                        <a:t>DRAM Energy</a:t>
-                      </a:r>
+                      <a:endParaRPr lang="en-DE" dirty="0"/>
                     </a:p>
                   </a:txBody>
                   <a:tcPr/>
@@ -4204,10 +10950,7 @@
                     <a:bodyPr/>
                     <a:lstStyle/>
                     <a:p>
-                      <a:r>
-                        <a:rPr lang="en-DE" dirty="0"/>
-                        <a:t>403.4</a:t>
-                      </a:r>
+                      <a:endParaRPr lang="en-DE" dirty="0"/>
                     </a:p>
                   </a:txBody>
                   <a:tcPr/>
@@ -4217,10 +10960,6 @@
                     <a:bodyPr/>
                     <a:lstStyle/>
                     <a:p>
-                      <a:r>
-                        <a:rPr lang="en-US" altLang="zh-CN" dirty="0"/>
-                        <a:t>429.3</a:t>
-                      </a:r>
                       <a:endParaRPr lang="en-DE" dirty="0"/>
                     </a:p>
                   </a:txBody>
@@ -4232,7 +10971,7 @@
                   </a:ext>
                 </a:extLst>
               </a:tr>
-              <a:tr h="370840">
+              <a:tr h="362151">
                 <a:tc>
                   <a:txBody>
                     <a:bodyPr/>
@@ -4258,7 +10997,7 @@
                     <a:bodyPr/>
                     <a:lstStyle/>
                     <a:p>
-                      <a:endParaRPr lang="en-DE"/>
+                      <a:endParaRPr lang="en-DE" dirty="0"/>
                     </a:p>
                   </a:txBody>
                   <a:tcPr/>
@@ -4269,7 +11008,7 @@
                   </a:ext>
                 </a:extLst>
               </a:tr>
-              <a:tr h="370840">
+              <a:tr h="362151">
                 <a:tc>
                   <a:txBody>
                     <a:bodyPr/>
@@ -4306,7 +11045,7 @@
                   </a:ext>
                 </a:extLst>
               </a:tr>
-              <a:tr h="370840">
+              <a:tr h="362151">
                 <a:tc>
                   <a:txBody>
                     <a:bodyPr/>
@@ -4351,427 +11090,6 @@
     <p:extLst>
       <p:ext uri="{BB962C8B-B14F-4D97-AF65-F5344CB8AC3E}">
         <p14:creationId xmlns:p14="http://schemas.microsoft.com/office/powerpoint/2010/main" val="336029811"/>
-      </p:ext>
-    </p:extLst>
-  </p:cSld>
-  <p:clrMapOvr>
-    <a:masterClrMapping/>
-  </p:clrMapOvr>
-</p:sld>
-</file>
-
-<file path=ppt/slides/slide4.xml><?xml version="1.0" encoding="utf-8"?>
-<p:sld xmlns:a="http://schemas.openxmlformats.org/drawingml/2006/main" xmlns:r="http://schemas.openxmlformats.org/officeDocument/2006/relationships" xmlns:p="http://schemas.openxmlformats.org/presentationml/2006/main">
-  <p:cSld>
-    <p:spTree>
-      <p:nvGrpSpPr>
-        <p:cNvPr id="1" name=""/>
-        <p:cNvGrpSpPr/>
-        <p:nvPr/>
-      </p:nvGrpSpPr>
-      <p:grpSpPr>
-        <a:xfrm>
-          <a:off x="0" y="0"/>
-          <a:ext cx="0" cy="0"/>
-          <a:chOff x="0" y="0"/>
-          <a:chExt cx="0" cy="0"/>
-        </a:xfrm>
-      </p:grpSpPr>
-      <p:sp>
-        <p:nvSpPr>
-          <p:cNvPr id="2" name="Title 1">
-            <a:extLst>
-              <a:ext uri="{FF2B5EF4-FFF2-40B4-BE49-F238E27FC236}">
-                <a16:creationId xmlns:a16="http://schemas.microsoft.com/office/drawing/2014/main" id="{8B2B1E36-3896-9142-A788-30FE50AFF0C8}"/>
-              </a:ext>
-            </a:extLst>
-          </p:cNvPr>
-          <p:cNvSpPr>
-            <a:spLocks noGrp="1"/>
-          </p:cNvSpPr>
-          <p:nvPr>
-            <p:ph type="title"/>
-          </p:nvPr>
-        </p:nvSpPr>
-        <p:spPr/>
-        <p:txBody>
-          <a:bodyPr/>
-          <a:lstStyle/>
-          <a:p>
-            <a:r>
-              <a:rPr lang="en-DE" dirty="0"/>
-              <a:t>DRAM	</a:t>
-            </a:r>
-          </a:p>
-        </p:txBody>
-      </p:sp>
-      <p:graphicFrame>
-        <p:nvGraphicFramePr>
-          <p:cNvPr id="4" name="Table 4">
-            <a:extLst>
-              <a:ext uri="{FF2B5EF4-FFF2-40B4-BE49-F238E27FC236}">
-                <a16:creationId xmlns:a16="http://schemas.microsoft.com/office/drawing/2014/main" id="{A3246625-6D9C-9049-A9C0-64249367F3EF}"/>
-              </a:ext>
-            </a:extLst>
-          </p:cNvPr>
-          <p:cNvGraphicFramePr>
-            <a:graphicFrameLocks noGrp="1"/>
-          </p:cNvGraphicFramePr>
-          <p:nvPr>
-            <p:ph idx="1"/>
-            <p:extLst>
-              <p:ext uri="{D42A27DB-BD31-4B8C-83A1-F6EECF244321}">
-                <p14:modId xmlns:p14="http://schemas.microsoft.com/office/powerpoint/2010/main" val="2628739350"/>
-              </p:ext>
-            </p:extLst>
-          </p:nvPr>
-        </p:nvGraphicFramePr>
-        <p:xfrm>
-          <a:off x="838200" y="1825625"/>
-          <a:ext cx="10515597" cy="2966720"/>
-        </p:xfrm>
-        <a:graphic>
-          <a:graphicData uri="http://schemas.openxmlformats.org/drawingml/2006/table">
-            <a:tbl>
-              <a:tblPr firstRow="1" bandRow="1">
-                <a:tableStyleId>{5C22544A-7EE6-4342-B048-85BDC9FD1C3A}</a:tableStyleId>
-              </a:tblPr>
-              <a:tblGrid>
-                <a:gridCol w="3505199">
-                  <a:extLst>
-                    <a:ext uri="{9D8B030D-6E8A-4147-A177-3AD203B41FA5}">
-                      <a16:colId xmlns:a16="http://schemas.microsoft.com/office/drawing/2014/main" val="494843173"/>
-                    </a:ext>
-                  </a:extLst>
-                </a:gridCol>
-                <a:gridCol w="3505199">
-                  <a:extLst>
-                    <a:ext uri="{9D8B030D-6E8A-4147-A177-3AD203B41FA5}">
-                      <a16:colId xmlns:a16="http://schemas.microsoft.com/office/drawing/2014/main" val="2091083628"/>
-                    </a:ext>
-                  </a:extLst>
-                </a:gridCol>
-                <a:gridCol w="3505199">
-                  <a:extLst>
-                    <a:ext uri="{9D8B030D-6E8A-4147-A177-3AD203B41FA5}">
-                      <a16:colId xmlns:a16="http://schemas.microsoft.com/office/drawing/2014/main" val="2069564298"/>
-                    </a:ext>
-                  </a:extLst>
-                </a:gridCol>
-              </a:tblGrid>
-              <a:tr h="370840">
-                <a:tc>
-                  <a:txBody>
-                    <a:bodyPr/>
-                    <a:lstStyle/>
-                    <a:p>
-                      <a:r>
-                        <a:rPr lang="en-DE" dirty="0"/>
-                        <a:t>Metric</a:t>
-                      </a:r>
-                    </a:p>
-                  </a:txBody>
-                  <a:tcPr/>
-                </a:tc>
-                <a:tc>
-                  <a:txBody>
-                    <a:bodyPr/>
-                    <a:lstStyle/>
-                    <a:p>
-                      <a:r>
-                        <a:rPr lang="en-DE" dirty="0"/>
-                        <a:t>Stream</a:t>
-                      </a:r>
-                    </a:p>
-                  </a:txBody>
-                  <a:tcPr/>
-                </a:tc>
-                <a:tc>
-                  <a:txBody>
-                    <a:bodyPr/>
-                    <a:lstStyle/>
-                    <a:p>
-                      <a:r>
-                        <a:rPr lang="en-DE" dirty="0"/>
-                        <a:t>CG</a:t>
-                      </a:r>
-                    </a:p>
-                  </a:txBody>
-                  <a:tcPr/>
-                </a:tc>
-                <a:extLst>
-                  <a:ext uri="{0D108BD9-81ED-4DB2-BD59-A6C34878D82A}">
-                    <a16:rowId xmlns:a16="http://schemas.microsoft.com/office/drawing/2014/main" val="3944188148"/>
-                  </a:ext>
-                </a:extLst>
-              </a:tr>
-              <a:tr h="370840">
-                <a:tc>
-                  <a:txBody>
-                    <a:bodyPr/>
-                    <a:lstStyle/>
-                    <a:p>
-                      <a:endParaRPr lang="en-DE" dirty="0"/>
-                    </a:p>
-                  </a:txBody>
-                  <a:tcPr/>
-                </a:tc>
-                <a:tc>
-                  <a:txBody>
-                    <a:bodyPr/>
-                    <a:lstStyle/>
-                    <a:p>
-                      <a:endParaRPr lang="en-DE"/>
-                    </a:p>
-                  </a:txBody>
-                  <a:tcPr/>
-                </a:tc>
-                <a:tc>
-                  <a:txBody>
-                    <a:bodyPr/>
-                    <a:lstStyle/>
-                    <a:p>
-                      <a:endParaRPr lang="en-DE"/>
-                    </a:p>
-                  </a:txBody>
-                  <a:tcPr/>
-                </a:tc>
-                <a:extLst>
-                  <a:ext uri="{0D108BD9-81ED-4DB2-BD59-A6C34878D82A}">
-                    <a16:rowId xmlns:a16="http://schemas.microsoft.com/office/drawing/2014/main" val="242735235"/>
-                  </a:ext>
-                </a:extLst>
-              </a:tr>
-              <a:tr h="370840">
-                <a:tc>
-                  <a:txBody>
-                    <a:bodyPr/>
-                    <a:lstStyle/>
-                    <a:p>
-                      <a:endParaRPr lang="en-DE"/>
-                    </a:p>
-                  </a:txBody>
-                  <a:tcPr/>
-                </a:tc>
-                <a:tc>
-                  <a:txBody>
-                    <a:bodyPr/>
-                    <a:lstStyle/>
-                    <a:p>
-                      <a:endParaRPr lang="en-DE"/>
-                    </a:p>
-                  </a:txBody>
-                  <a:tcPr/>
-                </a:tc>
-                <a:tc>
-                  <a:txBody>
-                    <a:bodyPr/>
-                    <a:lstStyle/>
-                    <a:p>
-                      <a:endParaRPr lang="en-DE"/>
-                    </a:p>
-                  </a:txBody>
-                  <a:tcPr/>
-                </a:tc>
-                <a:extLst>
-                  <a:ext uri="{0D108BD9-81ED-4DB2-BD59-A6C34878D82A}">
-                    <a16:rowId xmlns:a16="http://schemas.microsoft.com/office/drawing/2014/main" val="1003552824"/>
-                  </a:ext>
-                </a:extLst>
-              </a:tr>
-              <a:tr h="370840">
-                <a:tc>
-                  <a:txBody>
-                    <a:bodyPr/>
-                    <a:lstStyle/>
-                    <a:p>
-                      <a:endParaRPr lang="en-DE"/>
-                    </a:p>
-                  </a:txBody>
-                  <a:tcPr/>
-                </a:tc>
-                <a:tc>
-                  <a:txBody>
-                    <a:bodyPr/>
-                    <a:lstStyle/>
-                    <a:p>
-                      <a:endParaRPr lang="en-DE"/>
-                    </a:p>
-                  </a:txBody>
-                  <a:tcPr/>
-                </a:tc>
-                <a:tc>
-                  <a:txBody>
-                    <a:bodyPr/>
-                    <a:lstStyle/>
-                    <a:p>
-                      <a:endParaRPr lang="en-DE"/>
-                    </a:p>
-                  </a:txBody>
-                  <a:tcPr/>
-                </a:tc>
-                <a:extLst>
-                  <a:ext uri="{0D108BD9-81ED-4DB2-BD59-A6C34878D82A}">
-                    <a16:rowId xmlns:a16="http://schemas.microsoft.com/office/drawing/2014/main" val="4060138468"/>
-                  </a:ext>
-                </a:extLst>
-              </a:tr>
-              <a:tr h="370840">
-                <a:tc>
-                  <a:txBody>
-                    <a:bodyPr/>
-                    <a:lstStyle/>
-                    <a:p>
-                      <a:endParaRPr lang="en-DE"/>
-                    </a:p>
-                  </a:txBody>
-                  <a:tcPr/>
-                </a:tc>
-                <a:tc>
-                  <a:txBody>
-                    <a:bodyPr/>
-                    <a:lstStyle/>
-                    <a:p>
-                      <a:endParaRPr lang="en-DE"/>
-                    </a:p>
-                  </a:txBody>
-                  <a:tcPr/>
-                </a:tc>
-                <a:tc>
-                  <a:txBody>
-                    <a:bodyPr/>
-                    <a:lstStyle/>
-                    <a:p>
-                      <a:endParaRPr lang="en-DE"/>
-                    </a:p>
-                  </a:txBody>
-                  <a:tcPr/>
-                </a:tc>
-                <a:extLst>
-                  <a:ext uri="{0D108BD9-81ED-4DB2-BD59-A6C34878D82A}">
-                    <a16:rowId xmlns:a16="http://schemas.microsoft.com/office/drawing/2014/main" val="3631062724"/>
-                  </a:ext>
-                </a:extLst>
-              </a:tr>
-              <a:tr h="370840">
-                <a:tc>
-                  <a:txBody>
-                    <a:bodyPr/>
-                    <a:lstStyle/>
-                    <a:p>
-                      <a:endParaRPr lang="en-DE"/>
-                    </a:p>
-                  </a:txBody>
-                  <a:tcPr/>
-                </a:tc>
-                <a:tc>
-                  <a:txBody>
-                    <a:bodyPr/>
-                    <a:lstStyle/>
-                    <a:p>
-                      <a:endParaRPr lang="en-DE"/>
-                    </a:p>
-                  </a:txBody>
-                  <a:tcPr/>
-                </a:tc>
-                <a:tc>
-                  <a:txBody>
-                    <a:bodyPr/>
-                    <a:lstStyle/>
-                    <a:p>
-                      <a:endParaRPr lang="en-DE"/>
-                    </a:p>
-                  </a:txBody>
-                  <a:tcPr/>
-                </a:tc>
-                <a:extLst>
-                  <a:ext uri="{0D108BD9-81ED-4DB2-BD59-A6C34878D82A}">
-                    <a16:rowId xmlns:a16="http://schemas.microsoft.com/office/drawing/2014/main" val="3391459361"/>
-                  </a:ext>
-                </a:extLst>
-              </a:tr>
-              <a:tr h="370840">
-                <a:tc>
-                  <a:txBody>
-                    <a:bodyPr/>
-                    <a:lstStyle/>
-                    <a:p>
-                      <a:endParaRPr lang="en-DE"/>
-                    </a:p>
-                  </a:txBody>
-                  <a:tcPr/>
-                </a:tc>
-                <a:tc>
-                  <a:txBody>
-                    <a:bodyPr/>
-                    <a:lstStyle/>
-                    <a:p>
-                      <a:endParaRPr lang="en-DE"/>
-                    </a:p>
-                  </a:txBody>
-                  <a:tcPr/>
-                </a:tc>
-                <a:tc>
-                  <a:txBody>
-                    <a:bodyPr/>
-                    <a:lstStyle/>
-                    <a:p>
-                      <a:endParaRPr lang="en-DE"/>
-                    </a:p>
-                  </a:txBody>
-                  <a:tcPr/>
-                </a:tc>
-                <a:extLst>
-                  <a:ext uri="{0D108BD9-81ED-4DB2-BD59-A6C34878D82A}">
-                    <a16:rowId xmlns:a16="http://schemas.microsoft.com/office/drawing/2014/main" val="1881127213"/>
-                  </a:ext>
-                </a:extLst>
-              </a:tr>
-              <a:tr h="370840">
-                <a:tc>
-                  <a:txBody>
-                    <a:bodyPr/>
-                    <a:lstStyle/>
-                    <a:p>
-                      <a:endParaRPr lang="en-DE"/>
-                    </a:p>
-                  </a:txBody>
-                  <a:tcPr/>
-                </a:tc>
-                <a:tc>
-                  <a:txBody>
-                    <a:bodyPr/>
-                    <a:lstStyle/>
-                    <a:p>
-                      <a:endParaRPr lang="en-DE"/>
-                    </a:p>
-                  </a:txBody>
-                  <a:tcPr/>
-                </a:tc>
-                <a:tc>
-                  <a:txBody>
-                    <a:bodyPr/>
-                    <a:lstStyle/>
-                    <a:p>
-                      <a:endParaRPr lang="en-DE" dirty="0"/>
-                    </a:p>
-                  </a:txBody>
-                  <a:tcPr/>
-                </a:tc>
-                <a:extLst>
-                  <a:ext uri="{0D108BD9-81ED-4DB2-BD59-A6C34878D82A}">
-                    <a16:rowId xmlns:a16="http://schemas.microsoft.com/office/drawing/2014/main" val="1600902040"/>
-                  </a:ext>
-                </a:extLst>
-              </a:tr>
-            </a:tbl>
-          </a:graphicData>
-        </a:graphic>
-      </p:graphicFrame>
-    </p:spTree>
-    <p:extLst>
-      <p:ext uri="{BB962C8B-B14F-4D97-AF65-F5344CB8AC3E}">
-        <p14:creationId xmlns:p14="http://schemas.microsoft.com/office/powerpoint/2010/main" val="2497459628"/>
       </p:ext>
     </p:extLst>
   </p:cSld>
@@ -5074,4 +11392,299 @@
     </a:ext>
   </a:extLst>
 </a:theme>
+</file>
+
+<file path=ppt/theme/theme2.xml><?xml version="1.0" encoding="utf-8"?>
+<a:theme xmlns:a="http://schemas.openxmlformats.org/drawingml/2006/main" name="Office Theme">
+  <a:themeElements>
+    <a:clrScheme name="Office">
+      <a:dk1>
+        <a:sysClr val="windowText" lastClr="000000"/>
+      </a:dk1>
+      <a:lt1>
+        <a:sysClr val="window" lastClr="FFFFFF"/>
+      </a:lt1>
+      <a:dk2>
+        <a:srgbClr val="44546A"/>
+      </a:dk2>
+      <a:lt2>
+        <a:srgbClr val="E7E6E6"/>
+      </a:lt2>
+      <a:accent1>
+        <a:srgbClr val="4472C4"/>
+      </a:accent1>
+      <a:accent2>
+        <a:srgbClr val="ED7D31"/>
+      </a:accent2>
+      <a:accent3>
+        <a:srgbClr val="A5A5A5"/>
+      </a:accent3>
+      <a:accent4>
+        <a:srgbClr val="FFC000"/>
+      </a:accent4>
+      <a:accent5>
+        <a:srgbClr val="5B9BD5"/>
+      </a:accent5>
+      <a:accent6>
+        <a:srgbClr val="70AD47"/>
+      </a:accent6>
+      <a:hlink>
+        <a:srgbClr val="0563C1"/>
+      </a:hlink>
+      <a:folHlink>
+        <a:srgbClr val="954F72"/>
+      </a:folHlink>
+    </a:clrScheme>
+    <a:fontScheme name="Office">
+      <a:majorFont>
+        <a:latin typeface="Calibri Light" panose="020F0302020204030204"/>
+        <a:ea typeface=""/>
+        <a:cs typeface=""/>
+        <a:font script="Jpan" typeface="游ゴシック Light"/>
+        <a:font script="Hang" typeface="맑은 고딕"/>
+        <a:font script="Hans" typeface="等线 Light"/>
+        <a:font script="Hant" typeface="新細明體"/>
+        <a:font script="Arab" typeface="Times New Roman"/>
+        <a:font script="Hebr" typeface="Times New Roman"/>
+        <a:font script="Thai" typeface="Angsana New"/>
+        <a:font script="Ethi" typeface="Nyala"/>
+        <a:font script="Beng" typeface="Vrinda"/>
+        <a:font script="Gujr" typeface="Shruti"/>
+        <a:font script="Khmr" typeface="MoolBoran"/>
+        <a:font script="Knda" typeface="Tunga"/>
+        <a:font script="Guru" typeface="Raavi"/>
+        <a:font script="Cans" typeface="Euphemia"/>
+        <a:font script="Cher" typeface="Plantagenet Cherokee"/>
+        <a:font script="Yiii" typeface="Microsoft Yi Baiti"/>
+        <a:font script="Tibt" typeface="Microsoft Himalaya"/>
+        <a:font script="Thaa" typeface="MV Boli"/>
+        <a:font script="Deva" typeface="Mangal"/>
+        <a:font script="Telu" typeface="Gautami"/>
+        <a:font script="Taml" typeface="Latha"/>
+        <a:font script="Syrc" typeface="Estrangelo Edessa"/>
+        <a:font script="Orya" typeface="Kalinga"/>
+        <a:font script="Mlym" typeface="Kartika"/>
+        <a:font script="Laoo" typeface="DokChampa"/>
+        <a:font script="Sinh" typeface="Iskoola Pota"/>
+        <a:font script="Mong" typeface="Mongolian Baiti"/>
+        <a:font script="Viet" typeface="Times New Roman"/>
+        <a:font script="Uigh" typeface="Microsoft Uighur"/>
+        <a:font script="Geor" typeface="Sylfaen"/>
+        <a:font script="Armn" typeface="Arial"/>
+        <a:font script="Bugi" typeface="Leelawadee UI"/>
+        <a:font script="Bopo" typeface="Microsoft JhengHei"/>
+        <a:font script="Java" typeface="Javanese Text"/>
+        <a:font script="Lisu" typeface="Segoe UI"/>
+        <a:font script="Mymr" typeface="Myanmar Text"/>
+        <a:font script="Nkoo" typeface="Ebrima"/>
+        <a:font script="Olck" typeface="Nirmala UI"/>
+        <a:font script="Osma" typeface="Ebrima"/>
+        <a:font script="Phag" typeface="Phagspa"/>
+        <a:font script="Syrn" typeface="Estrangelo Edessa"/>
+        <a:font script="Syrj" typeface="Estrangelo Edessa"/>
+        <a:font script="Syre" typeface="Estrangelo Edessa"/>
+        <a:font script="Sora" typeface="Nirmala UI"/>
+        <a:font script="Tale" typeface="Microsoft Tai Le"/>
+        <a:font script="Talu" typeface="Microsoft New Tai Lue"/>
+        <a:font script="Tfng" typeface="Ebrima"/>
+      </a:majorFont>
+      <a:minorFont>
+        <a:latin typeface="Calibri" panose="020F0502020204030204"/>
+        <a:ea typeface=""/>
+        <a:cs typeface=""/>
+        <a:font script="Jpan" typeface="游ゴシック"/>
+        <a:font script="Hang" typeface="맑은 고딕"/>
+        <a:font script="Hans" typeface="等线"/>
+        <a:font script="Hant" typeface="新細明體"/>
+        <a:font script="Arab" typeface="Arial"/>
+        <a:font script="Hebr" typeface="Arial"/>
+        <a:font script="Thai" typeface="Cordia New"/>
+        <a:font script="Ethi" typeface="Nyala"/>
+        <a:font script="Beng" typeface="Vrinda"/>
+        <a:font script="Gujr" typeface="Shruti"/>
+        <a:font script="Khmr" typeface="DaunPenh"/>
+        <a:font script="Knda" typeface="Tunga"/>
+        <a:font script="Guru" typeface="Raavi"/>
+        <a:font script="Cans" typeface="Euphemia"/>
+        <a:font script="Cher" typeface="Plantagenet Cherokee"/>
+        <a:font script="Yiii" typeface="Microsoft Yi Baiti"/>
+        <a:font script="Tibt" typeface="Microsoft Himalaya"/>
+        <a:font script="Thaa" typeface="MV Boli"/>
+        <a:font script="Deva" typeface="Mangal"/>
+        <a:font script="Telu" typeface="Gautami"/>
+        <a:font script="Taml" typeface="Latha"/>
+        <a:font script="Syrc" typeface="Estrangelo Edessa"/>
+        <a:font script="Orya" typeface="Kalinga"/>
+        <a:font script="Mlym" typeface="Kartika"/>
+        <a:font script="Laoo" typeface="DokChampa"/>
+        <a:font script="Sinh" typeface="Iskoola Pota"/>
+        <a:font script="Mong" typeface="Mongolian Baiti"/>
+        <a:font script="Viet" typeface="Arial"/>
+        <a:font script="Uigh" typeface="Microsoft Uighur"/>
+        <a:font script="Geor" typeface="Sylfaen"/>
+        <a:font script="Armn" typeface="Arial"/>
+        <a:font script="Bugi" typeface="Leelawadee UI"/>
+        <a:font script="Bopo" typeface="Microsoft JhengHei"/>
+        <a:font script="Java" typeface="Javanese Text"/>
+        <a:font script="Lisu" typeface="Segoe UI"/>
+        <a:font script="Mymr" typeface="Myanmar Text"/>
+        <a:font script="Nkoo" typeface="Ebrima"/>
+        <a:font script="Olck" typeface="Nirmala UI"/>
+        <a:font script="Osma" typeface="Ebrima"/>
+        <a:font script="Phag" typeface="Phagspa"/>
+        <a:font script="Syrn" typeface="Estrangelo Edessa"/>
+        <a:font script="Syrj" typeface="Estrangelo Edessa"/>
+        <a:font script="Syre" typeface="Estrangelo Edessa"/>
+        <a:font script="Sora" typeface="Nirmala UI"/>
+        <a:font script="Tale" typeface="Microsoft Tai Le"/>
+        <a:font script="Talu" typeface="Microsoft New Tai Lue"/>
+        <a:font script="Tfng" typeface="Ebrima"/>
+      </a:minorFont>
+    </a:fontScheme>
+    <a:fmtScheme name="Office">
+      <a:fillStyleLst>
+        <a:solidFill>
+          <a:schemeClr val="phClr"/>
+        </a:solidFill>
+        <a:gradFill rotWithShape="1">
+          <a:gsLst>
+            <a:gs pos="0">
+              <a:schemeClr val="phClr">
+                <a:lumMod val="110000"/>
+                <a:satMod val="105000"/>
+                <a:tint val="67000"/>
+              </a:schemeClr>
+            </a:gs>
+            <a:gs pos="50000">
+              <a:schemeClr val="phClr">
+                <a:lumMod val="105000"/>
+                <a:satMod val="103000"/>
+                <a:tint val="73000"/>
+              </a:schemeClr>
+            </a:gs>
+            <a:gs pos="100000">
+              <a:schemeClr val="phClr">
+                <a:lumMod val="105000"/>
+                <a:satMod val="109000"/>
+                <a:tint val="81000"/>
+              </a:schemeClr>
+            </a:gs>
+          </a:gsLst>
+          <a:lin ang="5400000" scaled="0"/>
+        </a:gradFill>
+        <a:gradFill rotWithShape="1">
+          <a:gsLst>
+            <a:gs pos="0">
+              <a:schemeClr val="phClr">
+                <a:satMod val="103000"/>
+                <a:lumMod val="102000"/>
+                <a:tint val="94000"/>
+              </a:schemeClr>
+            </a:gs>
+            <a:gs pos="50000">
+              <a:schemeClr val="phClr">
+                <a:satMod val="110000"/>
+                <a:lumMod val="100000"/>
+                <a:shade val="100000"/>
+              </a:schemeClr>
+            </a:gs>
+            <a:gs pos="100000">
+              <a:schemeClr val="phClr">
+                <a:lumMod val="99000"/>
+                <a:satMod val="120000"/>
+                <a:shade val="78000"/>
+              </a:schemeClr>
+            </a:gs>
+          </a:gsLst>
+          <a:lin ang="5400000" scaled="0"/>
+        </a:gradFill>
+      </a:fillStyleLst>
+      <a:lnStyleLst>
+        <a:ln w="6350" cap="flat" cmpd="sng" algn="ctr">
+          <a:solidFill>
+            <a:schemeClr val="phClr"/>
+          </a:solidFill>
+          <a:prstDash val="solid"/>
+          <a:miter lim="800000"/>
+        </a:ln>
+        <a:ln w="12700" cap="flat" cmpd="sng" algn="ctr">
+          <a:solidFill>
+            <a:schemeClr val="phClr"/>
+          </a:solidFill>
+          <a:prstDash val="solid"/>
+          <a:miter lim="800000"/>
+        </a:ln>
+        <a:ln w="19050" cap="flat" cmpd="sng" algn="ctr">
+          <a:solidFill>
+            <a:schemeClr val="phClr"/>
+          </a:solidFill>
+          <a:prstDash val="solid"/>
+          <a:miter lim="800000"/>
+        </a:ln>
+      </a:lnStyleLst>
+      <a:effectStyleLst>
+        <a:effectStyle>
+          <a:effectLst/>
+        </a:effectStyle>
+        <a:effectStyle>
+          <a:effectLst/>
+        </a:effectStyle>
+        <a:effectStyle>
+          <a:effectLst>
+            <a:outerShdw blurRad="57150" dist="19050" dir="5400000" algn="ctr" rotWithShape="0">
+              <a:srgbClr val="000000">
+                <a:alpha val="63000"/>
+              </a:srgbClr>
+            </a:outerShdw>
+          </a:effectLst>
+        </a:effectStyle>
+      </a:effectStyleLst>
+      <a:bgFillStyleLst>
+        <a:solidFill>
+          <a:schemeClr val="phClr"/>
+        </a:solidFill>
+        <a:solidFill>
+          <a:schemeClr val="phClr">
+            <a:tint val="95000"/>
+            <a:satMod val="170000"/>
+          </a:schemeClr>
+        </a:solidFill>
+        <a:gradFill rotWithShape="1">
+          <a:gsLst>
+            <a:gs pos="0">
+              <a:schemeClr val="phClr">
+                <a:tint val="93000"/>
+                <a:satMod val="150000"/>
+                <a:shade val="98000"/>
+                <a:lumMod val="102000"/>
+              </a:schemeClr>
+            </a:gs>
+            <a:gs pos="50000">
+              <a:schemeClr val="phClr">
+                <a:tint val="98000"/>
+                <a:satMod val="130000"/>
+                <a:shade val="90000"/>
+                <a:lumMod val="103000"/>
+              </a:schemeClr>
+            </a:gs>
+            <a:gs pos="100000">
+              <a:schemeClr val="phClr">
+                <a:shade val="63000"/>
+                <a:satMod val="120000"/>
+              </a:schemeClr>
+            </a:gs>
+          </a:gsLst>
+          <a:lin ang="5400000" scaled="0"/>
+        </a:gradFill>
+      </a:bgFillStyleLst>
+    </a:fmtScheme>
+  </a:themeElements>
+  <a:objectDefaults/>
+  <a:extraClrSchemeLst/>
+  <a:extLst>
+    <a:ext uri="{05A4C25C-085E-4340-85A3-A5531E510DB2}">
+      <thm15:themeFamily xmlns:thm15="http://schemas.microsoft.com/office/thememl/2012/main" name="Office Theme" id="{62F939B6-93AF-4DB8-9C6B-D6C7DFDC589F}" vid="{4A3C46E8-61CC-4603-A589-7422A47A8E4A}"/>
+    </a:ext>
+  </a:extLst>
+</a:theme>
 </file>